--- a/FDA2018/FDA_Presentation2.pptx
+++ b/FDA2018/FDA_Presentation2.pptx
@@ -1,24 +1,24 @@
 
 <file path=ppt/presentation.xml><?xml version="1.0" encoding="utf-8"?>
-<p:presentation xmlns:a="http://schemas.openxmlformats.org/drawingml/2006/main" xmlns:r="http://schemas.openxmlformats.org/officeDocument/2006/relationships" xmlns:p="http://schemas.openxmlformats.org/presentationml/2006/main" xmlns:mc="http://schemas.openxmlformats.org/markup-compatibility/2006" xmlns:c="http://schemas.openxmlformats.org/drawingml/2006/chart" xmlns:ns6="http://schemas.openxmlformats.org/drawingml/2006/chartDrawing" xmlns:dgm="http://schemas.openxmlformats.org/drawingml/2006/diagram" xmlns:pic="http://schemas.openxmlformats.org/drawingml/2006/picture" xmlns:wp="http://schemas.openxmlformats.org/drawingml/2006/wordprocessingDrawing" xmlns:xdr="http://schemas.openxmlformats.org/drawingml/2006/spreadsheetDrawing" xmlns:ns11="http://schemas.openxmlformats.org/drawingml/2006/compatibility" xmlns:ns12="http://schemas.openxmlformats.org/drawingml/2006/lockedCanvas" autoCompressPictures="false">
+<p:presentation xmlns:a="http://schemas.openxmlformats.org/drawingml/2006/main" xmlns:r="http://schemas.openxmlformats.org/officeDocument/2006/relationships" xmlns:p="http://schemas.openxmlformats.org/presentationml/2006/main" autoCompressPictures="0">
   <p:sldMasterIdLst>
     <p:sldMasterId id="2147483648" r:id="rId1"/>
   </p:sldMasterIdLst>
   <p:sldIdLst>
     <p:sldId id="256" r:id="rId2"/>
-    <p:sldId id="1564174754" r:id="rId7"/>
-    <p:sldId id="1386965799" r:id="rId8"/>
-    <p:sldId id="885210656" r:id="rId9"/>
-    <p:sldId id="490497476" r:id="rId10"/>
-    <p:sldId id="1308340886" r:id="rId11"/>
-    <p:sldId id="2103066581" r:id="rId12"/>
-    <p:sldId id="505354336" r:id="rId13"/>
-    <p:sldId id="875175744" r:id="rId14"/>
-    <p:sldId id="291626399" r:id="rId15"/>
-    <p:sldId id="384146236" r:id="rId16"/>
-    <p:sldId id="1132904181" r:id="rId17"/>
-    <p:sldId id="1969205985" r:id="rId18"/>
-    <p:sldId id="371614834" r:id="rId19"/>
+    <p:sldId id="1564174754" r:id="rId3"/>
+    <p:sldId id="1386965799" r:id="rId4"/>
+    <p:sldId id="885210656" r:id="rId5"/>
+    <p:sldId id="490497476" r:id="rId6"/>
+    <p:sldId id="1308340886" r:id="rId7"/>
+    <p:sldId id="2103066581" r:id="rId8"/>
+    <p:sldId id="505354336" r:id="rId9"/>
+    <p:sldId id="875175744" r:id="rId10"/>
+    <p:sldId id="291626399" r:id="rId11"/>
+    <p:sldId id="384146236" r:id="rId12"/>
+    <p:sldId id="1132904181" r:id="rId13"/>
+    <p:sldId id="1969205985" r:id="rId14"/>
+    <p:sldId id="371614834" r:id="rId15"/>
   </p:sldIdLst>
   <p:sldSz cx="12192000" cy="6858000"/>
   <p:notesSz cx="6858000" cy="9144000"/>
@@ -26,7 +26,7 @@
     <a:defPPr>
       <a:defRPr lang="en-US"/>
     </a:defPPr>
-    <a:lvl1pPr marL="0" algn="l" defTabSz="457200" rtl="false" eaLnBrk="true" latinLnBrk="false" hangingPunct="true">
+    <a:lvl1pPr marL="0" algn="l" defTabSz="457200" rtl="0" eaLnBrk="1" latinLnBrk="0" hangingPunct="1">
       <a:defRPr sz="1800" kern="1200">
         <a:solidFill>
           <a:schemeClr val="tx1"/>
@@ -36,7 +36,7 @@
         <a:cs typeface="+mn-cs"/>
       </a:defRPr>
     </a:lvl1pPr>
-    <a:lvl2pPr marL="457200" algn="l" defTabSz="457200" rtl="false" eaLnBrk="true" latinLnBrk="false" hangingPunct="true">
+    <a:lvl2pPr marL="457200" algn="l" defTabSz="457200" rtl="0" eaLnBrk="1" latinLnBrk="0" hangingPunct="1">
       <a:defRPr sz="1800" kern="1200">
         <a:solidFill>
           <a:schemeClr val="tx1"/>
@@ -46,7 +46,7 @@
         <a:cs typeface="+mn-cs"/>
       </a:defRPr>
     </a:lvl2pPr>
-    <a:lvl3pPr marL="914400" algn="l" defTabSz="457200" rtl="false" eaLnBrk="true" latinLnBrk="false" hangingPunct="true">
+    <a:lvl3pPr marL="914400" algn="l" defTabSz="457200" rtl="0" eaLnBrk="1" latinLnBrk="0" hangingPunct="1">
       <a:defRPr sz="1800" kern="1200">
         <a:solidFill>
           <a:schemeClr val="tx1"/>
@@ -56,7 +56,7 @@
         <a:cs typeface="+mn-cs"/>
       </a:defRPr>
     </a:lvl3pPr>
-    <a:lvl4pPr marL="1371600" algn="l" defTabSz="457200" rtl="false" eaLnBrk="true" latinLnBrk="false" hangingPunct="true">
+    <a:lvl4pPr marL="1371600" algn="l" defTabSz="457200" rtl="0" eaLnBrk="1" latinLnBrk="0" hangingPunct="1">
       <a:defRPr sz="1800" kern="1200">
         <a:solidFill>
           <a:schemeClr val="tx1"/>
@@ -66,7 +66,7 @@
         <a:cs typeface="+mn-cs"/>
       </a:defRPr>
     </a:lvl4pPr>
-    <a:lvl5pPr marL="1828800" algn="l" defTabSz="457200" rtl="false" eaLnBrk="true" latinLnBrk="false" hangingPunct="true">
+    <a:lvl5pPr marL="1828800" algn="l" defTabSz="457200" rtl="0" eaLnBrk="1" latinLnBrk="0" hangingPunct="1">
       <a:defRPr sz="1800" kern="1200">
         <a:solidFill>
           <a:schemeClr val="tx1"/>
@@ -76,7 +76,7 @@
         <a:cs typeface="+mn-cs"/>
       </a:defRPr>
     </a:lvl5pPr>
-    <a:lvl6pPr marL="2286000" algn="l" defTabSz="457200" rtl="false" eaLnBrk="true" latinLnBrk="false" hangingPunct="true">
+    <a:lvl6pPr marL="2286000" algn="l" defTabSz="457200" rtl="0" eaLnBrk="1" latinLnBrk="0" hangingPunct="1">
       <a:defRPr sz="1800" kern="1200">
         <a:solidFill>
           <a:schemeClr val="tx1"/>
@@ -86,7 +86,7 @@
         <a:cs typeface="+mn-cs"/>
       </a:defRPr>
     </a:lvl6pPr>
-    <a:lvl7pPr marL="2743200" algn="l" defTabSz="457200" rtl="false" eaLnBrk="true" latinLnBrk="false" hangingPunct="true">
+    <a:lvl7pPr marL="2743200" algn="l" defTabSz="457200" rtl="0" eaLnBrk="1" latinLnBrk="0" hangingPunct="1">
       <a:defRPr sz="1800" kern="1200">
         <a:solidFill>
           <a:schemeClr val="tx1"/>
@@ -96,7 +96,7 @@
         <a:cs typeface="+mn-cs"/>
       </a:defRPr>
     </a:lvl7pPr>
-    <a:lvl8pPr marL="3200400" algn="l" defTabSz="457200" rtl="false" eaLnBrk="true" latinLnBrk="false" hangingPunct="true">
+    <a:lvl8pPr marL="3200400" algn="l" defTabSz="457200" rtl="0" eaLnBrk="1" latinLnBrk="0" hangingPunct="1">
       <a:defRPr sz="1800" kern="1200">
         <a:solidFill>
           <a:schemeClr val="tx1"/>
@@ -106,7 +106,7 @@
         <a:cs typeface="+mn-cs"/>
       </a:defRPr>
     </a:lvl8pPr>
-    <a:lvl9pPr marL="3657600" algn="l" defTabSz="457200" rtl="false" eaLnBrk="true" latinLnBrk="false" hangingPunct="true">
+    <a:lvl9pPr marL="3657600" algn="l" defTabSz="457200" rtl="0" eaLnBrk="1" latinLnBrk="0" hangingPunct="1">
       <a:defRPr sz="1800" kern="1200">
         <a:solidFill>
           <a:schemeClr val="tx1"/>
@@ -117,11 +117,20 @@
       </a:defRPr>
     </a:lvl9pPr>
   </p:defaultTextStyle>
+  <p:extLst>
+    <p:ext uri="{EFAFB233-063F-42B5-8137-9DF3F51BA10A}">
+      <p15:sldGuideLst xmlns:p15="http://schemas.microsoft.com/office/powerpoint/2012/main"/>
+    </p:ext>
+  </p:extLst>
 </p:presentation>
 </file>
 
+<file path=ppt/revisionInfo.xml><?xml version="1.0" encoding="utf-8"?>
+<p1510:revInfo xmlns:a="http://schemas.openxmlformats.org/drawingml/2006/main" xmlns:r="http://schemas.openxmlformats.org/officeDocument/2006/relationships" xmlns:p1510="http://schemas.microsoft.com/office/powerpoint/2015/10/main"/>
+</file>
+
 <file path=ppt/slideLayouts/slideLayout1.xml><?xml version="1.0" encoding="utf-8"?>
-<p:sldLayout xmlns:a="http://schemas.openxmlformats.org/drawingml/2006/main" xmlns:r="http://schemas.openxmlformats.org/officeDocument/2006/relationships" xmlns:p="http://schemas.openxmlformats.org/presentationml/2006/main" xmlns:mc="http://schemas.openxmlformats.org/markup-compatibility/2006" xmlns:c="http://schemas.openxmlformats.org/drawingml/2006/chart" xmlns:ns6="http://schemas.openxmlformats.org/drawingml/2006/chartDrawing" xmlns:dgm="http://schemas.openxmlformats.org/drawingml/2006/diagram" xmlns:pic="http://schemas.openxmlformats.org/drawingml/2006/picture" xmlns:wp="http://schemas.openxmlformats.org/drawingml/2006/wordprocessingDrawing" xmlns:xdr="http://schemas.openxmlformats.org/drawingml/2006/spreadsheetDrawing" xmlns:ns11="http://schemas.openxmlformats.org/drawingml/2006/compatibility" xmlns:ns12="http://schemas.openxmlformats.org/drawingml/2006/lockedCanvas" type="title" preserve="true" showMasterSp="false">
+<p:sldLayout xmlns:a="http://schemas.openxmlformats.org/drawingml/2006/main" xmlns:r="http://schemas.openxmlformats.org/officeDocument/2006/relationships" xmlns:p="http://schemas.openxmlformats.org/presentationml/2006/main" showMasterSp="0" type="title" preserve="1">
   <p:cSld name="Title Slide">
     <p:spTree>
       <p:nvGrpSpPr>
@@ -195,7 +204,7 @@
             <p:nvPr/>
           </p:nvCxnSpPr>
           <p:spPr>
-            <a:xfrm flipH="true">
+            <a:xfrm flipH="1">
               <a:off x="7425267" y="3681413"/>
               <a:ext cx="4763558" cy="3176587"/>
             </a:xfrm>
@@ -671,7 +680,7 @@
         <p:nvSpPr>
           <p:cNvPr id="2" name="Title 1"/>
           <p:cNvSpPr>
-            <a:spLocks noGrp="true"/>
+            <a:spLocks noGrp="1"/>
           </p:cNvSpPr>
           <p:nvPr>
             <p:ph type="ctrTitle"/>
@@ -698,10 +707,10 @@
           </a:lstStyle>
           <a:p>
             <a:r>
-              <a:rPr lang="en-US" smtClean="false"/>
+              <a:rPr lang="en-US"/>
               <a:t>Click to edit Master title style</a:t>
             </a:r>
-            <a:endParaRPr lang="en-US" dirty="false"/>
+            <a:endParaRPr lang="en-US" dirty="0"/>
           </a:p>
         </p:txBody>
       </p:sp>
@@ -709,7 +718,7 @@
         <p:nvSpPr>
           <p:cNvPr id="3" name="Subtitle 2"/>
           <p:cNvSpPr>
-            <a:spLocks noGrp="true"/>
+            <a:spLocks noGrp="1"/>
           </p:cNvSpPr>
           <p:nvPr>
             <p:ph type="subTitle" idx="1"/>
@@ -818,10 +827,10 @@
           </a:lstStyle>
           <a:p>
             <a:r>
-              <a:rPr lang="en-US" smtClean="false"/>
+              <a:rPr lang="en-US"/>
               <a:t>Click to edit Master subtitle style</a:t>
             </a:r>
-            <a:endParaRPr lang="en-US" dirty="false"/>
+            <a:endParaRPr lang="en-US" dirty="0"/>
           </a:p>
         </p:txBody>
       </p:sp>
@@ -829,7 +838,7 @@
         <p:nvSpPr>
           <p:cNvPr id="4" name="Date Placeholder 3"/>
           <p:cNvSpPr>
-            <a:spLocks noGrp="true"/>
+            <a:spLocks noGrp="1"/>
           </p:cNvSpPr>
           <p:nvPr>
             <p:ph type="dt" sz="half" idx="10"/>
@@ -841,11 +850,11 @@
           <a:lstStyle/>
           <a:p>
             <a:fld id="{B61BEF0D-F0BB-DE4B-95CE-6DB70DBA9567}" type="datetimeFigureOut">
-              <a:rPr lang="en-US" dirty="false"/>
+              <a:rPr lang="en-US" dirty="0"/>
               <a:pPr/>
-              <a:t>9/11/2014</a:t>
+              <a:t>1/19/2018</a:t>
             </a:fld>
-            <a:endParaRPr lang="en-US" dirty="false"/>
+            <a:endParaRPr lang="en-US" dirty="0"/>
           </a:p>
         </p:txBody>
       </p:sp>
@@ -853,7 +862,7 @@
         <p:nvSpPr>
           <p:cNvPr id="5" name="Footer Placeholder 4"/>
           <p:cNvSpPr>
-            <a:spLocks noGrp="true"/>
+            <a:spLocks noGrp="1"/>
           </p:cNvSpPr>
           <p:nvPr>
             <p:ph type="ftr" sz="quarter" idx="11"/>
@@ -864,7 +873,7 @@
           <a:bodyPr/>
           <a:lstStyle/>
           <a:p>
-            <a:endParaRPr lang="en-US" dirty="false"/>
+            <a:endParaRPr lang="en-US" dirty="0"/>
           </a:p>
         </p:txBody>
       </p:sp>
@@ -872,7 +881,7 @@
         <p:nvSpPr>
           <p:cNvPr id="6" name="Slide Number Placeholder 5"/>
           <p:cNvSpPr>
-            <a:spLocks noGrp="true"/>
+            <a:spLocks noGrp="1"/>
           </p:cNvSpPr>
           <p:nvPr>
             <p:ph type="sldNum" sz="quarter" idx="12"/>
@@ -884,11 +893,11 @@
           <a:lstStyle/>
           <a:p>
             <a:fld id="{D57F1E4F-1CFF-5643-939E-217C01CDF565}" type="slidenum">
-              <a:rPr lang="en-US" dirty="false"/>
+              <a:rPr lang="en-US" dirty="0"/>
               <a:pPr/>
               <a:t>‹#›</a:t>
             </a:fld>
-            <a:endParaRPr lang="en-US" dirty="false"/>
+            <a:endParaRPr lang="en-US" dirty="0"/>
           </a:p>
         </p:txBody>
       </p:sp>
@@ -901,7 +910,7 @@
 </file>
 
 <file path=ppt/slideLayouts/slideLayout10.xml><?xml version="1.0" encoding="utf-8"?>
-<p:sldLayout xmlns:a="http://schemas.openxmlformats.org/drawingml/2006/main" xmlns:r="http://schemas.openxmlformats.org/officeDocument/2006/relationships" xmlns:p="http://schemas.openxmlformats.org/presentationml/2006/main" xmlns:mc="http://schemas.openxmlformats.org/markup-compatibility/2006" xmlns:c="http://schemas.openxmlformats.org/drawingml/2006/chart" xmlns:ns6="http://schemas.openxmlformats.org/drawingml/2006/chartDrawing" xmlns:dgm="http://schemas.openxmlformats.org/drawingml/2006/diagram" xmlns:pic="http://schemas.openxmlformats.org/drawingml/2006/picture" xmlns:wp="http://schemas.openxmlformats.org/drawingml/2006/wordprocessingDrawing" xmlns:xdr="http://schemas.openxmlformats.org/drawingml/2006/spreadsheetDrawing" xmlns:ns11="http://schemas.openxmlformats.org/drawingml/2006/compatibility" xmlns:ns12="http://schemas.openxmlformats.org/drawingml/2006/lockedCanvas" preserve="true">
+<p:sldLayout xmlns:a="http://schemas.openxmlformats.org/drawingml/2006/main" xmlns:r="http://schemas.openxmlformats.org/officeDocument/2006/relationships" xmlns:p="http://schemas.openxmlformats.org/presentationml/2006/main" preserve="1">
   <p:cSld name="Title and Caption">
     <p:spTree>
       <p:nvGrpSpPr>
@@ -921,7 +930,7 @@
         <p:nvSpPr>
           <p:cNvPr id="2" name="Title 1"/>
           <p:cNvSpPr>
-            <a:spLocks noGrp="true"/>
+            <a:spLocks noGrp="1"/>
           </p:cNvSpPr>
           <p:nvPr>
             <p:ph type="title"/>
@@ -939,15 +948,15 @@
           </a:bodyPr>
           <a:lstStyle>
             <a:lvl1pPr algn="l">
-              <a:defRPr sz="4400" b="false" cap="none"/>
+              <a:defRPr sz="4400" b="0" cap="none"/>
             </a:lvl1pPr>
           </a:lstStyle>
           <a:p>
             <a:r>
-              <a:rPr lang="en-US" smtClean="false"/>
+              <a:rPr lang="en-US"/>
               <a:t>Click to edit Master title style</a:t>
             </a:r>
-            <a:endParaRPr lang="en-US" dirty="false"/>
+            <a:endParaRPr lang="en-US" dirty="0"/>
           </a:p>
         </p:txBody>
       </p:sp>
@@ -955,7 +964,7 @@
         <p:nvSpPr>
           <p:cNvPr id="3" name="Text Placeholder 2"/>
           <p:cNvSpPr>
-            <a:spLocks noGrp="true"/>
+            <a:spLocks noGrp="1"/>
           </p:cNvSpPr>
           <p:nvPr>
             <p:ph type="body" idx="1"/>
@@ -1067,7 +1076,7 @@
           <a:p>
             <a:pPr lvl="0"/>
             <a:r>
-              <a:rPr lang="en-US" smtClean="false"/>
+              <a:rPr lang="en-US"/>
               <a:t>Click to edit Master text styles</a:t>
             </a:r>
           </a:p>
@@ -1077,7 +1086,7 @@
         <p:nvSpPr>
           <p:cNvPr id="4" name="Date Placeholder 3"/>
           <p:cNvSpPr>
-            <a:spLocks noGrp="true"/>
+            <a:spLocks noGrp="1"/>
           </p:cNvSpPr>
           <p:nvPr>
             <p:ph type="dt" sz="half" idx="10"/>
@@ -1089,11 +1098,11 @@
           <a:lstStyle/>
           <a:p>
             <a:fld id="{B61BEF0D-F0BB-DE4B-95CE-6DB70DBA9567}" type="datetimeFigureOut">
-              <a:rPr lang="en-US" dirty="false"/>
+              <a:rPr lang="en-US" dirty="0"/>
               <a:pPr/>
-              <a:t>9/11/2014</a:t>
+              <a:t>1/19/2018</a:t>
             </a:fld>
-            <a:endParaRPr lang="en-US" dirty="false"/>
+            <a:endParaRPr lang="en-US" dirty="0"/>
           </a:p>
         </p:txBody>
       </p:sp>
@@ -1101,7 +1110,7 @@
         <p:nvSpPr>
           <p:cNvPr id="5" name="Footer Placeholder 4"/>
           <p:cNvSpPr>
-            <a:spLocks noGrp="true"/>
+            <a:spLocks noGrp="1"/>
           </p:cNvSpPr>
           <p:nvPr>
             <p:ph type="ftr" sz="quarter" idx="11"/>
@@ -1112,7 +1121,7 @@
           <a:bodyPr/>
           <a:lstStyle/>
           <a:p>
-            <a:endParaRPr lang="en-US" dirty="false"/>
+            <a:endParaRPr lang="en-US" dirty="0"/>
           </a:p>
         </p:txBody>
       </p:sp>
@@ -1120,7 +1129,7 @@
         <p:nvSpPr>
           <p:cNvPr id="6" name="Slide Number Placeholder 5"/>
           <p:cNvSpPr>
-            <a:spLocks noGrp="true"/>
+            <a:spLocks noGrp="1"/>
           </p:cNvSpPr>
           <p:nvPr>
             <p:ph type="sldNum" sz="quarter" idx="12"/>
@@ -1132,11 +1141,11 @@
           <a:lstStyle/>
           <a:p>
             <a:fld id="{D57F1E4F-1CFF-5643-939E-217C01CDF565}" type="slidenum">
-              <a:rPr lang="en-US" dirty="false"/>
+              <a:rPr lang="en-US" dirty="0"/>
               <a:pPr/>
               <a:t>‹#›</a:t>
             </a:fld>
-            <a:endParaRPr lang="en-US" dirty="false"/>
+            <a:endParaRPr lang="en-US" dirty="0"/>
           </a:p>
         </p:txBody>
       </p:sp>
@@ -1149,7 +1158,7 @@
 </file>
 
 <file path=ppt/slideLayouts/slideLayout11.xml><?xml version="1.0" encoding="utf-8"?>
-<p:sldLayout xmlns:a="http://schemas.openxmlformats.org/drawingml/2006/main" xmlns:r="http://schemas.openxmlformats.org/officeDocument/2006/relationships" xmlns:p="http://schemas.openxmlformats.org/presentationml/2006/main" xmlns:mc="http://schemas.openxmlformats.org/markup-compatibility/2006" xmlns:c="http://schemas.openxmlformats.org/drawingml/2006/chart" xmlns:ns6="http://schemas.openxmlformats.org/drawingml/2006/chartDrawing" xmlns:dgm="http://schemas.openxmlformats.org/drawingml/2006/diagram" xmlns:pic="http://schemas.openxmlformats.org/drawingml/2006/picture" xmlns:wp="http://schemas.openxmlformats.org/drawingml/2006/wordprocessingDrawing" xmlns:xdr="http://schemas.openxmlformats.org/drawingml/2006/spreadsheetDrawing" xmlns:ns11="http://schemas.openxmlformats.org/drawingml/2006/compatibility" xmlns:ns12="http://schemas.openxmlformats.org/drawingml/2006/lockedCanvas" preserve="true">
+<p:sldLayout xmlns:a="http://schemas.openxmlformats.org/drawingml/2006/main" xmlns:r="http://schemas.openxmlformats.org/officeDocument/2006/relationships" xmlns:p="http://schemas.openxmlformats.org/presentationml/2006/main" preserve="1">
   <p:cSld name="Quote with Caption">
     <p:spTree>
       <p:nvGrpSpPr>
@@ -1169,7 +1178,7 @@
         <p:nvSpPr>
           <p:cNvPr id="2" name="Title 1"/>
           <p:cNvSpPr>
-            <a:spLocks noGrp="true"/>
+            <a:spLocks noGrp="1"/>
           </p:cNvSpPr>
           <p:nvPr>
             <p:ph type="title"/>
@@ -1187,15 +1196,15 @@
           </a:bodyPr>
           <a:lstStyle>
             <a:lvl1pPr algn="l">
-              <a:defRPr sz="4400" b="false" cap="none"/>
+              <a:defRPr sz="4400" b="0" cap="none"/>
             </a:lvl1pPr>
           </a:lstStyle>
           <a:p>
             <a:r>
-              <a:rPr lang="en-US" smtClean="false"/>
+              <a:rPr lang="en-US"/>
               <a:t>Click to edit Master title style</a:t>
             </a:r>
-            <a:endParaRPr lang="en-US" dirty="false"/>
+            <a:endParaRPr lang="en-US" dirty="0"/>
           </a:p>
         </p:txBody>
       </p:sp>
@@ -1203,7 +1212,7 @@
         <p:nvSpPr>
           <p:cNvPr id="23" name="Text Placeholder 9"/>
           <p:cNvSpPr>
-            <a:spLocks noGrp="true"/>
+            <a:spLocks noGrp="1"/>
           </p:cNvSpPr>
           <p:nvPr>
             <p:ph type="body" sz="quarter" idx="13"/>
@@ -1256,7 +1265,7 @@
           <a:p>
             <a:pPr lvl="0"/>
             <a:r>
-              <a:rPr lang="en-US" smtClean="false"/>
+              <a:rPr lang="en-US"/>
               <a:t>Click to edit Master text styles</a:t>
             </a:r>
           </a:p>
@@ -1266,7 +1275,7 @@
         <p:nvSpPr>
           <p:cNvPr id="3" name="Text Placeholder 2"/>
           <p:cNvSpPr>
-            <a:spLocks noGrp="true"/>
+            <a:spLocks noGrp="1"/>
           </p:cNvSpPr>
           <p:nvPr>
             <p:ph type="body" idx="1"/>
@@ -1378,7 +1387,7 @@
           <a:p>
             <a:pPr lvl="0"/>
             <a:r>
-              <a:rPr lang="en-US" smtClean="false"/>
+              <a:rPr lang="en-US"/>
               <a:t>Click to edit Master text styles</a:t>
             </a:r>
           </a:p>
@@ -1388,7 +1397,7 @@
         <p:nvSpPr>
           <p:cNvPr id="4" name="Date Placeholder 3"/>
           <p:cNvSpPr>
-            <a:spLocks noGrp="true"/>
+            <a:spLocks noGrp="1"/>
           </p:cNvSpPr>
           <p:nvPr>
             <p:ph type="dt" sz="half" idx="10"/>
@@ -1400,11 +1409,11 @@
           <a:lstStyle/>
           <a:p>
             <a:fld id="{B61BEF0D-F0BB-DE4B-95CE-6DB70DBA9567}" type="datetimeFigureOut">
-              <a:rPr lang="en-US" dirty="false"/>
+              <a:rPr lang="en-US" dirty="0"/>
               <a:pPr/>
-              <a:t>9/11/2014</a:t>
+              <a:t>1/19/2018</a:t>
             </a:fld>
-            <a:endParaRPr lang="en-US" dirty="false"/>
+            <a:endParaRPr lang="en-US" dirty="0"/>
           </a:p>
         </p:txBody>
       </p:sp>
@@ -1412,7 +1421,7 @@
         <p:nvSpPr>
           <p:cNvPr id="5" name="Footer Placeholder 4"/>
           <p:cNvSpPr>
-            <a:spLocks noGrp="true"/>
+            <a:spLocks noGrp="1"/>
           </p:cNvSpPr>
           <p:nvPr>
             <p:ph type="ftr" sz="quarter" idx="11"/>
@@ -1423,7 +1432,7 @@
           <a:bodyPr/>
           <a:lstStyle/>
           <a:p>
-            <a:endParaRPr lang="en-US" dirty="false"/>
+            <a:endParaRPr lang="en-US" dirty="0"/>
           </a:p>
         </p:txBody>
       </p:sp>
@@ -1431,7 +1440,7 @@
         <p:nvSpPr>
           <p:cNvPr id="6" name="Slide Number Placeholder 5"/>
           <p:cNvSpPr>
-            <a:spLocks noGrp="true"/>
+            <a:spLocks noGrp="1"/>
           </p:cNvSpPr>
           <p:nvPr>
             <p:ph type="sldNum" sz="quarter" idx="12"/>
@@ -1443,18 +1452,18 @@
           <a:lstStyle/>
           <a:p>
             <a:fld id="{D57F1E4F-1CFF-5643-939E-217C01CDF565}" type="slidenum">
-              <a:rPr lang="en-US" dirty="false"/>
+              <a:rPr lang="en-US" dirty="0"/>
               <a:pPr/>
               <a:t>‹#›</a:t>
             </a:fld>
-            <a:endParaRPr lang="en-US" dirty="false"/>
+            <a:endParaRPr lang="en-US" dirty="0"/>
           </a:p>
         </p:txBody>
       </p:sp>
       <p:sp>
         <p:nvSpPr>
           <p:cNvPr id="20" name="TextBox 19"/>
-          <p:cNvSpPr txBox="true"/>
+          <p:cNvSpPr txBox="1"/>
           <p:nvPr/>
         </p:nvSpPr>
         <p:spPr>
@@ -1467,14 +1476,14 @@
           </a:prstGeom>
         </p:spPr>
         <p:txBody>
-          <a:bodyPr vert="horz" lIns="91440" tIns="45720" rIns="91440" bIns="45720" rtlCol="false" anchor="ctr">
+          <a:bodyPr vert="horz" lIns="91440" tIns="45720" rIns="91440" bIns="45720" rtlCol="0" anchor="ctr">
             <a:noAutofit/>
           </a:bodyPr>
           <a:lstStyle/>
           <a:p>
             <a:pPr lvl="0"/>
             <a:r>
-              <a:rPr lang="en-US" sz="8000" baseline="0" dirty="false">
+              <a:rPr lang="en-US" sz="8000" baseline="0" dirty="0">
                 <a:ln w="3175" cmpd="sng">
                   <a:noFill/>
                 </a:ln>
@@ -1495,7 +1504,7 @@
       <p:sp>
         <p:nvSpPr>
           <p:cNvPr id="22" name="TextBox 21"/>
-          <p:cNvSpPr txBox="true"/>
+          <p:cNvSpPr txBox="1"/>
           <p:nvPr/>
         </p:nvSpPr>
         <p:spPr>
@@ -1508,14 +1517,14 @@
           </a:prstGeom>
         </p:spPr>
         <p:txBody>
-          <a:bodyPr vert="horz" lIns="91440" tIns="45720" rIns="91440" bIns="45720" rtlCol="false" anchor="ctr">
+          <a:bodyPr vert="horz" lIns="91440" tIns="45720" rIns="91440" bIns="45720" rtlCol="0" anchor="ctr">
             <a:noAutofit/>
           </a:bodyPr>
           <a:lstStyle/>
           <a:p>
             <a:pPr lvl="0"/>
             <a:r>
-              <a:rPr lang="en-US" sz="8000" baseline="0" dirty="false">
+              <a:rPr lang="en-US" sz="8000" baseline="0" dirty="0">
                 <a:ln w="3175" cmpd="sng">
                   <a:noFill/>
                 </a:ln>
@@ -1529,7 +1538,7 @@
               </a:rPr>
               <a:t>”</a:t>
             </a:r>
-            <a:endParaRPr lang="en-US" dirty="false">
+            <a:endParaRPr lang="en-US" dirty="0">
               <a:solidFill>
                 <a:schemeClr val="accent1">
                   <a:lumMod val="60000"/>
@@ -1550,7 +1559,7 @@
 </file>
 
 <file path=ppt/slideLayouts/slideLayout12.xml><?xml version="1.0" encoding="utf-8"?>
-<p:sldLayout xmlns:a="http://schemas.openxmlformats.org/drawingml/2006/main" xmlns:r="http://schemas.openxmlformats.org/officeDocument/2006/relationships" xmlns:p="http://schemas.openxmlformats.org/presentationml/2006/main" xmlns:mc="http://schemas.openxmlformats.org/markup-compatibility/2006" xmlns:c="http://schemas.openxmlformats.org/drawingml/2006/chart" xmlns:ns6="http://schemas.openxmlformats.org/drawingml/2006/chartDrawing" xmlns:dgm="http://schemas.openxmlformats.org/drawingml/2006/diagram" xmlns:pic="http://schemas.openxmlformats.org/drawingml/2006/picture" xmlns:wp="http://schemas.openxmlformats.org/drawingml/2006/wordprocessingDrawing" xmlns:xdr="http://schemas.openxmlformats.org/drawingml/2006/spreadsheetDrawing" xmlns:ns11="http://schemas.openxmlformats.org/drawingml/2006/compatibility" xmlns:ns12="http://schemas.openxmlformats.org/drawingml/2006/lockedCanvas" preserve="true">
+<p:sldLayout xmlns:a="http://schemas.openxmlformats.org/drawingml/2006/main" xmlns:r="http://schemas.openxmlformats.org/officeDocument/2006/relationships" xmlns:p="http://schemas.openxmlformats.org/presentationml/2006/main" preserve="1">
   <p:cSld name="Name Card">
     <p:spTree>
       <p:nvGrpSpPr>
@@ -1570,7 +1579,7 @@
         <p:nvSpPr>
           <p:cNvPr id="2" name="Title 1"/>
           <p:cNvSpPr>
-            <a:spLocks noGrp="true"/>
+            <a:spLocks noGrp="1"/>
           </p:cNvSpPr>
           <p:nvPr>
             <p:ph type="title"/>
@@ -1588,15 +1597,15 @@
           </a:bodyPr>
           <a:lstStyle>
             <a:lvl1pPr algn="l">
-              <a:defRPr sz="4400" b="false" cap="none"/>
+              <a:defRPr sz="4400" b="0" cap="none"/>
             </a:lvl1pPr>
           </a:lstStyle>
           <a:p>
             <a:r>
-              <a:rPr lang="en-US" smtClean="false"/>
+              <a:rPr lang="en-US"/>
               <a:t>Click to edit Master title style</a:t>
             </a:r>
-            <a:endParaRPr lang="en-US" dirty="false"/>
+            <a:endParaRPr lang="en-US" dirty="0"/>
           </a:p>
         </p:txBody>
       </p:sp>
@@ -1604,7 +1613,7 @@
         <p:nvSpPr>
           <p:cNvPr id="3" name="Text Placeholder 2"/>
           <p:cNvSpPr>
-            <a:spLocks noGrp="true"/>
+            <a:spLocks noGrp="1"/>
           </p:cNvSpPr>
           <p:nvPr>
             <p:ph type="body" idx="1"/>
@@ -1716,7 +1725,7 @@
           <a:p>
             <a:pPr lvl="0"/>
             <a:r>
-              <a:rPr lang="en-US" smtClean="false"/>
+              <a:rPr lang="en-US"/>
               <a:t>Click to edit Master text styles</a:t>
             </a:r>
           </a:p>
@@ -1726,7 +1735,7 @@
         <p:nvSpPr>
           <p:cNvPr id="4" name="Date Placeholder 3"/>
           <p:cNvSpPr>
-            <a:spLocks noGrp="true"/>
+            <a:spLocks noGrp="1"/>
           </p:cNvSpPr>
           <p:nvPr>
             <p:ph type="dt" sz="half" idx="10"/>
@@ -1738,11 +1747,11 @@
           <a:lstStyle/>
           <a:p>
             <a:fld id="{B61BEF0D-F0BB-DE4B-95CE-6DB70DBA9567}" type="datetimeFigureOut">
-              <a:rPr lang="en-US" dirty="false"/>
+              <a:rPr lang="en-US" dirty="0"/>
               <a:pPr/>
-              <a:t>9/11/2014</a:t>
+              <a:t>1/19/2018</a:t>
             </a:fld>
-            <a:endParaRPr lang="en-US" dirty="false"/>
+            <a:endParaRPr lang="en-US" dirty="0"/>
           </a:p>
         </p:txBody>
       </p:sp>
@@ -1750,7 +1759,7 @@
         <p:nvSpPr>
           <p:cNvPr id="5" name="Footer Placeholder 4"/>
           <p:cNvSpPr>
-            <a:spLocks noGrp="true"/>
+            <a:spLocks noGrp="1"/>
           </p:cNvSpPr>
           <p:nvPr>
             <p:ph type="ftr" sz="quarter" idx="11"/>
@@ -1761,7 +1770,7 @@
           <a:bodyPr/>
           <a:lstStyle/>
           <a:p>
-            <a:endParaRPr lang="en-US" dirty="false"/>
+            <a:endParaRPr lang="en-US" dirty="0"/>
           </a:p>
         </p:txBody>
       </p:sp>
@@ -1769,7 +1778,7 @@
         <p:nvSpPr>
           <p:cNvPr id="6" name="Slide Number Placeholder 5"/>
           <p:cNvSpPr>
-            <a:spLocks noGrp="true"/>
+            <a:spLocks noGrp="1"/>
           </p:cNvSpPr>
           <p:nvPr>
             <p:ph type="sldNum" sz="quarter" idx="12"/>
@@ -1781,11 +1790,11 @@
           <a:lstStyle/>
           <a:p>
             <a:fld id="{D57F1E4F-1CFF-5643-939E-217C01CDF565}" type="slidenum">
-              <a:rPr lang="en-US" dirty="false"/>
+              <a:rPr lang="en-US" dirty="0"/>
               <a:pPr/>
               <a:t>‹#›</a:t>
             </a:fld>
-            <a:endParaRPr lang="en-US" dirty="false"/>
+            <a:endParaRPr lang="en-US" dirty="0"/>
           </a:p>
         </p:txBody>
       </p:sp>
@@ -1798,7 +1807,7 @@
 </file>
 
 <file path=ppt/slideLayouts/slideLayout13.xml><?xml version="1.0" encoding="utf-8"?>
-<p:sldLayout xmlns:a="http://schemas.openxmlformats.org/drawingml/2006/main" xmlns:r="http://schemas.openxmlformats.org/officeDocument/2006/relationships" xmlns:p="http://schemas.openxmlformats.org/presentationml/2006/main" xmlns:mc="http://schemas.openxmlformats.org/markup-compatibility/2006" xmlns:c="http://schemas.openxmlformats.org/drawingml/2006/chart" xmlns:ns6="http://schemas.openxmlformats.org/drawingml/2006/chartDrawing" xmlns:dgm="http://schemas.openxmlformats.org/drawingml/2006/diagram" xmlns:pic="http://schemas.openxmlformats.org/drawingml/2006/picture" xmlns:wp="http://schemas.openxmlformats.org/drawingml/2006/wordprocessingDrawing" xmlns:xdr="http://schemas.openxmlformats.org/drawingml/2006/spreadsheetDrawing" xmlns:ns11="http://schemas.openxmlformats.org/drawingml/2006/compatibility" xmlns:ns12="http://schemas.openxmlformats.org/drawingml/2006/lockedCanvas" preserve="true">
+<p:sldLayout xmlns:a="http://schemas.openxmlformats.org/drawingml/2006/main" xmlns:r="http://schemas.openxmlformats.org/officeDocument/2006/relationships" xmlns:p="http://schemas.openxmlformats.org/presentationml/2006/main" preserve="1">
   <p:cSld name="Quote Name Card">
     <p:spTree>
       <p:nvGrpSpPr>
@@ -1818,7 +1827,7 @@
         <p:nvSpPr>
           <p:cNvPr id="2" name="Title 1"/>
           <p:cNvSpPr>
-            <a:spLocks noGrp="true"/>
+            <a:spLocks noGrp="1"/>
           </p:cNvSpPr>
           <p:nvPr>
             <p:ph type="title"/>
@@ -1836,15 +1845,15 @@
           </a:bodyPr>
           <a:lstStyle>
             <a:lvl1pPr algn="l">
-              <a:defRPr sz="4400" b="false" cap="none"/>
+              <a:defRPr sz="4400" b="0" cap="none"/>
             </a:lvl1pPr>
           </a:lstStyle>
           <a:p>
             <a:r>
-              <a:rPr lang="en-US" smtClean="false"/>
+              <a:rPr lang="en-US"/>
               <a:t>Click to edit Master title style</a:t>
             </a:r>
-            <a:endParaRPr lang="en-US" dirty="false"/>
+            <a:endParaRPr lang="en-US" dirty="0"/>
           </a:p>
         </p:txBody>
       </p:sp>
@@ -1852,7 +1861,7 @@
         <p:nvSpPr>
           <p:cNvPr id="23" name="Text Placeholder 9"/>
           <p:cNvSpPr>
-            <a:spLocks noGrp="true"/>
+            <a:spLocks noGrp="1"/>
           </p:cNvSpPr>
           <p:nvPr>
             <p:ph type="body" sz="quarter" idx="13"/>
@@ -1905,7 +1914,7 @@
           <a:p>
             <a:pPr lvl="0"/>
             <a:r>
-              <a:rPr lang="en-US" smtClean="false"/>
+              <a:rPr lang="en-US"/>
               <a:t>Click to edit Master text styles</a:t>
             </a:r>
           </a:p>
@@ -1915,7 +1924,7 @@
         <p:nvSpPr>
           <p:cNvPr id="3" name="Text Placeholder 2"/>
           <p:cNvSpPr>
-            <a:spLocks noGrp="true"/>
+            <a:spLocks noGrp="1"/>
           </p:cNvSpPr>
           <p:nvPr>
             <p:ph type="body" idx="1"/>
@@ -2027,7 +2036,7 @@
           <a:p>
             <a:pPr lvl="0"/>
             <a:r>
-              <a:rPr lang="en-US" smtClean="false"/>
+              <a:rPr lang="en-US"/>
               <a:t>Click to edit Master text styles</a:t>
             </a:r>
           </a:p>
@@ -2037,7 +2046,7 @@
         <p:nvSpPr>
           <p:cNvPr id="4" name="Date Placeholder 3"/>
           <p:cNvSpPr>
-            <a:spLocks noGrp="true"/>
+            <a:spLocks noGrp="1"/>
           </p:cNvSpPr>
           <p:nvPr>
             <p:ph type="dt" sz="half" idx="10"/>
@@ -2049,11 +2058,11 @@
           <a:lstStyle/>
           <a:p>
             <a:fld id="{B61BEF0D-F0BB-DE4B-95CE-6DB70DBA9567}" type="datetimeFigureOut">
-              <a:rPr lang="en-US" dirty="false"/>
+              <a:rPr lang="en-US" dirty="0"/>
               <a:pPr/>
-              <a:t>9/11/2014</a:t>
+              <a:t>1/19/2018</a:t>
             </a:fld>
-            <a:endParaRPr lang="en-US" dirty="false"/>
+            <a:endParaRPr lang="en-US" dirty="0"/>
           </a:p>
         </p:txBody>
       </p:sp>
@@ -2061,7 +2070,7 @@
         <p:nvSpPr>
           <p:cNvPr id="5" name="Footer Placeholder 4"/>
           <p:cNvSpPr>
-            <a:spLocks noGrp="true"/>
+            <a:spLocks noGrp="1"/>
           </p:cNvSpPr>
           <p:nvPr>
             <p:ph type="ftr" sz="quarter" idx="11"/>
@@ -2072,7 +2081,7 @@
           <a:bodyPr/>
           <a:lstStyle/>
           <a:p>
-            <a:endParaRPr lang="en-US" dirty="false"/>
+            <a:endParaRPr lang="en-US" dirty="0"/>
           </a:p>
         </p:txBody>
       </p:sp>
@@ -2080,7 +2089,7 @@
         <p:nvSpPr>
           <p:cNvPr id="6" name="Slide Number Placeholder 5"/>
           <p:cNvSpPr>
-            <a:spLocks noGrp="true"/>
+            <a:spLocks noGrp="1"/>
           </p:cNvSpPr>
           <p:nvPr>
             <p:ph type="sldNum" sz="quarter" idx="12"/>
@@ -2092,18 +2101,18 @@
           <a:lstStyle/>
           <a:p>
             <a:fld id="{D57F1E4F-1CFF-5643-939E-217C01CDF565}" type="slidenum">
-              <a:rPr lang="en-US" dirty="false"/>
+              <a:rPr lang="en-US" dirty="0"/>
               <a:pPr/>
               <a:t>‹#›</a:t>
             </a:fld>
-            <a:endParaRPr lang="en-US" dirty="false"/>
+            <a:endParaRPr lang="en-US" dirty="0"/>
           </a:p>
         </p:txBody>
       </p:sp>
       <p:sp>
         <p:nvSpPr>
           <p:cNvPr id="24" name="TextBox 23"/>
-          <p:cNvSpPr txBox="true"/>
+          <p:cNvSpPr txBox="1"/>
           <p:nvPr/>
         </p:nvSpPr>
         <p:spPr>
@@ -2116,14 +2125,14 @@
           </a:prstGeom>
         </p:spPr>
         <p:txBody>
-          <a:bodyPr vert="horz" lIns="91440" tIns="45720" rIns="91440" bIns="45720" rtlCol="false" anchor="ctr">
+          <a:bodyPr vert="horz" lIns="91440" tIns="45720" rIns="91440" bIns="45720" rtlCol="0" anchor="ctr">
             <a:noAutofit/>
           </a:bodyPr>
           <a:lstStyle/>
           <a:p>
             <a:pPr lvl="0"/>
             <a:r>
-              <a:rPr lang="en-US" sz="8000" baseline="0" dirty="false">
+              <a:rPr lang="en-US" sz="8000" baseline="0" dirty="0">
                 <a:ln w="3175" cmpd="sng">
                   <a:noFill/>
                 </a:ln>
@@ -2144,7 +2153,7 @@
       <p:sp>
         <p:nvSpPr>
           <p:cNvPr id="25" name="TextBox 24"/>
-          <p:cNvSpPr txBox="true"/>
+          <p:cNvSpPr txBox="1"/>
           <p:nvPr/>
         </p:nvSpPr>
         <p:spPr>
@@ -2157,14 +2166,14 @@
           </a:prstGeom>
         </p:spPr>
         <p:txBody>
-          <a:bodyPr vert="horz" lIns="91440" tIns="45720" rIns="91440" bIns="45720" rtlCol="false" anchor="ctr">
+          <a:bodyPr vert="horz" lIns="91440" tIns="45720" rIns="91440" bIns="45720" rtlCol="0" anchor="ctr">
             <a:noAutofit/>
           </a:bodyPr>
           <a:lstStyle/>
           <a:p>
             <a:pPr lvl="0"/>
             <a:r>
-              <a:rPr lang="en-US" sz="8000" baseline="0" dirty="false">
+              <a:rPr lang="en-US" sz="8000" baseline="0" dirty="0">
                 <a:ln w="3175" cmpd="sng">
                   <a:noFill/>
                 </a:ln>
@@ -2191,7 +2200,7 @@
 </file>
 
 <file path=ppt/slideLayouts/slideLayout14.xml><?xml version="1.0" encoding="utf-8"?>
-<p:sldLayout xmlns:a="http://schemas.openxmlformats.org/drawingml/2006/main" xmlns:r="http://schemas.openxmlformats.org/officeDocument/2006/relationships" xmlns:p="http://schemas.openxmlformats.org/presentationml/2006/main" xmlns:mc="http://schemas.openxmlformats.org/markup-compatibility/2006" xmlns:c="http://schemas.openxmlformats.org/drawingml/2006/chart" xmlns:ns6="http://schemas.openxmlformats.org/drawingml/2006/chartDrawing" xmlns:dgm="http://schemas.openxmlformats.org/drawingml/2006/diagram" xmlns:pic="http://schemas.openxmlformats.org/drawingml/2006/picture" xmlns:wp="http://schemas.openxmlformats.org/drawingml/2006/wordprocessingDrawing" xmlns:xdr="http://schemas.openxmlformats.org/drawingml/2006/spreadsheetDrawing" xmlns:ns11="http://schemas.openxmlformats.org/drawingml/2006/compatibility" xmlns:ns12="http://schemas.openxmlformats.org/drawingml/2006/lockedCanvas" preserve="true">
+<p:sldLayout xmlns:a="http://schemas.openxmlformats.org/drawingml/2006/main" xmlns:r="http://schemas.openxmlformats.org/officeDocument/2006/relationships" xmlns:p="http://schemas.openxmlformats.org/presentationml/2006/main" preserve="1">
   <p:cSld name="True or False">
     <p:spTree>
       <p:nvGrpSpPr>
@@ -2211,7 +2220,7 @@
         <p:nvSpPr>
           <p:cNvPr id="2" name="Title 1"/>
           <p:cNvSpPr>
-            <a:spLocks noGrp="true"/>
+            <a:spLocks noGrp="1"/>
           </p:cNvSpPr>
           <p:nvPr>
             <p:ph type="title"/>
@@ -2229,15 +2238,15 @@
           </a:bodyPr>
           <a:lstStyle>
             <a:lvl1pPr algn="l">
-              <a:defRPr sz="4400" b="false" cap="none"/>
+              <a:defRPr sz="4400" b="0" cap="none"/>
             </a:lvl1pPr>
           </a:lstStyle>
           <a:p>
             <a:r>
-              <a:rPr lang="en-US" smtClean="false"/>
+              <a:rPr lang="en-US"/>
               <a:t>Click to edit Master title style</a:t>
             </a:r>
-            <a:endParaRPr lang="en-US" dirty="false"/>
+            <a:endParaRPr lang="en-US" dirty="0"/>
           </a:p>
         </p:txBody>
       </p:sp>
@@ -2245,7 +2254,7 @@
         <p:nvSpPr>
           <p:cNvPr id="23" name="Text Placeholder 9"/>
           <p:cNvSpPr>
-            <a:spLocks noGrp="true"/>
+            <a:spLocks noGrp="1"/>
           </p:cNvSpPr>
           <p:nvPr>
             <p:ph type="body" sz="quarter" idx="13"/>
@@ -2295,7 +2304,7 @@
           <a:p>
             <a:pPr lvl="0"/>
             <a:r>
-              <a:rPr lang="en-US" smtClean="false"/>
+              <a:rPr lang="en-US"/>
               <a:t>Click to edit Master text styles</a:t>
             </a:r>
           </a:p>
@@ -2305,7 +2314,7 @@
         <p:nvSpPr>
           <p:cNvPr id="3" name="Text Placeholder 2"/>
           <p:cNvSpPr>
-            <a:spLocks noGrp="true"/>
+            <a:spLocks noGrp="1"/>
           </p:cNvSpPr>
           <p:nvPr>
             <p:ph type="body" idx="1"/>
@@ -2417,7 +2426,7 @@
           <a:p>
             <a:pPr lvl="0"/>
             <a:r>
-              <a:rPr lang="en-US" smtClean="false"/>
+              <a:rPr lang="en-US"/>
               <a:t>Click to edit Master text styles</a:t>
             </a:r>
           </a:p>
@@ -2427,7 +2436,7 @@
         <p:nvSpPr>
           <p:cNvPr id="4" name="Date Placeholder 3"/>
           <p:cNvSpPr>
-            <a:spLocks noGrp="true"/>
+            <a:spLocks noGrp="1"/>
           </p:cNvSpPr>
           <p:nvPr>
             <p:ph type="dt" sz="half" idx="10"/>
@@ -2439,11 +2448,11 @@
           <a:lstStyle/>
           <a:p>
             <a:fld id="{B61BEF0D-F0BB-DE4B-95CE-6DB70DBA9567}" type="datetimeFigureOut">
-              <a:rPr lang="en-US" dirty="false"/>
+              <a:rPr lang="en-US" dirty="0"/>
               <a:pPr/>
-              <a:t>9/11/2014</a:t>
+              <a:t>1/19/2018</a:t>
             </a:fld>
-            <a:endParaRPr lang="en-US" dirty="false"/>
+            <a:endParaRPr lang="en-US" dirty="0"/>
           </a:p>
         </p:txBody>
       </p:sp>
@@ -2451,7 +2460,7 @@
         <p:nvSpPr>
           <p:cNvPr id="5" name="Footer Placeholder 4"/>
           <p:cNvSpPr>
-            <a:spLocks noGrp="true"/>
+            <a:spLocks noGrp="1"/>
           </p:cNvSpPr>
           <p:nvPr>
             <p:ph type="ftr" sz="quarter" idx="11"/>
@@ -2462,7 +2471,7 @@
           <a:bodyPr/>
           <a:lstStyle/>
           <a:p>
-            <a:endParaRPr lang="en-US" dirty="false"/>
+            <a:endParaRPr lang="en-US" dirty="0"/>
           </a:p>
         </p:txBody>
       </p:sp>
@@ -2470,7 +2479,7 @@
         <p:nvSpPr>
           <p:cNvPr id="6" name="Slide Number Placeholder 5"/>
           <p:cNvSpPr>
-            <a:spLocks noGrp="true"/>
+            <a:spLocks noGrp="1"/>
           </p:cNvSpPr>
           <p:nvPr>
             <p:ph type="sldNum" sz="quarter" idx="12"/>
@@ -2482,11 +2491,11 @@
           <a:lstStyle/>
           <a:p>
             <a:fld id="{D57F1E4F-1CFF-5643-939E-217C01CDF565}" type="slidenum">
-              <a:rPr lang="en-US" dirty="false"/>
+              <a:rPr lang="en-US" dirty="0"/>
               <a:pPr/>
               <a:t>‹#›</a:t>
             </a:fld>
-            <a:endParaRPr lang="en-US" dirty="false"/>
+            <a:endParaRPr lang="en-US" dirty="0"/>
           </a:p>
         </p:txBody>
       </p:sp>
@@ -2499,7 +2508,7 @@
 </file>
 
 <file path=ppt/slideLayouts/slideLayout15.xml><?xml version="1.0" encoding="utf-8"?>
-<p:sldLayout xmlns:a="http://schemas.openxmlformats.org/drawingml/2006/main" xmlns:r="http://schemas.openxmlformats.org/officeDocument/2006/relationships" xmlns:p="http://schemas.openxmlformats.org/presentationml/2006/main" xmlns:mc="http://schemas.openxmlformats.org/markup-compatibility/2006" xmlns:c="http://schemas.openxmlformats.org/drawingml/2006/chart" xmlns:ns6="http://schemas.openxmlformats.org/drawingml/2006/chartDrawing" xmlns:dgm="http://schemas.openxmlformats.org/drawingml/2006/diagram" xmlns:pic="http://schemas.openxmlformats.org/drawingml/2006/picture" xmlns:wp="http://schemas.openxmlformats.org/drawingml/2006/wordprocessingDrawing" xmlns:xdr="http://schemas.openxmlformats.org/drawingml/2006/spreadsheetDrawing" xmlns:ns11="http://schemas.openxmlformats.org/drawingml/2006/compatibility" xmlns:ns12="http://schemas.openxmlformats.org/drawingml/2006/lockedCanvas" type="vertTx" preserve="true">
+<p:sldLayout xmlns:a="http://schemas.openxmlformats.org/drawingml/2006/main" xmlns:r="http://schemas.openxmlformats.org/officeDocument/2006/relationships" xmlns:p="http://schemas.openxmlformats.org/presentationml/2006/main" type="vertTx" preserve="1">
   <p:cSld name="Title and Vertical Text">
     <p:spTree>
       <p:nvGrpSpPr>
@@ -2519,7 +2528,7 @@
         <p:nvSpPr>
           <p:cNvPr id="2" name="Title 1"/>
           <p:cNvSpPr>
-            <a:spLocks noGrp="true"/>
+            <a:spLocks noGrp="1"/>
           </p:cNvSpPr>
           <p:nvPr>
             <p:ph type="title"/>
@@ -2531,10 +2540,10 @@
           <a:lstStyle/>
           <a:p>
             <a:r>
-              <a:rPr lang="en-US" smtClean="false"/>
+              <a:rPr lang="en-US"/>
               <a:t>Click to edit Master title style</a:t>
             </a:r>
-            <a:endParaRPr lang="en-US" dirty="false"/>
+            <a:endParaRPr lang="en-US" dirty="0"/>
           </a:p>
         </p:txBody>
       </p:sp>
@@ -2542,7 +2551,7 @@
         <p:nvSpPr>
           <p:cNvPr id="3" name="Vertical Text Placeholder 2"/>
           <p:cNvSpPr>
-            <a:spLocks noGrp="true"/>
+            <a:spLocks noGrp="1"/>
           </p:cNvSpPr>
           <p:nvPr>
             <p:ph type="body" orient="vert" idx="1"/>
@@ -2555,38 +2564,38 @@
           <a:p>
             <a:pPr lvl="0"/>
             <a:r>
-              <a:rPr lang="en-US" smtClean="false"/>
+              <a:rPr lang="en-US"/>
               <a:t>Click to edit Master text styles</a:t>
             </a:r>
           </a:p>
           <a:p>
             <a:pPr lvl="1"/>
             <a:r>
-              <a:rPr lang="en-US" smtClean="false"/>
+              <a:rPr lang="en-US"/>
               <a:t>Second level</a:t>
             </a:r>
           </a:p>
           <a:p>
             <a:pPr lvl="2"/>
             <a:r>
-              <a:rPr lang="en-US" smtClean="false"/>
+              <a:rPr lang="en-US"/>
               <a:t>Third level</a:t>
             </a:r>
           </a:p>
           <a:p>
             <a:pPr lvl="3"/>
             <a:r>
-              <a:rPr lang="en-US" smtClean="false"/>
+              <a:rPr lang="en-US"/>
               <a:t>Fourth level</a:t>
             </a:r>
           </a:p>
           <a:p>
             <a:pPr lvl="4"/>
             <a:r>
-              <a:rPr lang="en-US" smtClean="false"/>
+              <a:rPr lang="en-US"/>
               <a:t>Fifth level</a:t>
             </a:r>
-            <a:endParaRPr lang="en-US" dirty="false"/>
+            <a:endParaRPr lang="en-US" dirty="0"/>
           </a:p>
         </p:txBody>
       </p:sp>
@@ -2594,7 +2603,7 @@
         <p:nvSpPr>
           <p:cNvPr id="4" name="Date Placeholder 3"/>
           <p:cNvSpPr>
-            <a:spLocks noGrp="true"/>
+            <a:spLocks noGrp="1"/>
           </p:cNvSpPr>
           <p:nvPr>
             <p:ph type="dt" sz="half" idx="10"/>
@@ -2606,10 +2615,10 @@
           <a:lstStyle/>
           <a:p>
             <a:fld id="{55C6B4A9-1611-4792-9094-5F34BCA07E0B}" type="datetimeFigureOut">
-              <a:rPr lang="en-US" dirty="false"/>
-              <a:t>9/11/2014</a:t>
+              <a:rPr lang="en-US" dirty="0"/>
+              <a:t>1/19/2018</a:t>
             </a:fld>
-            <a:endParaRPr lang="en-US" dirty="false"/>
+            <a:endParaRPr lang="en-US" dirty="0"/>
           </a:p>
         </p:txBody>
       </p:sp>
@@ -2617,7 +2626,7 @@
         <p:nvSpPr>
           <p:cNvPr id="5" name="Footer Placeholder 4"/>
           <p:cNvSpPr>
-            <a:spLocks noGrp="true"/>
+            <a:spLocks noGrp="1"/>
           </p:cNvSpPr>
           <p:nvPr>
             <p:ph type="ftr" sz="quarter" idx="11"/>
@@ -2628,7 +2637,7 @@
           <a:bodyPr/>
           <a:lstStyle/>
           <a:p>
-            <a:endParaRPr lang="en-US" dirty="false"/>
+            <a:endParaRPr lang="en-US" dirty="0"/>
           </a:p>
         </p:txBody>
       </p:sp>
@@ -2636,7 +2645,7 @@
         <p:nvSpPr>
           <p:cNvPr id="6" name="Slide Number Placeholder 5"/>
           <p:cNvSpPr>
-            <a:spLocks noGrp="true"/>
+            <a:spLocks noGrp="1"/>
           </p:cNvSpPr>
           <p:nvPr>
             <p:ph type="sldNum" sz="quarter" idx="12"/>
@@ -2648,10 +2657,10 @@
           <a:lstStyle/>
           <a:p>
             <a:fld id="{89333C77-0158-454C-844F-B7AB9BD7DAD4}" type="slidenum">
-              <a:rPr lang="en-US" dirty="false"/>
+              <a:rPr lang="en-US" dirty="0"/>
               <a:t>‹#›</a:t>
             </a:fld>
-            <a:endParaRPr lang="en-US" dirty="false"/>
+            <a:endParaRPr lang="en-US" dirty="0"/>
           </a:p>
         </p:txBody>
       </p:sp>
@@ -2664,7 +2673,7 @@
 </file>
 
 <file path=ppt/slideLayouts/slideLayout16.xml><?xml version="1.0" encoding="utf-8"?>
-<p:sldLayout xmlns:a="http://schemas.openxmlformats.org/drawingml/2006/main" xmlns:r="http://schemas.openxmlformats.org/officeDocument/2006/relationships" xmlns:p="http://schemas.openxmlformats.org/presentationml/2006/main" xmlns:mc="http://schemas.openxmlformats.org/markup-compatibility/2006" xmlns:c="http://schemas.openxmlformats.org/drawingml/2006/chart" xmlns:ns6="http://schemas.openxmlformats.org/drawingml/2006/chartDrawing" xmlns:dgm="http://schemas.openxmlformats.org/drawingml/2006/diagram" xmlns:pic="http://schemas.openxmlformats.org/drawingml/2006/picture" xmlns:wp="http://schemas.openxmlformats.org/drawingml/2006/wordprocessingDrawing" xmlns:xdr="http://schemas.openxmlformats.org/drawingml/2006/spreadsheetDrawing" xmlns:ns11="http://schemas.openxmlformats.org/drawingml/2006/compatibility" xmlns:ns12="http://schemas.openxmlformats.org/drawingml/2006/lockedCanvas" type="vertTitleAndTx" preserve="true">
+<p:sldLayout xmlns:a="http://schemas.openxmlformats.org/drawingml/2006/main" xmlns:r="http://schemas.openxmlformats.org/officeDocument/2006/relationships" xmlns:p="http://schemas.openxmlformats.org/presentationml/2006/main" type="vertTitleAndTx" preserve="1">
   <p:cSld name="Vertical Title and Text">
     <p:spTree>
       <p:nvGrpSpPr>
@@ -2684,7 +2693,7 @@
         <p:nvSpPr>
           <p:cNvPr id="2" name="Vertical Title 1"/>
           <p:cNvSpPr>
-            <a:spLocks noGrp="true"/>
+            <a:spLocks noGrp="1"/>
           </p:cNvSpPr>
           <p:nvPr>
             <p:ph type="title" orient="vert"/>
@@ -2701,10 +2710,10 @@
           <a:lstStyle/>
           <a:p>
             <a:r>
-              <a:rPr lang="en-US" smtClean="false"/>
+              <a:rPr lang="en-US"/>
               <a:t>Click to edit Master title style</a:t>
             </a:r>
-            <a:endParaRPr lang="en-US" dirty="false"/>
+            <a:endParaRPr lang="en-US" dirty="0"/>
           </a:p>
         </p:txBody>
       </p:sp>
@@ -2712,7 +2721,7 @@
         <p:nvSpPr>
           <p:cNvPr id="3" name="Vertical Text Placeholder 2"/>
           <p:cNvSpPr>
-            <a:spLocks noGrp="true"/>
+            <a:spLocks noGrp="1"/>
           </p:cNvSpPr>
           <p:nvPr>
             <p:ph type="body" orient="vert" idx="1"/>
@@ -2730,38 +2739,38 @@
           <a:p>
             <a:pPr lvl="0"/>
             <a:r>
-              <a:rPr lang="en-US" smtClean="false"/>
+              <a:rPr lang="en-US"/>
               <a:t>Click to edit Master text styles</a:t>
             </a:r>
           </a:p>
           <a:p>
             <a:pPr lvl="1"/>
             <a:r>
-              <a:rPr lang="en-US" smtClean="false"/>
+              <a:rPr lang="en-US"/>
               <a:t>Second level</a:t>
             </a:r>
           </a:p>
           <a:p>
             <a:pPr lvl="2"/>
             <a:r>
-              <a:rPr lang="en-US" smtClean="false"/>
+              <a:rPr lang="en-US"/>
               <a:t>Third level</a:t>
             </a:r>
           </a:p>
           <a:p>
             <a:pPr lvl="3"/>
             <a:r>
-              <a:rPr lang="en-US" smtClean="false"/>
+              <a:rPr lang="en-US"/>
               <a:t>Fourth level</a:t>
             </a:r>
           </a:p>
           <a:p>
             <a:pPr lvl="4"/>
             <a:r>
-              <a:rPr lang="en-US" smtClean="false"/>
+              <a:rPr lang="en-US"/>
               <a:t>Fifth level</a:t>
             </a:r>
-            <a:endParaRPr lang="en-US" dirty="false"/>
+            <a:endParaRPr lang="en-US" dirty="0"/>
           </a:p>
         </p:txBody>
       </p:sp>
@@ -2769,7 +2778,7 @@
         <p:nvSpPr>
           <p:cNvPr id="4" name="Date Placeholder 3"/>
           <p:cNvSpPr>
-            <a:spLocks noGrp="true"/>
+            <a:spLocks noGrp="1"/>
           </p:cNvSpPr>
           <p:nvPr>
             <p:ph type="dt" sz="half" idx="10"/>
@@ -2781,11 +2790,11 @@
           <a:lstStyle/>
           <a:p>
             <a:fld id="{B61BEF0D-F0BB-DE4B-95CE-6DB70DBA9567}" type="datetimeFigureOut">
-              <a:rPr lang="en-US" dirty="false"/>
+              <a:rPr lang="en-US" dirty="0"/>
               <a:pPr/>
-              <a:t>9/11/2014</a:t>
+              <a:t>1/19/2018</a:t>
             </a:fld>
-            <a:endParaRPr lang="en-US" dirty="false"/>
+            <a:endParaRPr lang="en-US" dirty="0"/>
           </a:p>
         </p:txBody>
       </p:sp>
@@ -2793,7 +2802,7 @@
         <p:nvSpPr>
           <p:cNvPr id="5" name="Footer Placeholder 4"/>
           <p:cNvSpPr>
-            <a:spLocks noGrp="true"/>
+            <a:spLocks noGrp="1"/>
           </p:cNvSpPr>
           <p:nvPr>
             <p:ph type="ftr" sz="quarter" idx="11"/>
@@ -2804,7 +2813,7 @@
           <a:bodyPr/>
           <a:lstStyle/>
           <a:p>
-            <a:endParaRPr lang="en-US" dirty="false"/>
+            <a:endParaRPr lang="en-US" dirty="0"/>
           </a:p>
         </p:txBody>
       </p:sp>
@@ -2812,7 +2821,7 @@
         <p:nvSpPr>
           <p:cNvPr id="6" name="Slide Number Placeholder 5"/>
           <p:cNvSpPr>
-            <a:spLocks noGrp="true"/>
+            <a:spLocks noGrp="1"/>
           </p:cNvSpPr>
           <p:nvPr>
             <p:ph type="sldNum" sz="quarter" idx="12"/>
@@ -2824,11 +2833,11 @@
           <a:lstStyle/>
           <a:p>
             <a:fld id="{D57F1E4F-1CFF-5643-939E-217C01CDF565}" type="slidenum">
-              <a:rPr lang="en-US" dirty="false"/>
+              <a:rPr lang="en-US" dirty="0"/>
               <a:pPr/>
               <a:t>‹#›</a:t>
             </a:fld>
-            <a:endParaRPr lang="en-US" dirty="false"/>
+            <a:endParaRPr lang="en-US" dirty="0"/>
           </a:p>
         </p:txBody>
       </p:sp>
@@ -2841,7 +2850,7 @@
 </file>
 
 <file path=ppt/slideLayouts/slideLayout2.xml><?xml version="1.0" encoding="utf-8"?>
-<p:sldLayout xmlns:a="http://schemas.openxmlformats.org/drawingml/2006/main" xmlns:r="http://schemas.openxmlformats.org/officeDocument/2006/relationships" xmlns:p="http://schemas.openxmlformats.org/presentationml/2006/main" xmlns:mc="http://schemas.openxmlformats.org/markup-compatibility/2006" xmlns:c="http://schemas.openxmlformats.org/drawingml/2006/chart" xmlns:ns6="http://schemas.openxmlformats.org/drawingml/2006/chartDrawing" xmlns:dgm="http://schemas.openxmlformats.org/drawingml/2006/diagram" xmlns:pic="http://schemas.openxmlformats.org/drawingml/2006/picture" xmlns:wp="http://schemas.openxmlformats.org/drawingml/2006/wordprocessingDrawing" xmlns:xdr="http://schemas.openxmlformats.org/drawingml/2006/spreadsheetDrawing" xmlns:ns11="http://schemas.openxmlformats.org/drawingml/2006/compatibility" xmlns:ns12="http://schemas.openxmlformats.org/drawingml/2006/lockedCanvas" type="obj" preserve="true">
+<p:sldLayout xmlns:a="http://schemas.openxmlformats.org/drawingml/2006/main" xmlns:r="http://schemas.openxmlformats.org/officeDocument/2006/relationships" xmlns:p="http://schemas.openxmlformats.org/presentationml/2006/main" type="obj" preserve="1">
   <p:cSld name="Title and Content">
     <p:spTree>
       <p:nvGrpSpPr>
@@ -2861,7 +2870,7 @@
         <p:nvSpPr>
           <p:cNvPr id="2" name="Title 1"/>
           <p:cNvSpPr>
-            <a:spLocks noGrp="true"/>
+            <a:spLocks noGrp="1"/>
           </p:cNvSpPr>
           <p:nvPr>
             <p:ph type="title"/>
@@ -2879,10 +2888,10 @@
           </a:lstStyle>
           <a:p>
             <a:r>
-              <a:rPr lang="en-US" smtClean="false"/>
+              <a:rPr lang="en-US"/>
               <a:t>Click to edit Master title style</a:t>
             </a:r>
-            <a:endParaRPr lang="en-US" dirty="false"/>
+            <a:endParaRPr lang="en-US" dirty="0"/>
           </a:p>
         </p:txBody>
       </p:sp>
@@ -2890,7 +2899,7 @@
         <p:nvSpPr>
           <p:cNvPr id="3" name="Content Placeholder 2"/>
           <p:cNvSpPr>
-            <a:spLocks noGrp="true"/>
+            <a:spLocks noGrp="1"/>
           </p:cNvSpPr>
           <p:nvPr>
             <p:ph idx="1"/>
@@ -2903,38 +2912,38 @@
           <a:p>
             <a:pPr lvl="0"/>
             <a:r>
-              <a:rPr lang="en-US" smtClean="false"/>
+              <a:rPr lang="en-US"/>
               <a:t>Click to edit Master text styles</a:t>
             </a:r>
           </a:p>
           <a:p>
             <a:pPr lvl="1"/>
             <a:r>
-              <a:rPr lang="en-US" smtClean="false"/>
+              <a:rPr lang="en-US"/>
               <a:t>Second level</a:t>
             </a:r>
           </a:p>
           <a:p>
             <a:pPr lvl="2"/>
             <a:r>
-              <a:rPr lang="en-US" smtClean="false"/>
+              <a:rPr lang="en-US"/>
               <a:t>Third level</a:t>
             </a:r>
           </a:p>
           <a:p>
             <a:pPr lvl="3"/>
             <a:r>
-              <a:rPr lang="en-US" smtClean="false"/>
+              <a:rPr lang="en-US"/>
               <a:t>Fourth level</a:t>
             </a:r>
           </a:p>
           <a:p>
             <a:pPr lvl="4"/>
             <a:r>
-              <a:rPr lang="en-US" smtClean="false"/>
+              <a:rPr lang="en-US"/>
               <a:t>Fifth level</a:t>
             </a:r>
-            <a:endParaRPr lang="en-US" dirty="false"/>
+            <a:endParaRPr lang="en-US" dirty="0"/>
           </a:p>
         </p:txBody>
       </p:sp>
@@ -2942,7 +2951,7 @@
         <p:nvSpPr>
           <p:cNvPr id="4" name="Date Placeholder 3"/>
           <p:cNvSpPr>
-            <a:spLocks noGrp="true"/>
+            <a:spLocks noGrp="1"/>
           </p:cNvSpPr>
           <p:nvPr>
             <p:ph type="dt" sz="half" idx="10"/>
@@ -2954,11 +2963,11 @@
           <a:lstStyle/>
           <a:p>
             <a:fld id="{B61BEF0D-F0BB-DE4B-95CE-6DB70DBA9567}" type="datetimeFigureOut">
-              <a:rPr lang="en-US" dirty="false"/>
+              <a:rPr lang="en-US" dirty="0"/>
               <a:pPr/>
-              <a:t>9/11/2014</a:t>
+              <a:t>1/19/2018</a:t>
             </a:fld>
-            <a:endParaRPr lang="en-US" dirty="false"/>
+            <a:endParaRPr lang="en-US" dirty="0"/>
           </a:p>
         </p:txBody>
       </p:sp>
@@ -2966,7 +2975,7 @@
         <p:nvSpPr>
           <p:cNvPr id="5" name="Footer Placeholder 4"/>
           <p:cNvSpPr>
-            <a:spLocks noGrp="true"/>
+            <a:spLocks noGrp="1"/>
           </p:cNvSpPr>
           <p:nvPr>
             <p:ph type="ftr" sz="quarter" idx="11"/>
@@ -2977,7 +2986,7 @@
           <a:bodyPr/>
           <a:lstStyle/>
           <a:p>
-            <a:endParaRPr lang="en-US" dirty="false"/>
+            <a:endParaRPr lang="en-US" dirty="0"/>
           </a:p>
         </p:txBody>
       </p:sp>
@@ -2985,7 +2994,7 @@
         <p:nvSpPr>
           <p:cNvPr id="6" name="Slide Number Placeholder 5"/>
           <p:cNvSpPr>
-            <a:spLocks noGrp="true"/>
+            <a:spLocks noGrp="1"/>
           </p:cNvSpPr>
           <p:nvPr>
             <p:ph type="sldNum" sz="quarter" idx="12"/>
@@ -2997,11 +3006,11 @@
           <a:lstStyle/>
           <a:p>
             <a:fld id="{D57F1E4F-1CFF-5643-939E-217C01CDF565}" type="slidenum">
-              <a:rPr lang="en-US" dirty="false"/>
+              <a:rPr lang="en-US" dirty="0"/>
               <a:pPr/>
               <a:t>‹#›</a:t>
             </a:fld>
-            <a:endParaRPr lang="en-US" dirty="false"/>
+            <a:endParaRPr lang="en-US" dirty="0"/>
           </a:p>
         </p:txBody>
       </p:sp>
@@ -3014,7 +3023,7 @@
 </file>
 
 <file path=ppt/slideLayouts/slideLayout3.xml><?xml version="1.0" encoding="utf-8"?>
-<p:sldLayout xmlns:a="http://schemas.openxmlformats.org/drawingml/2006/main" xmlns:r="http://schemas.openxmlformats.org/officeDocument/2006/relationships" xmlns:p="http://schemas.openxmlformats.org/presentationml/2006/main" xmlns:mc="http://schemas.openxmlformats.org/markup-compatibility/2006" xmlns:c="http://schemas.openxmlformats.org/drawingml/2006/chart" xmlns:ns6="http://schemas.openxmlformats.org/drawingml/2006/chartDrawing" xmlns:dgm="http://schemas.openxmlformats.org/drawingml/2006/diagram" xmlns:pic="http://schemas.openxmlformats.org/drawingml/2006/picture" xmlns:wp="http://schemas.openxmlformats.org/drawingml/2006/wordprocessingDrawing" xmlns:xdr="http://schemas.openxmlformats.org/drawingml/2006/spreadsheetDrawing" xmlns:ns11="http://schemas.openxmlformats.org/drawingml/2006/compatibility" xmlns:ns12="http://schemas.openxmlformats.org/drawingml/2006/lockedCanvas" type="secHead" preserve="true">
+<p:sldLayout xmlns:a="http://schemas.openxmlformats.org/drawingml/2006/main" xmlns:r="http://schemas.openxmlformats.org/officeDocument/2006/relationships" xmlns:p="http://schemas.openxmlformats.org/presentationml/2006/main" type="secHead" preserve="1">
   <p:cSld name="Section Header">
     <p:spTree>
       <p:nvGrpSpPr>
@@ -3034,7 +3043,7 @@
         <p:nvSpPr>
           <p:cNvPr id="2" name="Title 1"/>
           <p:cNvSpPr>
-            <a:spLocks noGrp="true"/>
+            <a:spLocks noGrp="1"/>
           </p:cNvSpPr>
           <p:nvPr>
             <p:ph type="title"/>
@@ -3050,15 +3059,15 @@
           <a:bodyPr anchor="b"/>
           <a:lstStyle>
             <a:lvl1pPr algn="l">
-              <a:defRPr sz="4000" b="false" cap="none"/>
+              <a:defRPr sz="4000" b="0" cap="none"/>
             </a:lvl1pPr>
           </a:lstStyle>
           <a:p>
             <a:r>
-              <a:rPr lang="en-US" smtClean="false"/>
+              <a:rPr lang="en-US"/>
               <a:t>Click to edit Master title style</a:t>
             </a:r>
-            <a:endParaRPr lang="en-US" dirty="false"/>
+            <a:endParaRPr lang="en-US" dirty="0"/>
           </a:p>
         </p:txBody>
       </p:sp>
@@ -3066,7 +3075,7 @@
         <p:nvSpPr>
           <p:cNvPr id="3" name="Text Placeholder 2"/>
           <p:cNvSpPr>
-            <a:spLocks noGrp="true"/>
+            <a:spLocks noGrp="1"/>
           </p:cNvSpPr>
           <p:nvPr>
             <p:ph type="body" idx="1"/>
@@ -3176,7 +3185,7 @@
           <a:p>
             <a:pPr lvl="0"/>
             <a:r>
-              <a:rPr lang="en-US" smtClean="false"/>
+              <a:rPr lang="en-US"/>
               <a:t>Click to edit Master text styles</a:t>
             </a:r>
           </a:p>
@@ -3186,7 +3195,7 @@
         <p:nvSpPr>
           <p:cNvPr id="4" name="Date Placeholder 3"/>
           <p:cNvSpPr>
-            <a:spLocks noGrp="true"/>
+            <a:spLocks noGrp="1"/>
           </p:cNvSpPr>
           <p:nvPr>
             <p:ph type="dt" sz="half" idx="10"/>
@@ -3198,11 +3207,11 @@
           <a:lstStyle/>
           <a:p>
             <a:fld id="{B61BEF0D-F0BB-DE4B-95CE-6DB70DBA9567}" type="datetimeFigureOut">
-              <a:rPr lang="en-US" dirty="false"/>
+              <a:rPr lang="en-US" dirty="0"/>
               <a:pPr/>
-              <a:t>9/11/2014</a:t>
+              <a:t>1/19/2018</a:t>
             </a:fld>
-            <a:endParaRPr lang="en-US" dirty="false"/>
+            <a:endParaRPr lang="en-US" dirty="0"/>
           </a:p>
         </p:txBody>
       </p:sp>
@@ -3210,7 +3219,7 @@
         <p:nvSpPr>
           <p:cNvPr id="5" name="Footer Placeholder 4"/>
           <p:cNvSpPr>
-            <a:spLocks noGrp="true"/>
+            <a:spLocks noGrp="1"/>
           </p:cNvSpPr>
           <p:nvPr>
             <p:ph type="ftr" sz="quarter" idx="11"/>
@@ -3221,7 +3230,7 @@
           <a:bodyPr/>
           <a:lstStyle/>
           <a:p>
-            <a:endParaRPr lang="en-US" dirty="false"/>
+            <a:endParaRPr lang="en-US" dirty="0"/>
           </a:p>
         </p:txBody>
       </p:sp>
@@ -3229,7 +3238,7 @@
         <p:nvSpPr>
           <p:cNvPr id="6" name="Slide Number Placeholder 5"/>
           <p:cNvSpPr>
-            <a:spLocks noGrp="true"/>
+            <a:spLocks noGrp="1"/>
           </p:cNvSpPr>
           <p:nvPr>
             <p:ph type="sldNum" sz="quarter" idx="12"/>
@@ -3241,11 +3250,11 @@
           <a:lstStyle/>
           <a:p>
             <a:fld id="{D57F1E4F-1CFF-5643-939E-217C01CDF565}" type="slidenum">
-              <a:rPr lang="en-US" dirty="false"/>
+              <a:rPr lang="en-US" dirty="0"/>
               <a:pPr/>
               <a:t>‹#›</a:t>
             </a:fld>
-            <a:endParaRPr lang="en-US" dirty="false"/>
+            <a:endParaRPr lang="en-US" dirty="0"/>
           </a:p>
         </p:txBody>
       </p:sp>
@@ -3258,7 +3267,7 @@
 </file>
 
 <file path=ppt/slideLayouts/slideLayout4.xml><?xml version="1.0" encoding="utf-8"?>
-<p:sldLayout xmlns:a="http://schemas.openxmlformats.org/drawingml/2006/main" xmlns:r="http://schemas.openxmlformats.org/officeDocument/2006/relationships" xmlns:p="http://schemas.openxmlformats.org/presentationml/2006/main" xmlns:mc="http://schemas.openxmlformats.org/markup-compatibility/2006" xmlns:c="http://schemas.openxmlformats.org/drawingml/2006/chart" xmlns:ns6="http://schemas.openxmlformats.org/drawingml/2006/chartDrawing" xmlns:dgm="http://schemas.openxmlformats.org/drawingml/2006/diagram" xmlns:pic="http://schemas.openxmlformats.org/drawingml/2006/picture" xmlns:wp="http://schemas.openxmlformats.org/drawingml/2006/wordprocessingDrawing" xmlns:xdr="http://schemas.openxmlformats.org/drawingml/2006/spreadsheetDrawing" xmlns:ns11="http://schemas.openxmlformats.org/drawingml/2006/compatibility" xmlns:ns12="http://schemas.openxmlformats.org/drawingml/2006/lockedCanvas" type="twoObj" preserve="true">
+<p:sldLayout xmlns:a="http://schemas.openxmlformats.org/drawingml/2006/main" xmlns:r="http://schemas.openxmlformats.org/officeDocument/2006/relationships" xmlns:p="http://schemas.openxmlformats.org/presentationml/2006/main" type="twoObj" preserve="1">
   <p:cSld name="Two Content">
     <p:spTree>
       <p:nvGrpSpPr>
@@ -3278,7 +3287,7 @@
         <p:nvSpPr>
           <p:cNvPr id="2" name="Title 1"/>
           <p:cNvSpPr>
-            <a:spLocks noGrp="true"/>
+            <a:spLocks noGrp="1"/>
           </p:cNvSpPr>
           <p:nvPr>
             <p:ph type="title"/>
@@ -3290,10 +3299,10 @@
           <a:lstStyle/>
           <a:p>
             <a:r>
-              <a:rPr lang="en-US" smtClean="false"/>
+              <a:rPr lang="en-US"/>
               <a:t>Click to edit Master title style</a:t>
             </a:r>
-            <a:endParaRPr lang="en-US" dirty="false"/>
+            <a:endParaRPr lang="en-US" dirty="0"/>
           </a:p>
         </p:txBody>
       </p:sp>
@@ -3301,7 +3310,7 @@
         <p:nvSpPr>
           <p:cNvPr id="3" name="Content Placeholder 2"/>
           <p:cNvSpPr>
-            <a:spLocks noGrp="true"/>
+            <a:spLocks noGrp="1"/>
           </p:cNvSpPr>
           <p:nvPr>
             <p:ph sz="half" idx="1"/>
@@ -3319,38 +3328,38 @@
           <a:p>
             <a:pPr lvl="0"/>
             <a:r>
-              <a:rPr lang="en-US" smtClean="false"/>
+              <a:rPr lang="en-US"/>
               <a:t>Click to edit Master text styles</a:t>
             </a:r>
           </a:p>
           <a:p>
             <a:pPr lvl="1"/>
             <a:r>
-              <a:rPr lang="en-US" smtClean="false"/>
+              <a:rPr lang="en-US"/>
               <a:t>Second level</a:t>
             </a:r>
           </a:p>
           <a:p>
             <a:pPr lvl="2"/>
             <a:r>
-              <a:rPr lang="en-US" smtClean="false"/>
+              <a:rPr lang="en-US"/>
               <a:t>Third level</a:t>
             </a:r>
           </a:p>
           <a:p>
             <a:pPr lvl="3"/>
             <a:r>
-              <a:rPr lang="en-US" smtClean="false"/>
+              <a:rPr lang="en-US"/>
               <a:t>Fourth level</a:t>
             </a:r>
           </a:p>
           <a:p>
             <a:pPr lvl="4"/>
             <a:r>
-              <a:rPr lang="en-US" smtClean="false"/>
+              <a:rPr lang="en-US"/>
               <a:t>Fifth level</a:t>
             </a:r>
-            <a:endParaRPr lang="en-US" dirty="false"/>
+            <a:endParaRPr lang="en-US" dirty="0"/>
           </a:p>
         </p:txBody>
       </p:sp>
@@ -3358,7 +3367,7 @@
         <p:nvSpPr>
           <p:cNvPr id="4" name="Content Placeholder 3"/>
           <p:cNvSpPr>
-            <a:spLocks noGrp="true"/>
+            <a:spLocks noGrp="1"/>
           </p:cNvSpPr>
           <p:nvPr>
             <p:ph sz="half" idx="2"/>
@@ -3376,38 +3385,38 @@
           <a:p>
             <a:pPr lvl="0"/>
             <a:r>
-              <a:rPr lang="en-US" smtClean="false"/>
+              <a:rPr lang="en-US"/>
               <a:t>Click to edit Master text styles</a:t>
             </a:r>
           </a:p>
           <a:p>
             <a:pPr lvl="1"/>
             <a:r>
-              <a:rPr lang="en-US" smtClean="false"/>
+              <a:rPr lang="en-US"/>
               <a:t>Second level</a:t>
             </a:r>
           </a:p>
           <a:p>
             <a:pPr lvl="2"/>
             <a:r>
-              <a:rPr lang="en-US" smtClean="false"/>
+              <a:rPr lang="en-US"/>
               <a:t>Third level</a:t>
             </a:r>
           </a:p>
           <a:p>
             <a:pPr lvl="3"/>
             <a:r>
-              <a:rPr lang="en-US" smtClean="false"/>
+              <a:rPr lang="en-US"/>
               <a:t>Fourth level</a:t>
             </a:r>
           </a:p>
           <a:p>
             <a:pPr lvl="4"/>
             <a:r>
-              <a:rPr lang="en-US" smtClean="false"/>
+              <a:rPr lang="en-US"/>
               <a:t>Fifth level</a:t>
             </a:r>
-            <a:endParaRPr lang="en-US" dirty="false"/>
+            <a:endParaRPr lang="en-US" dirty="0"/>
           </a:p>
         </p:txBody>
       </p:sp>
@@ -3415,7 +3424,7 @@
         <p:nvSpPr>
           <p:cNvPr id="5" name="Date Placeholder 4"/>
           <p:cNvSpPr>
-            <a:spLocks noGrp="true"/>
+            <a:spLocks noGrp="1"/>
           </p:cNvSpPr>
           <p:nvPr>
             <p:ph type="dt" sz="half" idx="10"/>
@@ -3427,10 +3436,10 @@
           <a:lstStyle/>
           <a:p>
             <a:fld id="{EB712588-04B1-427B-82EE-E8DB90309F08}" type="datetimeFigureOut">
-              <a:rPr lang="en-US" dirty="false"/>
-              <a:t>9/11/2014</a:t>
+              <a:rPr lang="en-US" dirty="0"/>
+              <a:t>1/19/2018</a:t>
             </a:fld>
-            <a:endParaRPr lang="en-US" dirty="false"/>
+            <a:endParaRPr lang="en-US" dirty="0"/>
           </a:p>
         </p:txBody>
       </p:sp>
@@ -3438,7 +3447,7 @@
         <p:nvSpPr>
           <p:cNvPr id="6" name="Footer Placeholder 5"/>
           <p:cNvSpPr>
-            <a:spLocks noGrp="true"/>
+            <a:spLocks noGrp="1"/>
           </p:cNvSpPr>
           <p:nvPr>
             <p:ph type="ftr" sz="quarter" idx="11"/>
@@ -3449,7 +3458,7 @@
           <a:bodyPr/>
           <a:lstStyle/>
           <a:p>
-            <a:endParaRPr lang="en-US" dirty="false"/>
+            <a:endParaRPr lang="en-US" dirty="0"/>
           </a:p>
         </p:txBody>
       </p:sp>
@@ -3457,7 +3466,7 @@
         <p:nvSpPr>
           <p:cNvPr id="7" name="Slide Number Placeholder 6"/>
           <p:cNvSpPr>
-            <a:spLocks noGrp="true"/>
+            <a:spLocks noGrp="1"/>
           </p:cNvSpPr>
           <p:nvPr>
             <p:ph type="sldNum" sz="quarter" idx="12"/>
@@ -3469,10 +3478,10 @@
           <a:lstStyle/>
           <a:p>
             <a:fld id="{6FF9F0C5-380F-41C2-899A-BAC0F0927E16}" type="slidenum">
-              <a:rPr lang="en-US" dirty="false"/>
+              <a:rPr lang="en-US" dirty="0"/>
               <a:t>‹#›</a:t>
             </a:fld>
-            <a:endParaRPr lang="en-US" dirty="false"/>
+            <a:endParaRPr lang="en-US" dirty="0"/>
           </a:p>
         </p:txBody>
       </p:sp>
@@ -3485,7 +3494,7 @@
 </file>
 
 <file path=ppt/slideLayouts/slideLayout5.xml><?xml version="1.0" encoding="utf-8"?>
-<p:sldLayout xmlns:a="http://schemas.openxmlformats.org/drawingml/2006/main" xmlns:r="http://schemas.openxmlformats.org/officeDocument/2006/relationships" xmlns:p="http://schemas.openxmlformats.org/presentationml/2006/main" xmlns:mc="http://schemas.openxmlformats.org/markup-compatibility/2006" xmlns:c="http://schemas.openxmlformats.org/drawingml/2006/chart" xmlns:ns6="http://schemas.openxmlformats.org/drawingml/2006/chartDrawing" xmlns:dgm="http://schemas.openxmlformats.org/drawingml/2006/diagram" xmlns:pic="http://schemas.openxmlformats.org/drawingml/2006/picture" xmlns:wp="http://schemas.openxmlformats.org/drawingml/2006/wordprocessingDrawing" xmlns:xdr="http://schemas.openxmlformats.org/drawingml/2006/spreadsheetDrawing" xmlns:ns11="http://schemas.openxmlformats.org/drawingml/2006/compatibility" xmlns:ns12="http://schemas.openxmlformats.org/drawingml/2006/lockedCanvas" type="twoTxTwoObj" preserve="true">
+<p:sldLayout xmlns:a="http://schemas.openxmlformats.org/drawingml/2006/main" xmlns:r="http://schemas.openxmlformats.org/officeDocument/2006/relationships" xmlns:p="http://schemas.openxmlformats.org/presentationml/2006/main" type="twoTxTwoObj" preserve="1">
   <p:cSld name="Comparison">
     <p:spTree>
       <p:nvGrpSpPr>
@@ -3505,7 +3514,7 @@
         <p:nvSpPr>
           <p:cNvPr id="2" name="Title 1"/>
           <p:cNvSpPr>
-            <a:spLocks noGrp="true"/>
+            <a:spLocks noGrp="1"/>
           </p:cNvSpPr>
           <p:nvPr>
             <p:ph type="title"/>
@@ -3521,10 +3530,10 @@
           </a:lstStyle>
           <a:p>
             <a:r>
-              <a:rPr lang="en-US" smtClean="false"/>
+              <a:rPr lang="en-US"/>
               <a:t>Click to edit Master title style</a:t>
             </a:r>
-            <a:endParaRPr lang="en-US" dirty="false"/>
+            <a:endParaRPr lang="en-US" dirty="0"/>
           </a:p>
         </p:txBody>
       </p:sp>
@@ -3532,7 +3541,7 @@
         <p:nvSpPr>
           <p:cNvPr id="3" name="Text Placeholder 2"/>
           <p:cNvSpPr>
-            <a:spLocks noGrp="true"/>
+            <a:spLocks noGrp="1"/>
           </p:cNvSpPr>
           <p:nvPr>
             <p:ph type="body" idx="1"/>
@@ -3551,45 +3560,45 @@
           <a:lstStyle>
             <a:lvl1pPr marL="0" indent="0">
               <a:buNone/>
-              <a:defRPr sz="2400" b="false"/>
+              <a:defRPr sz="2400" b="0"/>
             </a:lvl1pPr>
             <a:lvl2pPr marL="457200" indent="0">
               <a:buNone/>
-              <a:defRPr sz="2000" b="true"/>
+              <a:defRPr sz="2000" b="1"/>
             </a:lvl2pPr>
             <a:lvl3pPr marL="914400" indent="0">
               <a:buNone/>
-              <a:defRPr sz="1800" b="true"/>
+              <a:defRPr sz="1800" b="1"/>
             </a:lvl3pPr>
             <a:lvl4pPr marL="1371600" indent="0">
               <a:buNone/>
-              <a:defRPr sz="1600" b="true"/>
+              <a:defRPr sz="1600" b="1"/>
             </a:lvl4pPr>
             <a:lvl5pPr marL="1828800" indent="0">
               <a:buNone/>
-              <a:defRPr sz="1600" b="true"/>
+              <a:defRPr sz="1600" b="1"/>
             </a:lvl5pPr>
             <a:lvl6pPr marL="2286000" indent="0">
               <a:buNone/>
-              <a:defRPr sz="1600" b="true"/>
+              <a:defRPr sz="1600" b="1"/>
             </a:lvl6pPr>
             <a:lvl7pPr marL="2743200" indent="0">
               <a:buNone/>
-              <a:defRPr sz="1600" b="true"/>
+              <a:defRPr sz="1600" b="1"/>
             </a:lvl7pPr>
             <a:lvl8pPr marL="3200400" indent="0">
               <a:buNone/>
-              <a:defRPr sz="1600" b="true"/>
+              <a:defRPr sz="1600" b="1"/>
             </a:lvl8pPr>
             <a:lvl9pPr marL="3657600" indent="0">
               <a:buNone/>
-              <a:defRPr sz="1600" b="true"/>
+              <a:defRPr sz="1600" b="1"/>
             </a:lvl9pPr>
           </a:lstStyle>
           <a:p>
             <a:pPr lvl="0"/>
             <a:r>
-              <a:rPr lang="en-US" smtClean="false"/>
+              <a:rPr lang="en-US"/>
               <a:t>Click to edit Master text styles</a:t>
             </a:r>
           </a:p>
@@ -3599,7 +3608,7 @@
         <p:nvSpPr>
           <p:cNvPr id="4" name="Content Placeholder 3"/>
           <p:cNvSpPr>
-            <a:spLocks noGrp="true"/>
+            <a:spLocks noGrp="1"/>
           </p:cNvSpPr>
           <p:nvPr>
             <p:ph sz="half" idx="2"/>
@@ -3619,38 +3628,38 @@
           <a:p>
             <a:pPr lvl="0"/>
             <a:r>
-              <a:rPr lang="en-US" smtClean="false"/>
+              <a:rPr lang="en-US"/>
               <a:t>Click to edit Master text styles</a:t>
             </a:r>
           </a:p>
           <a:p>
             <a:pPr lvl="1"/>
             <a:r>
-              <a:rPr lang="en-US" smtClean="false"/>
+              <a:rPr lang="en-US"/>
               <a:t>Second level</a:t>
             </a:r>
           </a:p>
           <a:p>
             <a:pPr lvl="2"/>
             <a:r>
-              <a:rPr lang="en-US" smtClean="false"/>
+              <a:rPr lang="en-US"/>
               <a:t>Third level</a:t>
             </a:r>
           </a:p>
           <a:p>
             <a:pPr lvl="3"/>
             <a:r>
-              <a:rPr lang="en-US" smtClean="false"/>
+              <a:rPr lang="en-US"/>
               <a:t>Fourth level</a:t>
             </a:r>
           </a:p>
           <a:p>
             <a:pPr lvl="4"/>
             <a:r>
-              <a:rPr lang="en-US" smtClean="false"/>
+              <a:rPr lang="en-US"/>
               <a:t>Fifth level</a:t>
             </a:r>
-            <a:endParaRPr lang="en-US" dirty="false"/>
+            <a:endParaRPr lang="en-US" dirty="0"/>
           </a:p>
         </p:txBody>
       </p:sp>
@@ -3658,7 +3667,7 @@
         <p:nvSpPr>
           <p:cNvPr id="5" name="Text Placeholder 4"/>
           <p:cNvSpPr>
-            <a:spLocks noGrp="true"/>
+            <a:spLocks noGrp="1"/>
           </p:cNvSpPr>
           <p:nvPr>
             <p:ph type="body" sz="quarter" idx="3"/>
@@ -3677,45 +3686,45 @@
           <a:lstStyle>
             <a:lvl1pPr marL="0" indent="0">
               <a:buNone/>
-              <a:defRPr sz="2400" b="false"/>
+              <a:defRPr sz="2400" b="0"/>
             </a:lvl1pPr>
             <a:lvl2pPr marL="457200" indent="0">
               <a:buNone/>
-              <a:defRPr sz="2000" b="true"/>
+              <a:defRPr sz="2000" b="1"/>
             </a:lvl2pPr>
             <a:lvl3pPr marL="914400" indent="0">
               <a:buNone/>
-              <a:defRPr sz="1800" b="true"/>
+              <a:defRPr sz="1800" b="1"/>
             </a:lvl3pPr>
             <a:lvl4pPr marL="1371600" indent="0">
               <a:buNone/>
-              <a:defRPr sz="1600" b="true"/>
+              <a:defRPr sz="1600" b="1"/>
             </a:lvl4pPr>
             <a:lvl5pPr marL="1828800" indent="0">
               <a:buNone/>
-              <a:defRPr sz="1600" b="true"/>
+              <a:defRPr sz="1600" b="1"/>
             </a:lvl5pPr>
             <a:lvl6pPr marL="2286000" indent="0">
               <a:buNone/>
-              <a:defRPr sz="1600" b="true"/>
+              <a:defRPr sz="1600" b="1"/>
             </a:lvl6pPr>
             <a:lvl7pPr marL="2743200" indent="0">
               <a:buNone/>
-              <a:defRPr sz="1600" b="true"/>
+              <a:defRPr sz="1600" b="1"/>
             </a:lvl7pPr>
             <a:lvl8pPr marL="3200400" indent="0">
               <a:buNone/>
-              <a:defRPr sz="1600" b="true"/>
+              <a:defRPr sz="1600" b="1"/>
             </a:lvl8pPr>
             <a:lvl9pPr marL="3657600" indent="0">
               <a:buNone/>
-              <a:defRPr sz="1600" b="true"/>
+              <a:defRPr sz="1600" b="1"/>
             </a:lvl9pPr>
           </a:lstStyle>
           <a:p>
             <a:pPr lvl="0"/>
             <a:r>
-              <a:rPr lang="en-US" smtClean="false"/>
+              <a:rPr lang="en-US"/>
               <a:t>Click to edit Master text styles</a:t>
             </a:r>
           </a:p>
@@ -3725,7 +3734,7 @@
         <p:nvSpPr>
           <p:cNvPr id="6" name="Content Placeholder 5"/>
           <p:cNvSpPr>
-            <a:spLocks noGrp="true"/>
+            <a:spLocks noGrp="1"/>
           </p:cNvSpPr>
           <p:nvPr>
             <p:ph sz="quarter" idx="4"/>
@@ -3745,38 +3754,38 @@
           <a:p>
             <a:pPr lvl="0"/>
             <a:r>
-              <a:rPr lang="en-US" smtClean="false"/>
+              <a:rPr lang="en-US"/>
               <a:t>Click to edit Master text styles</a:t>
             </a:r>
           </a:p>
           <a:p>
             <a:pPr lvl="1"/>
             <a:r>
-              <a:rPr lang="en-US" smtClean="false"/>
+              <a:rPr lang="en-US"/>
               <a:t>Second level</a:t>
             </a:r>
           </a:p>
           <a:p>
             <a:pPr lvl="2"/>
             <a:r>
-              <a:rPr lang="en-US" smtClean="false"/>
+              <a:rPr lang="en-US"/>
               <a:t>Third level</a:t>
             </a:r>
           </a:p>
           <a:p>
             <a:pPr lvl="3"/>
             <a:r>
-              <a:rPr lang="en-US" smtClean="false"/>
+              <a:rPr lang="en-US"/>
               <a:t>Fourth level</a:t>
             </a:r>
           </a:p>
           <a:p>
             <a:pPr lvl="4"/>
             <a:r>
-              <a:rPr lang="en-US" smtClean="false"/>
+              <a:rPr lang="en-US"/>
               <a:t>Fifth level</a:t>
             </a:r>
-            <a:endParaRPr lang="en-US" dirty="false"/>
+            <a:endParaRPr lang="en-US" dirty="0"/>
           </a:p>
         </p:txBody>
       </p:sp>
@@ -3784,7 +3793,7 @@
         <p:nvSpPr>
           <p:cNvPr id="7" name="Date Placeholder 6"/>
           <p:cNvSpPr>
-            <a:spLocks noGrp="true"/>
+            <a:spLocks noGrp="1"/>
           </p:cNvSpPr>
           <p:nvPr>
             <p:ph type="dt" sz="half" idx="10"/>
@@ -3796,11 +3805,11 @@
           <a:lstStyle/>
           <a:p>
             <a:fld id="{B61BEF0D-F0BB-DE4B-95CE-6DB70DBA9567}" type="datetimeFigureOut">
-              <a:rPr lang="en-US" dirty="false"/>
+              <a:rPr lang="en-US" dirty="0"/>
               <a:pPr/>
-              <a:t>9/11/2014</a:t>
+              <a:t>1/19/2018</a:t>
             </a:fld>
-            <a:endParaRPr lang="en-US" dirty="false"/>
+            <a:endParaRPr lang="en-US" dirty="0"/>
           </a:p>
         </p:txBody>
       </p:sp>
@@ -3808,7 +3817,7 @@
         <p:nvSpPr>
           <p:cNvPr id="8" name="Footer Placeholder 7"/>
           <p:cNvSpPr>
-            <a:spLocks noGrp="true"/>
+            <a:spLocks noGrp="1"/>
           </p:cNvSpPr>
           <p:nvPr>
             <p:ph type="ftr" sz="quarter" idx="11"/>
@@ -3819,7 +3828,7 @@
           <a:bodyPr/>
           <a:lstStyle/>
           <a:p>
-            <a:endParaRPr lang="en-US" dirty="false"/>
+            <a:endParaRPr lang="en-US" dirty="0"/>
           </a:p>
         </p:txBody>
       </p:sp>
@@ -3827,7 +3836,7 @@
         <p:nvSpPr>
           <p:cNvPr id="9" name="Slide Number Placeholder 8"/>
           <p:cNvSpPr>
-            <a:spLocks noGrp="true"/>
+            <a:spLocks noGrp="1"/>
           </p:cNvSpPr>
           <p:nvPr>
             <p:ph type="sldNum" sz="quarter" idx="12"/>
@@ -3839,11 +3848,11 @@
           <a:lstStyle/>
           <a:p>
             <a:fld id="{D57F1E4F-1CFF-5643-939E-217C01CDF565}" type="slidenum">
-              <a:rPr lang="en-US" dirty="false"/>
+              <a:rPr lang="en-US" dirty="0"/>
               <a:pPr/>
               <a:t>‹#›</a:t>
             </a:fld>
-            <a:endParaRPr lang="en-US" dirty="false"/>
+            <a:endParaRPr lang="en-US" dirty="0"/>
           </a:p>
         </p:txBody>
       </p:sp>
@@ -3856,7 +3865,7 @@
 </file>
 
 <file path=ppt/slideLayouts/slideLayout6.xml><?xml version="1.0" encoding="utf-8"?>
-<p:sldLayout xmlns:a="http://schemas.openxmlformats.org/drawingml/2006/main" xmlns:r="http://schemas.openxmlformats.org/officeDocument/2006/relationships" xmlns:p="http://schemas.openxmlformats.org/presentationml/2006/main" xmlns:mc="http://schemas.openxmlformats.org/markup-compatibility/2006" xmlns:c="http://schemas.openxmlformats.org/drawingml/2006/chart" xmlns:ns6="http://schemas.openxmlformats.org/drawingml/2006/chartDrawing" xmlns:dgm="http://schemas.openxmlformats.org/drawingml/2006/diagram" xmlns:pic="http://schemas.openxmlformats.org/drawingml/2006/picture" xmlns:wp="http://schemas.openxmlformats.org/drawingml/2006/wordprocessingDrawing" xmlns:xdr="http://schemas.openxmlformats.org/drawingml/2006/spreadsheetDrawing" xmlns:ns11="http://schemas.openxmlformats.org/drawingml/2006/compatibility" xmlns:ns12="http://schemas.openxmlformats.org/drawingml/2006/lockedCanvas" type="titleOnly" preserve="true">
+<p:sldLayout xmlns:a="http://schemas.openxmlformats.org/drawingml/2006/main" xmlns:r="http://schemas.openxmlformats.org/officeDocument/2006/relationships" xmlns:p="http://schemas.openxmlformats.org/presentationml/2006/main" type="titleOnly" preserve="1">
   <p:cSld name="Title Only">
     <p:spTree>
       <p:nvGrpSpPr>
@@ -3876,7 +3885,7 @@
         <p:nvSpPr>
           <p:cNvPr id="2" name="Title 1"/>
           <p:cNvSpPr>
-            <a:spLocks noGrp="true"/>
+            <a:spLocks noGrp="1"/>
           </p:cNvSpPr>
           <p:nvPr>
             <p:ph type="title"/>
@@ -3893,10 +3902,10 @@
           <a:lstStyle/>
           <a:p>
             <a:r>
-              <a:rPr lang="en-US" smtClean="false"/>
+              <a:rPr lang="en-US"/>
               <a:t>Click to edit Master title style</a:t>
             </a:r>
-            <a:endParaRPr lang="en-US" dirty="false"/>
+            <a:endParaRPr lang="en-US" dirty="0"/>
           </a:p>
         </p:txBody>
       </p:sp>
@@ -3904,7 +3913,7 @@
         <p:nvSpPr>
           <p:cNvPr id="3" name="Date Placeholder 2"/>
           <p:cNvSpPr>
-            <a:spLocks noGrp="true"/>
+            <a:spLocks noGrp="1"/>
           </p:cNvSpPr>
           <p:nvPr>
             <p:ph type="dt" sz="half" idx="10"/>
@@ -3916,11 +3925,11 @@
           <a:lstStyle/>
           <a:p>
             <a:fld id="{B61BEF0D-F0BB-DE4B-95CE-6DB70DBA9567}" type="datetimeFigureOut">
-              <a:rPr lang="en-US" dirty="false"/>
+              <a:rPr lang="en-US" dirty="0"/>
               <a:pPr/>
-              <a:t>9/11/2014</a:t>
+              <a:t>1/19/2018</a:t>
             </a:fld>
-            <a:endParaRPr lang="en-US" dirty="false"/>
+            <a:endParaRPr lang="en-US" dirty="0"/>
           </a:p>
         </p:txBody>
       </p:sp>
@@ -3928,7 +3937,7 @@
         <p:nvSpPr>
           <p:cNvPr id="4" name="Footer Placeholder 3"/>
           <p:cNvSpPr>
-            <a:spLocks noGrp="true"/>
+            <a:spLocks noGrp="1"/>
           </p:cNvSpPr>
           <p:nvPr>
             <p:ph type="ftr" sz="quarter" idx="11"/>
@@ -3939,7 +3948,7 @@
           <a:bodyPr/>
           <a:lstStyle/>
           <a:p>
-            <a:endParaRPr lang="en-US" dirty="false"/>
+            <a:endParaRPr lang="en-US" dirty="0"/>
           </a:p>
         </p:txBody>
       </p:sp>
@@ -3947,7 +3956,7 @@
         <p:nvSpPr>
           <p:cNvPr id="5" name="Slide Number Placeholder 4"/>
           <p:cNvSpPr>
-            <a:spLocks noGrp="true"/>
+            <a:spLocks noGrp="1"/>
           </p:cNvSpPr>
           <p:nvPr>
             <p:ph type="sldNum" sz="quarter" idx="12"/>
@@ -3959,11 +3968,11 @@
           <a:lstStyle/>
           <a:p>
             <a:fld id="{D57F1E4F-1CFF-5643-939E-217C01CDF565}" type="slidenum">
-              <a:rPr lang="en-US" dirty="false"/>
+              <a:rPr lang="en-US" dirty="0"/>
               <a:pPr/>
               <a:t>‹#›</a:t>
             </a:fld>
-            <a:endParaRPr lang="en-US" dirty="false"/>
+            <a:endParaRPr lang="en-US" dirty="0"/>
           </a:p>
         </p:txBody>
       </p:sp>
@@ -3976,7 +3985,7 @@
 </file>
 
 <file path=ppt/slideLayouts/slideLayout7.xml><?xml version="1.0" encoding="utf-8"?>
-<p:sldLayout xmlns:a="http://schemas.openxmlformats.org/drawingml/2006/main" xmlns:r="http://schemas.openxmlformats.org/officeDocument/2006/relationships" xmlns:p="http://schemas.openxmlformats.org/presentationml/2006/main" xmlns:mc="http://schemas.openxmlformats.org/markup-compatibility/2006" xmlns:c="http://schemas.openxmlformats.org/drawingml/2006/chart" xmlns:ns6="http://schemas.openxmlformats.org/drawingml/2006/chartDrawing" xmlns:dgm="http://schemas.openxmlformats.org/drawingml/2006/diagram" xmlns:pic="http://schemas.openxmlformats.org/drawingml/2006/picture" xmlns:wp="http://schemas.openxmlformats.org/drawingml/2006/wordprocessingDrawing" xmlns:xdr="http://schemas.openxmlformats.org/drawingml/2006/spreadsheetDrawing" xmlns:ns11="http://schemas.openxmlformats.org/drawingml/2006/compatibility" xmlns:ns12="http://schemas.openxmlformats.org/drawingml/2006/lockedCanvas" type="blank" preserve="true">
+<p:sldLayout xmlns:a="http://schemas.openxmlformats.org/drawingml/2006/main" xmlns:r="http://schemas.openxmlformats.org/officeDocument/2006/relationships" xmlns:p="http://schemas.openxmlformats.org/presentationml/2006/main" type="blank" preserve="1">
   <p:cSld name="Blank">
     <p:spTree>
       <p:nvGrpSpPr>
@@ -3996,7 +4005,7 @@
         <p:nvSpPr>
           <p:cNvPr id="2" name="Date Placeholder 1"/>
           <p:cNvSpPr>
-            <a:spLocks noGrp="true"/>
+            <a:spLocks noGrp="1"/>
           </p:cNvSpPr>
           <p:nvPr>
             <p:ph type="dt" sz="half" idx="10"/>
@@ -4008,11 +4017,11 @@
           <a:lstStyle/>
           <a:p>
             <a:fld id="{B61BEF0D-F0BB-DE4B-95CE-6DB70DBA9567}" type="datetimeFigureOut">
-              <a:rPr lang="en-US" dirty="false"/>
+              <a:rPr lang="en-US" dirty="0"/>
               <a:pPr/>
-              <a:t>9/11/2014</a:t>
+              <a:t>1/19/2018</a:t>
             </a:fld>
-            <a:endParaRPr lang="en-US" dirty="false"/>
+            <a:endParaRPr lang="en-US" dirty="0"/>
           </a:p>
         </p:txBody>
       </p:sp>
@@ -4020,7 +4029,7 @@
         <p:nvSpPr>
           <p:cNvPr id="3" name="Footer Placeholder 2"/>
           <p:cNvSpPr>
-            <a:spLocks noGrp="true"/>
+            <a:spLocks noGrp="1"/>
           </p:cNvSpPr>
           <p:nvPr>
             <p:ph type="ftr" sz="quarter" idx="11"/>
@@ -4031,7 +4040,7 @@
           <a:bodyPr/>
           <a:lstStyle/>
           <a:p>
-            <a:endParaRPr lang="en-US" dirty="false"/>
+            <a:endParaRPr lang="en-US" dirty="0"/>
           </a:p>
         </p:txBody>
       </p:sp>
@@ -4039,7 +4048,7 @@
         <p:nvSpPr>
           <p:cNvPr id="4" name="Slide Number Placeholder 3"/>
           <p:cNvSpPr>
-            <a:spLocks noGrp="true"/>
+            <a:spLocks noGrp="1"/>
           </p:cNvSpPr>
           <p:nvPr>
             <p:ph type="sldNum" sz="quarter" idx="12"/>
@@ -4051,11 +4060,11 @@
           <a:lstStyle/>
           <a:p>
             <a:fld id="{D57F1E4F-1CFF-5643-939E-217C01CDF565}" type="slidenum">
-              <a:rPr lang="en-US" dirty="false"/>
+              <a:rPr lang="en-US" dirty="0"/>
               <a:pPr/>
               <a:t>‹#›</a:t>
             </a:fld>
-            <a:endParaRPr lang="en-US" dirty="false"/>
+            <a:endParaRPr lang="en-US" dirty="0"/>
           </a:p>
         </p:txBody>
       </p:sp>
@@ -4068,7 +4077,7 @@
 </file>
 
 <file path=ppt/slideLayouts/slideLayout8.xml><?xml version="1.0" encoding="utf-8"?>
-<p:sldLayout xmlns:a="http://schemas.openxmlformats.org/drawingml/2006/main" xmlns:r="http://schemas.openxmlformats.org/officeDocument/2006/relationships" xmlns:p="http://schemas.openxmlformats.org/presentationml/2006/main" xmlns:mc="http://schemas.openxmlformats.org/markup-compatibility/2006" xmlns:c="http://schemas.openxmlformats.org/drawingml/2006/chart" xmlns:ns6="http://schemas.openxmlformats.org/drawingml/2006/chartDrawing" xmlns:dgm="http://schemas.openxmlformats.org/drawingml/2006/diagram" xmlns:pic="http://schemas.openxmlformats.org/drawingml/2006/picture" xmlns:wp="http://schemas.openxmlformats.org/drawingml/2006/wordprocessingDrawing" xmlns:xdr="http://schemas.openxmlformats.org/drawingml/2006/spreadsheetDrawing" xmlns:ns11="http://schemas.openxmlformats.org/drawingml/2006/compatibility" xmlns:ns12="http://schemas.openxmlformats.org/drawingml/2006/lockedCanvas" type="objTx" preserve="true">
+<p:sldLayout xmlns:a="http://schemas.openxmlformats.org/drawingml/2006/main" xmlns:r="http://schemas.openxmlformats.org/officeDocument/2006/relationships" xmlns:p="http://schemas.openxmlformats.org/presentationml/2006/main" type="objTx" preserve="1">
   <p:cSld name="Content with Caption">
     <p:spTree>
       <p:nvGrpSpPr>
@@ -4088,7 +4097,7 @@
         <p:nvSpPr>
           <p:cNvPr id="2" name="Title 1"/>
           <p:cNvSpPr>
-            <a:spLocks noGrp="true"/>
+            <a:spLocks noGrp="1"/>
           </p:cNvSpPr>
           <p:nvPr>
             <p:ph type="title"/>
@@ -4111,10 +4120,10 @@
           </a:lstStyle>
           <a:p>
             <a:r>
-              <a:rPr lang="en-US" smtClean="false"/>
+              <a:rPr lang="en-US"/>
               <a:t>Click to edit Master title style</a:t>
             </a:r>
-            <a:endParaRPr lang="en-US" dirty="false"/>
+            <a:endParaRPr lang="en-US" dirty="0"/>
           </a:p>
         </p:txBody>
       </p:sp>
@@ -4122,7 +4131,7 @@
         <p:nvSpPr>
           <p:cNvPr id="3" name="Content Placeholder 2"/>
           <p:cNvSpPr>
-            <a:spLocks noGrp="true"/>
+            <a:spLocks noGrp="1"/>
           </p:cNvSpPr>
           <p:nvPr>
             <p:ph idx="1"/>
@@ -4142,38 +4151,38 @@
           <a:p>
             <a:pPr lvl="0"/>
             <a:r>
-              <a:rPr lang="en-US" smtClean="false"/>
+              <a:rPr lang="en-US"/>
               <a:t>Click to edit Master text styles</a:t>
             </a:r>
           </a:p>
           <a:p>
             <a:pPr lvl="1"/>
             <a:r>
-              <a:rPr lang="en-US" smtClean="false"/>
+              <a:rPr lang="en-US"/>
               <a:t>Second level</a:t>
             </a:r>
           </a:p>
           <a:p>
             <a:pPr lvl="2"/>
             <a:r>
-              <a:rPr lang="en-US" smtClean="false"/>
+              <a:rPr lang="en-US"/>
               <a:t>Third level</a:t>
             </a:r>
           </a:p>
           <a:p>
             <a:pPr lvl="3"/>
             <a:r>
-              <a:rPr lang="en-US" smtClean="false"/>
+              <a:rPr lang="en-US"/>
               <a:t>Fourth level</a:t>
             </a:r>
           </a:p>
           <a:p>
             <a:pPr lvl="4"/>
             <a:r>
-              <a:rPr lang="en-US" smtClean="false"/>
+              <a:rPr lang="en-US"/>
               <a:t>Fifth level</a:t>
             </a:r>
-            <a:endParaRPr lang="en-US" dirty="false"/>
+            <a:endParaRPr lang="en-US" dirty="0"/>
           </a:p>
         </p:txBody>
       </p:sp>
@@ -4181,7 +4190,7 @@
         <p:nvSpPr>
           <p:cNvPr id="4" name="Text Placeholder 3"/>
           <p:cNvSpPr>
-            <a:spLocks noGrp="true"/>
+            <a:spLocks noGrp="1"/>
           </p:cNvSpPr>
           <p:nvPr>
             <p:ph type="body" sz="half" idx="2"/>
@@ -4238,7 +4247,7 @@
           <a:p>
             <a:pPr lvl="0"/>
             <a:r>
-              <a:rPr lang="en-US" smtClean="false"/>
+              <a:rPr lang="en-US"/>
               <a:t>Click to edit Master text styles</a:t>
             </a:r>
           </a:p>
@@ -4248,7 +4257,7 @@
         <p:nvSpPr>
           <p:cNvPr id="5" name="Date Placeholder 4"/>
           <p:cNvSpPr>
-            <a:spLocks noGrp="true"/>
+            <a:spLocks noGrp="1"/>
           </p:cNvSpPr>
           <p:nvPr>
             <p:ph type="dt" sz="half" idx="10"/>
@@ -4260,10 +4269,10 @@
           <a:lstStyle/>
           <a:p>
             <a:fld id="{42A54C80-263E-416B-A8E0-580EDEADCBDC}" type="datetimeFigureOut">
-              <a:rPr lang="en-US" dirty="false"/>
-              <a:t>9/11/2014</a:t>
+              <a:rPr lang="en-US" dirty="0"/>
+              <a:t>1/19/2018</a:t>
             </a:fld>
-            <a:endParaRPr lang="en-US" dirty="false"/>
+            <a:endParaRPr lang="en-US" dirty="0"/>
           </a:p>
         </p:txBody>
       </p:sp>
@@ -4271,7 +4280,7 @@
         <p:nvSpPr>
           <p:cNvPr id="6" name="Footer Placeholder 5"/>
           <p:cNvSpPr>
-            <a:spLocks noGrp="true"/>
+            <a:spLocks noGrp="1"/>
           </p:cNvSpPr>
           <p:nvPr>
             <p:ph type="ftr" sz="quarter" idx="11"/>
@@ -4282,7 +4291,7 @@
           <a:bodyPr/>
           <a:lstStyle/>
           <a:p>
-            <a:endParaRPr lang="en-US" dirty="false"/>
+            <a:endParaRPr lang="en-US" dirty="0"/>
           </a:p>
         </p:txBody>
       </p:sp>
@@ -4290,7 +4299,7 @@
         <p:nvSpPr>
           <p:cNvPr id="7" name="Slide Number Placeholder 6"/>
           <p:cNvSpPr>
-            <a:spLocks noGrp="true"/>
+            <a:spLocks noGrp="1"/>
           </p:cNvSpPr>
           <p:nvPr>
             <p:ph type="sldNum" sz="quarter" idx="12"/>
@@ -4302,10 +4311,10 @@
           <a:lstStyle/>
           <a:p>
             <a:fld id="{519954A3-9DFD-4C44-94BA-B95130A3BA1C}" type="slidenum">
-              <a:rPr lang="en-US" dirty="false"/>
+              <a:rPr lang="en-US" dirty="0"/>
               <a:t>‹#›</a:t>
             </a:fld>
-            <a:endParaRPr lang="en-US" dirty="false"/>
+            <a:endParaRPr lang="en-US" dirty="0"/>
           </a:p>
         </p:txBody>
       </p:sp>
@@ -4318,7 +4327,7 @@
 </file>
 
 <file path=ppt/slideLayouts/slideLayout9.xml><?xml version="1.0" encoding="utf-8"?>
-<p:sldLayout xmlns:a="http://schemas.openxmlformats.org/drawingml/2006/main" xmlns:r="http://schemas.openxmlformats.org/officeDocument/2006/relationships" xmlns:p="http://schemas.openxmlformats.org/presentationml/2006/main" xmlns:mc="http://schemas.openxmlformats.org/markup-compatibility/2006" xmlns:c="http://schemas.openxmlformats.org/drawingml/2006/chart" xmlns:ns6="http://schemas.openxmlformats.org/drawingml/2006/chartDrawing" xmlns:dgm="http://schemas.openxmlformats.org/drawingml/2006/diagram" xmlns:pic="http://schemas.openxmlformats.org/drawingml/2006/picture" xmlns:wp="http://schemas.openxmlformats.org/drawingml/2006/wordprocessingDrawing" xmlns:xdr="http://schemas.openxmlformats.org/drawingml/2006/spreadsheetDrawing" xmlns:ns11="http://schemas.openxmlformats.org/drawingml/2006/compatibility" xmlns:ns12="http://schemas.openxmlformats.org/drawingml/2006/lockedCanvas" type="picTx" preserve="true">
+<p:sldLayout xmlns:a="http://schemas.openxmlformats.org/drawingml/2006/main" xmlns:r="http://schemas.openxmlformats.org/officeDocument/2006/relationships" xmlns:p="http://schemas.openxmlformats.org/presentationml/2006/main" type="picTx" preserve="1">
   <p:cSld name="Picture with Caption">
     <p:spTree>
       <p:nvGrpSpPr>
@@ -4338,7 +4347,7 @@
         <p:nvSpPr>
           <p:cNvPr id="2" name="Title 1"/>
           <p:cNvSpPr>
-            <a:spLocks noGrp="true"/>
+            <a:spLocks noGrp="1"/>
           </p:cNvSpPr>
           <p:nvPr>
             <p:ph type="title"/>
@@ -4356,15 +4365,15 @@
           </a:bodyPr>
           <a:lstStyle>
             <a:lvl1pPr algn="l">
-              <a:defRPr sz="2400" b="false"/>
+              <a:defRPr sz="2400" b="0"/>
             </a:lvl1pPr>
           </a:lstStyle>
           <a:p>
             <a:r>
-              <a:rPr lang="en-US" smtClean="false"/>
+              <a:rPr lang="en-US"/>
               <a:t>Click to edit Master title style</a:t>
             </a:r>
-            <a:endParaRPr lang="en-US" dirty="false"/>
+            <a:endParaRPr lang="en-US" dirty="0"/>
           </a:p>
         </p:txBody>
       </p:sp>
@@ -4372,7 +4381,7 @@
         <p:nvSpPr>
           <p:cNvPr id="3" name="Picture Placeholder 2"/>
           <p:cNvSpPr>
-            <a:spLocks noGrp="true" noChangeAspect="true"/>
+            <a:spLocks noGrp="1" noChangeAspect="1"/>
           </p:cNvSpPr>
           <p:nvPr>
             <p:ph type="pic" idx="1"/>
@@ -4428,10 +4437,10 @@
           </a:lstStyle>
           <a:p>
             <a:r>
-              <a:rPr lang="en-US" smtClean="false"/>
+              <a:rPr lang="en-US"/>
               <a:t>Click icon to add picture</a:t>
             </a:r>
-            <a:endParaRPr lang="en-US" dirty="false"/>
+            <a:endParaRPr lang="en-US" dirty="0"/>
           </a:p>
         </p:txBody>
       </p:sp>
@@ -4439,7 +4448,7 @@
         <p:nvSpPr>
           <p:cNvPr id="4" name="Text Placeholder 3"/>
           <p:cNvSpPr>
-            <a:spLocks noGrp="true"/>
+            <a:spLocks noGrp="1"/>
           </p:cNvSpPr>
           <p:nvPr>
             <p:ph type="body" sz="half" idx="2"/>
@@ -4496,7 +4505,7 @@
           <a:p>
             <a:pPr lvl="0"/>
             <a:r>
-              <a:rPr lang="en-US" smtClean="false"/>
+              <a:rPr lang="en-US"/>
               <a:t>Click to edit Master text styles</a:t>
             </a:r>
           </a:p>
@@ -4506,7 +4515,7 @@
         <p:nvSpPr>
           <p:cNvPr id="5" name="Date Placeholder 4"/>
           <p:cNvSpPr>
-            <a:spLocks noGrp="true"/>
+            <a:spLocks noGrp="1"/>
           </p:cNvSpPr>
           <p:nvPr>
             <p:ph type="dt" sz="half" idx="10"/>
@@ -4518,11 +4527,11 @@
           <a:lstStyle/>
           <a:p>
             <a:fld id="{B61BEF0D-F0BB-DE4B-95CE-6DB70DBA9567}" type="datetimeFigureOut">
-              <a:rPr lang="en-US" dirty="false"/>
+              <a:rPr lang="en-US" dirty="0"/>
               <a:pPr/>
-              <a:t>9/11/2014</a:t>
+              <a:t>1/19/2018</a:t>
             </a:fld>
-            <a:endParaRPr lang="en-US" dirty="false"/>
+            <a:endParaRPr lang="en-US" dirty="0"/>
           </a:p>
         </p:txBody>
       </p:sp>
@@ -4530,7 +4539,7 @@
         <p:nvSpPr>
           <p:cNvPr id="6" name="Footer Placeholder 5"/>
           <p:cNvSpPr>
-            <a:spLocks noGrp="true"/>
+            <a:spLocks noGrp="1"/>
           </p:cNvSpPr>
           <p:nvPr>
             <p:ph type="ftr" sz="quarter" idx="11"/>
@@ -4541,7 +4550,7 @@
           <a:bodyPr/>
           <a:lstStyle/>
           <a:p>
-            <a:endParaRPr lang="en-US" dirty="false"/>
+            <a:endParaRPr lang="en-US" dirty="0"/>
           </a:p>
         </p:txBody>
       </p:sp>
@@ -4549,7 +4558,7 @@
         <p:nvSpPr>
           <p:cNvPr id="7" name="Slide Number Placeholder 6"/>
           <p:cNvSpPr>
-            <a:spLocks noGrp="true"/>
+            <a:spLocks noGrp="1"/>
           </p:cNvSpPr>
           <p:nvPr>
             <p:ph type="sldNum" sz="quarter" idx="12"/>
@@ -4561,11 +4570,11 @@
           <a:lstStyle/>
           <a:p>
             <a:fld id="{D57F1E4F-1CFF-5643-939E-217C01CDF565}" type="slidenum">
-              <a:rPr lang="en-US" dirty="false"/>
+              <a:rPr lang="en-US" dirty="0"/>
               <a:pPr/>
               <a:t>‹#›</a:t>
             </a:fld>
-            <a:endParaRPr lang="en-US" dirty="false"/>
+            <a:endParaRPr lang="en-US" dirty="0"/>
           </a:p>
         </p:txBody>
       </p:sp>
@@ -4578,7 +4587,7 @@
 </file>
 
 <file path=ppt/slideMasters/slideMaster1.xml><?xml version="1.0" encoding="utf-8"?>
-<p:sldMaster xmlns:a="http://schemas.openxmlformats.org/drawingml/2006/main" xmlns:r="http://schemas.openxmlformats.org/officeDocument/2006/relationships" xmlns:p="http://schemas.openxmlformats.org/presentationml/2006/main" xmlns:mc="http://schemas.openxmlformats.org/markup-compatibility/2006" xmlns:c="http://schemas.openxmlformats.org/drawingml/2006/chart" xmlns:ns6="http://schemas.openxmlformats.org/drawingml/2006/chartDrawing" xmlns:dgm="http://schemas.openxmlformats.org/drawingml/2006/diagram" xmlns:pic="http://schemas.openxmlformats.org/drawingml/2006/picture" xmlns:wp="http://schemas.openxmlformats.org/drawingml/2006/wordprocessingDrawing" xmlns:xdr="http://schemas.openxmlformats.org/drawingml/2006/spreadsheetDrawing" xmlns:ns11="http://schemas.openxmlformats.org/drawingml/2006/compatibility" xmlns:ns12="http://schemas.openxmlformats.org/drawingml/2006/lockedCanvas">
+<p:sldMaster xmlns:a="http://schemas.openxmlformats.org/drawingml/2006/main" xmlns:r="http://schemas.openxmlformats.org/officeDocument/2006/relationships" xmlns:p="http://schemas.openxmlformats.org/presentationml/2006/main">
   <p:cSld>
     <p:bg>
       <p:bgRef idx="1001">
@@ -4657,7 +4666,7 @@
             <p:nvPr/>
           </p:nvCxnSpPr>
           <p:spPr>
-            <a:xfrm flipH="true">
+            <a:xfrm flipH="1">
               <a:off x="7425267" y="3681413"/>
               <a:ext cx="4763558" cy="3176587"/>
             </a:xfrm>
@@ -5133,7 +5142,7 @@
         <p:nvSpPr>
           <p:cNvPr id="2" name="Title Placeholder 1"/>
           <p:cNvSpPr>
-            <a:spLocks noGrp="true"/>
+            <a:spLocks noGrp="1"/>
           </p:cNvSpPr>
           <p:nvPr>
             <p:ph type="title"/>
@@ -5149,16 +5158,16 @@
           </a:prstGeom>
         </p:spPr>
         <p:txBody>
-          <a:bodyPr vert="horz" lIns="91440" tIns="45720" rIns="91440" bIns="45720" rtlCol="false" anchor="t">
+          <a:bodyPr vert="horz" lIns="91440" tIns="45720" rIns="91440" bIns="45720" rtlCol="0" anchor="t">
             <a:normAutofit/>
           </a:bodyPr>
           <a:lstStyle/>
           <a:p>
             <a:r>
-              <a:rPr lang="en-US" smtClean="false"/>
+              <a:rPr lang="en-US"/>
               <a:t>Click to edit Master title style</a:t>
             </a:r>
-            <a:endParaRPr lang="en-US" dirty="false"/>
+            <a:endParaRPr lang="en-US" dirty="0"/>
           </a:p>
         </p:txBody>
       </p:sp>
@@ -5166,7 +5175,7 @@
         <p:nvSpPr>
           <p:cNvPr id="3" name="Text Placeholder 2"/>
           <p:cNvSpPr>
-            <a:spLocks noGrp="true"/>
+            <a:spLocks noGrp="1"/>
           </p:cNvSpPr>
           <p:nvPr>
             <p:ph type="body" idx="1"/>
@@ -5182,45 +5191,45 @@
           </a:prstGeom>
         </p:spPr>
         <p:txBody>
-          <a:bodyPr vert="horz" lIns="91440" tIns="45720" rIns="91440" bIns="45720" rtlCol="false">
+          <a:bodyPr vert="horz" lIns="91440" tIns="45720" rIns="91440" bIns="45720" rtlCol="0">
             <a:normAutofit/>
           </a:bodyPr>
           <a:lstStyle/>
           <a:p>
             <a:pPr lvl="0"/>
             <a:r>
-              <a:rPr lang="en-US" smtClean="false"/>
+              <a:rPr lang="en-US"/>
               <a:t>Click to edit Master text styles</a:t>
             </a:r>
           </a:p>
           <a:p>
             <a:pPr lvl="1"/>
             <a:r>
-              <a:rPr lang="en-US" smtClean="false"/>
+              <a:rPr lang="en-US"/>
               <a:t>Second level</a:t>
             </a:r>
           </a:p>
           <a:p>
             <a:pPr lvl="2"/>
             <a:r>
-              <a:rPr lang="en-US" smtClean="false"/>
+              <a:rPr lang="en-US"/>
               <a:t>Third level</a:t>
             </a:r>
           </a:p>
           <a:p>
             <a:pPr lvl="3"/>
             <a:r>
-              <a:rPr lang="en-US" smtClean="false"/>
+              <a:rPr lang="en-US"/>
               <a:t>Fourth level</a:t>
             </a:r>
           </a:p>
           <a:p>
             <a:pPr lvl="4"/>
             <a:r>
-              <a:rPr lang="en-US" smtClean="false"/>
+              <a:rPr lang="en-US"/>
               <a:t>Fifth level</a:t>
             </a:r>
-            <a:endParaRPr lang="en-US" dirty="false"/>
+            <a:endParaRPr lang="en-US" dirty="0"/>
           </a:p>
         </p:txBody>
       </p:sp>
@@ -5228,7 +5237,7 @@
         <p:nvSpPr>
           <p:cNvPr id="4" name="Date Placeholder 3"/>
           <p:cNvSpPr>
-            <a:spLocks noGrp="true"/>
+            <a:spLocks noGrp="1"/>
           </p:cNvSpPr>
           <p:nvPr>
             <p:ph type="dt" sz="half" idx="2"/>
@@ -5244,7 +5253,7 @@
           </a:prstGeom>
         </p:spPr>
         <p:txBody>
-          <a:bodyPr vert="horz" lIns="91440" tIns="45720" rIns="91440" bIns="45720" rtlCol="false" anchor="ctr"/>
+          <a:bodyPr vert="horz" lIns="91440" tIns="45720" rIns="91440" bIns="45720" rtlCol="0" anchor="ctr"/>
           <a:lstStyle>
             <a:lvl1pPr algn="r">
               <a:defRPr sz="900">
@@ -5258,11 +5267,11 @@
           </a:lstStyle>
           <a:p>
             <a:fld id="{B61BEF0D-F0BB-DE4B-95CE-6DB70DBA9567}" type="datetimeFigureOut">
-              <a:rPr lang="en-US" dirty="false"/>
+              <a:rPr lang="en-US" dirty="0"/>
               <a:pPr/>
-              <a:t>9/11/2014</a:t>
+              <a:t>1/19/2018</a:t>
             </a:fld>
-            <a:endParaRPr lang="en-US" dirty="false"/>
+            <a:endParaRPr lang="en-US" dirty="0"/>
           </a:p>
         </p:txBody>
       </p:sp>
@@ -5270,7 +5279,7 @@
         <p:nvSpPr>
           <p:cNvPr id="5" name="Footer Placeholder 4"/>
           <p:cNvSpPr>
-            <a:spLocks noGrp="true"/>
+            <a:spLocks noGrp="1"/>
           </p:cNvSpPr>
           <p:nvPr>
             <p:ph type="ftr" sz="quarter" idx="3"/>
@@ -5286,7 +5295,7 @@
           </a:prstGeom>
         </p:spPr>
         <p:txBody>
-          <a:bodyPr vert="horz" lIns="91440" tIns="45720" rIns="91440" bIns="45720" rtlCol="false" anchor="ctr"/>
+          <a:bodyPr vert="horz" lIns="91440" tIns="45720" rIns="91440" bIns="45720" rtlCol="0" anchor="ctr"/>
           <a:lstStyle>
             <a:lvl1pPr algn="l">
               <a:defRPr sz="900">
@@ -5299,7 +5308,7 @@
             </a:lvl1pPr>
           </a:lstStyle>
           <a:p>
-            <a:endParaRPr lang="en-US" dirty="false"/>
+            <a:endParaRPr lang="en-US" dirty="0"/>
           </a:p>
         </p:txBody>
       </p:sp>
@@ -5307,7 +5316,7 @@
         <p:nvSpPr>
           <p:cNvPr id="6" name="Slide Number Placeholder 5"/>
           <p:cNvSpPr>
-            <a:spLocks noGrp="true"/>
+            <a:spLocks noGrp="1"/>
           </p:cNvSpPr>
           <p:nvPr>
             <p:ph type="sldNum" sz="quarter" idx="4"/>
@@ -5323,7 +5332,7 @@
           </a:prstGeom>
         </p:spPr>
         <p:txBody>
-          <a:bodyPr vert="horz" lIns="91440" tIns="45720" rIns="91440" bIns="45720" rtlCol="false" anchor="ctr"/>
+          <a:bodyPr vert="horz" lIns="91440" tIns="45720" rIns="91440" bIns="45720" rtlCol="0" anchor="ctr"/>
           <a:lstStyle>
             <a:lvl1pPr algn="r">
               <a:defRPr sz="900">
@@ -5335,11 +5344,11 @@
           </a:lstStyle>
           <a:p>
             <a:fld id="{D57F1E4F-1CFF-5643-939E-217C01CDF565}" type="slidenum">
-              <a:rPr lang="en-US" dirty="false"/>
+              <a:rPr lang="en-US" dirty="0"/>
               <a:pPr/>
               <a:t>‹#›</a:t>
             </a:fld>
-            <a:endParaRPr lang="en-US" dirty="false"/>
+            <a:endParaRPr lang="en-US" dirty="0"/>
           </a:p>
         </p:txBody>
       </p:sp>
@@ -5366,7 +5375,7 @@
   </p:sldLayoutIdLst>
   <p:txStyles>
     <p:titleStyle>
-      <a:lvl1pPr algn="l" defTabSz="457200" rtl="false" eaLnBrk="true" latinLnBrk="false" hangingPunct="true">
+      <a:lvl1pPr algn="l" defTabSz="457200" rtl="0" eaLnBrk="1" latinLnBrk="0" hangingPunct="1">
         <a:spcBef>
           <a:spcPct val="0"/>
         </a:spcBef>
@@ -5380,56 +5389,56 @@
           <a:cs typeface="+mj-cs"/>
         </a:defRPr>
       </a:lvl1pPr>
-      <a:lvl2pPr eaLnBrk="true" hangingPunct="true">
+      <a:lvl2pPr eaLnBrk="1" hangingPunct="1">
         <a:defRPr>
           <a:solidFill>
             <a:schemeClr val="tx2"/>
           </a:solidFill>
         </a:defRPr>
       </a:lvl2pPr>
-      <a:lvl3pPr eaLnBrk="true" hangingPunct="true">
+      <a:lvl3pPr eaLnBrk="1" hangingPunct="1">
         <a:defRPr>
           <a:solidFill>
             <a:schemeClr val="tx2"/>
           </a:solidFill>
         </a:defRPr>
       </a:lvl3pPr>
-      <a:lvl4pPr eaLnBrk="true" hangingPunct="true">
+      <a:lvl4pPr eaLnBrk="1" hangingPunct="1">
         <a:defRPr>
           <a:solidFill>
             <a:schemeClr val="tx2"/>
           </a:solidFill>
         </a:defRPr>
       </a:lvl4pPr>
-      <a:lvl5pPr eaLnBrk="true" hangingPunct="true">
+      <a:lvl5pPr eaLnBrk="1" hangingPunct="1">
         <a:defRPr>
           <a:solidFill>
             <a:schemeClr val="tx2"/>
           </a:solidFill>
         </a:defRPr>
       </a:lvl5pPr>
-      <a:lvl6pPr eaLnBrk="true" hangingPunct="true">
+      <a:lvl6pPr eaLnBrk="1" hangingPunct="1">
         <a:defRPr>
           <a:solidFill>
             <a:schemeClr val="tx2"/>
           </a:solidFill>
         </a:defRPr>
       </a:lvl6pPr>
-      <a:lvl7pPr eaLnBrk="true" hangingPunct="true">
+      <a:lvl7pPr eaLnBrk="1" hangingPunct="1">
         <a:defRPr>
           <a:solidFill>
             <a:schemeClr val="tx2"/>
           </a:solidFill>
         </a:defRPr>
       </a:lvl7pPr>
-      <a:lvl8pPr eaLnBrk="true" hangingPunct="true">
+      <a:lvl8pPr eaLnBrk="1" hangingPunct="1">
         <a:defRPr>
           <a:solidFill>
             <a:schemeClr val="tx2"/>
           </a:solidFill>
         </a:defRPr>
       </a:lvl8pPr>
-      <a:lvl9pPr eaLnBrk="true" hangingPunct="true">
+      <a:lvl9pPr eaLnBrk="1" hangingPunct="1">
         <a:defRPr>
           <a:solidFill>
             <a:schemeClr val="tx2"/>
@@ -5438,7 +5447,7 @@
       </a:lvl9pPr>
     </p:titleStyle>
     <p:bodyStyle>
-      <a:lvl1pPr marL="342900" indent="-342900" algn="l" defTabSz="457200" rtl="false" eaLnBrk="true" latinLnBrk="false" hangingPunct="true">
+      <a:lvl1pPr marL="342900" indent="-342900" algn="l" defTabSz="457200" rtl="0" eaLnBrk="1" latinLnBrk="0" hangingPunct="1">
         <a:spcBef>
           <a:spcPts val="1000"/>
         </a:spcBef>
@@ -5463,7 +5472,7 @@
           <a:cs typeface="+mn-cs"/>
         </a:defRPr>
       </a:lvl1pPr>
-      <a:lvl2pPr marL="742950" indent="-285750" algn="l" defTabSz="457200" rtl="false" eaLnBrk="true" latinLnBrk="false" hangingPunct="true">
+      <a:lvl2pPr marL="742950" indent="-285750" algn="l" defTabSz="457200" rtl="0" eaLnBrk="1" latinLnBrk="0" hangingPunct="1">
         <a:spcBef>
           <a:spcPts val="1000"/>
         </a:spcBef>
@@ -5488,7 +5497,7 @@
           <a:cs typeface="+mn-cs"/>
         </a:defRPr>
       </a:lvl2pPr>
-      <a:lvl3pPr marL="1143000" indent="-228600" algn="l" defTabSz="457200" rtl="false" eaLnBrk="true" latinLnBrk="false" hangingPunct="true">
+      <a:lvl3pPr marL="1143000" indent="-228600" algn="l" defTabSz="457200" rtl="0" eaLnBrk="1" latinLnBrk="0" hangingPunct="1">
         <a:spcBef>
           <a:spcPts val="1000"/>
         </a:spcBef>
@@ -5513,7 +5522,7 @@
           <a:cs typeface="+mn-cs"/>
         </a:defRPr>
       </a:lvl3pPr>
-      <a:lvl4pPr marL="1600200" indent="-228600" algn="l" defTabSz="457200" rtl="false" eaLnBrk="true" latinLnBrk="false" hangingPunct="true">
+      <a:lvl4pPr marL="1600200" indent="-228600" algn="l" defTabSz="457200" rtl="0" eaLnBrk="1" latinLnBrk="0" hangingPunct="1">
         <a:spcBef>
           <a:spcPts val="1000"/>
         </a:spcBef>
@@ -5538,7 +5547,7 @@
           <a:cs typeface="+mn-cs"/>
         </a:defRPr>
       </a:lvl4pPr>
-      <a:lvl5pPr marL="2057400" indent="-228600" algn="l" defTabSz="457200" rtl="false" eaLnBrk="true" latinLnBrk="false" hangingPunct="true">
+      <a:lvl5pPr marL="2057400" indent="-228600" algn="l" defTabSz="457200" rtl="0" eaLnBrk="1" latinLnBrk="0" hangingPunct="1">
         <a:spcBef>
           <a:spcPts val="1000"/>
         </a:spcBef>
@@ -5563,7 +5572,7 @@
           <a:cs typeface="+mn-cs"/>
         </a:defRPr>
       </a:lvl5pPr>
-      <a:lvl6pPr marL="2514600" indent="-228600" algn="l" defTabSz="457200" rtl="false" eaLnBrk="true" latinLnBrk="false" hangingPunct="true">
+      <a:lvl6pPr marL="2514600" indent="-228600" algn="l" defTabSz="457200" rtl="0" eaLnBrk="1" latinLnBrk="0" hangingPunct="1">
         <a:spcBef>
           <a:spcPts val="1000"/>
         </a:spcBef>
@@ -5588,7 +5597,7 @@
           <a:cs typeface="+mn-cs"/>
         </a:defRPr>
       </a:lvl6pPr>
-      <a:lvl7pPr marL="2971800" indent="-228600" algn="l" defTabSz="457200" rtl="false" eaLnBrk="true" latinLnBrk="false" hangingPunct="true">
+      <a:lvl7pPr marL="2971800" indent="-228600" algn="l" defTabSz="457200" rtl="0" eaLnBrk="1" latinLnBrk="0" hangingPunct="1">
         <a:spcBef>
           <a:spcPts val="1000"/>
         </a:spcBef>
@@ -5613,7 +5622,7 @@
           <a:cs typeface="+mn-cs"/>
         </a:defRPr>
       </a:lvl7pPr>
-      <a:lvl8pPr marL="3429000" indent="-228600" algn="l" defTabSz="457200" rtl="false" eaLnBrk="true" latinLnBrk="false" hangingPunct="true">
+      <a:lvl8pPr marL="3429000" indent="-228600" algn="l" defTabSz="457200" rtl="0" eaLnBrk="1" latinLnBrk="0" hangingPunct="1">
         <a:spcBef>
           <a:spcPts val="1000"/>
         </a:spcBef>
@@ -5638,7 +5647,7 @@
           <a:cs typeface="+mn-cs"/>
         </a:defRPr>
       </a:lvl8pPr>
-      <a:lvl9pPr marL="3886200" indent="-228600" algn="l" defTabSz="457200" rtl="false" eaLnBrk="true" latinLnBrk="false" hangingPunct="true">
+      <a:lvl9pPr marL="3886200" indent="-228600" algn="l" defTabSz="457200" rtl="0" eaLnBrk="1" latinLnBrk="0" hangingPunct="1">
         <a:spcBef>
           <a:spcPts val="1000"/>
         </a:spcBef>
@@ -5668,7 +5677,7 @@
       <a:defPPr>
         <a:defRPr lang="en-US"/>
       </a:defPPr>
-      <a:lvl1pPr marL="0" algn="l" defTabSz="457200" rtl="false" eaLnBrk="true" latinLnBrk="false" hangingPunct="true">
+      <a:lvl1pPr marL="0" algn="l" defTabSz="457200" rtl="0" eaLnBrk="1" latinLnBrk="0" hangingPunct="1">
         <a:defRPr sz="1800" kern="1200">
           <a:solidFill>
             <a:schemeClr val="tx1"/>
@@ -5678,7 +5687,7 @@
           <a:cs typeface="+mn-cs"/>
         </a:defRPr>
       </a:lvl1pPr>
-      <a:lvl2pPr marL="457200" algn="l" defTabSz="457200" rtl="false" eaLnBrk="true" latinLnBrk="false" hangingPunct="true">
+      <a:lvl2pPr marL="457200" algn="l" defTabSz="457200" rtl="0" eaLnBrk="1" latinLnBrk="0" hangingPunct="1">
         <a:defRPr sz="1800" kern="1200">
           <a:solidFill>
             <a:schemeClr val="tx1"/>
@@ -5688,7 +5697,7 @@
           <a:cs typeface="+mn-cs"/>
         </a:defRPr>
       </a:lvl2pPr>
-      <a:lvl3pPr marL="914400" algn="l" defTabSz="457200" rtl="false" eaLnBrk="true" latinLnBrk="false" hangingPunct="true">
+      <a:lvl3pPr marL="914400" algn="l" defTabSz="457200" rtl="0" eaLnBrk="1" latinLnBrk="0" hangingPunct="1">
         <a:defRPr sz="1800" kern="1200">
           <a:solidFill>
             <a:schemeClr val="tx1"/>
@@ -5698,7 +5707,7 @@
           <a:cs typeface="+mn-cs"/>
         </a:defRPr>
       </a:lvl3pPr>
-      <a:lvl4pPr marL="1371600" algn="l" defTabSz="457200" rtl="false" eaLnBrk="true" latinLnBrk="false" hangingPunct="true">
+      <a:lvl4pPr marL="1371600" algn="l" defTabSz="457200" rtl="0" eaLnBrk="1" latinLnBrk="0" hangingPunct="1">
         <a:defRPr sz="1800" kern="1200">
           <a:solidFill>
             <a:schemeClr val="tx1"/>
@@ -5708,7 +5717,7 @@
           <a:cs typeface="+mn-cs"/>
         </a:defRPr>
       </a:lvl4pPr>
-      <a:lvl5pPr marL="1828800" algn="l" defTabSz="457200" rtl="false" eaLnBrk="true" latinLnBrk="false" hangingPunct="true">
+      <a:lvl5pPr marL="1828800" algn="l" defTabSz="457200" rtl="0" eaLnBrk="1" latinLnBrk="0" hangingPunct="1">
         <a:defRPr sz="1800" kern="1200">
           <a:solidFill>
             <a:schemeClr val="tx1"/>
@@ -5718,7 +5727,7 @@
           <a:cs typeface="+mn-cs"/>
         </a:defRPr>
       </a:lvl5pPr>
-      <a:lvl6pPr marL="2286000" algn="l" defTabSz="457200" rtl="false" eaLnBrk="true" latinLnBrk="false" hangingPunct="true">
+      <a:lvl6pPr marL="2286000" algn="l" defTabSz="457200" rtl="0" eaLnBrk="1" latinLnBrk="0" hangingPunct="1">
         <a:defRPr sz="1800" kern="1200">
           <a:solidFill>
             <a:schemeClr val="tx1"/>
@@ -5728,7 +5737,7 @@
           <a:cs typeface="+mn-cs"/>
         </a:defRPr>
       </a:lvl6pPr>
-      <a:lvl7pPr marL="2743200" algn="l" defTabSz="457200" rtl="false" eaLnBrk="true" latinLnBrk="false" hangingPunct="true">
+      <a:lvl7pPr marL="2743200" algn="l" defTabSz="457200" rtl="0" eaLnBrk="1" latinLnBrk="0" hangingPunct="1">
         <a:defRPr sz="1800" kern="1200">
           <a:solidFill>
             <a:schemeClr val="tx1"/>
@@ -5738,7 +5747,7 @@
           <a:cs typeface="+mn-cs"/>
         </a:defRPr>
       </a:lvl7pPr>
-      <a:lvl8pPr marL="3200400" algn="l" defTabSz="457200" rtl="false" eaLnBrk="true" latinLnBrk="false" hangingPunct="true">
+      <a:lvl8pPr marL="3200400" algn="l" defTabSz="457200" rtl="0" eaLnBrk="1" latinLnBrk="0" hangingPunct="1">
         <a:defRPr sz="1800" kern="1200">
           <a:solidFill>
             <a:schemeClr val="tx1"/>
@@ -5748,7 +5757,7 @@
           <a:cs typeface="+mn-cs"/>
         </a:defRPr>
       </a:lvl8pPr>
-      <a:lvl9pPr marL="3657600" algn="l" defTabSz="457200" rtl="false" eaLnBrk="true" latinLnBrk="false" hangingPunct="true">
+      <a:lvl9pPr marL="3657600" algn="l" defTabSz="457200" rtl="0" eaLnBrk="1" latinLnBrk="0" hangingPunct="1">
         <a:defRPr sz="1800" kern="1200">
           <a:solidFill>
             <a:schemeClr val="tx1"/>
@@ -5832,7 +5841,7 @@
 </file>
 
 <file path=ppt/slides/slide10.xml><?xml version="1.0" encoding="utf-8"?>
-<p:sld xmlns:a="http://schemas.openxmlformats.org/drawingml/2006/main" xmlns:r="http://schemas.openxmlformats.org/officeDocument/2006/relationships" xmlns:p="http://schemas.openxmlformats.org/presentationml/2006/main" xmlns:mc="http://schemas.openxmlformats.org/markup-compatibility/2006" xmlns:c="http://schemas.openxmlformats.org/drawingml/2006/chart" xmlns:ns6="http://schemas.openxmlformats.org/drawingml/2006/chartDrawing" xmlns:dgm="http://schemas.openxmlformats.org/drawingml/2006/diagram" xmlns:pic="http://schemas.openxmlformats.org/drawingml/2006/picture" xmlns:wp="http://schemas.openxmlformats.org/drawingml/2006/wordprocessingDrawing" xmlns:xdr="http://schemas.openxmlformats.org/drawingml/2006/spreadsheetDrawing" xmlns:ns11="http://schemas.openxmlformats.org/drawingml/2006/compatibility" xmlns:ns12="http://schemas.openxmlformats.org/drawingml/2006/lockedCanvas">
+<p:sld xmlns:a="http://schemas.openxmlformats.org/drawingml/2006/main" xmlns:r="http://schemas.openxmlformats.org/officeDocument/2006/relationships" xmlns:p="http://schemas.openxmlformats.org/presentationml/2006/main">
   <p:cSld>
     <p:spTree>
       <p:nvGrpSpPr>
@@ -5850,10 +5859,12 @@
       </p:grpSpPr>
       <p:sp>
         <p:nvSpPr>
-          <p:cNvPr id="1" name="Title 1"/>
-          <p:cNvSpPr/>
+          <p:cNvPr id="3" name="Title 1"/>
+          <p:cNvSpPr>
+            <a:spLocks noGrp="1"/>
+          </p:cNvSpPr>
           <p:nvPr>
-            <p:ph type="title" idx="0"/>
+            <p:ph type="title"/>
           </p:nvPr>
         </p:nvSpPr>
         <p:spPr/>
@@ -5862,7 +5873,6 @@
           <a:lstStyle/>
           <a:p>
             <a:r>
-              <a:rPr/>
               <a:t>AUC (Credits)</a:t>
             </a:r>
           </a:p>
@@ -5899,7 +5909,7 @@
             <a:noFill/>
           </p:spPr>
           <p:txBody>
-            <a:bodyPr wrap="none" lIns="0" tIns="0" rIns="0" bIns="0" anchor="ctr" anchorCtr="true"/>
+            <a:bodyPr wrap="none" lIns="0" tIns="0" rIns="0" bIns="0" anchor="ctr" anchorCtr="1"/>
             <a:lstStyle/>
             <a:p>
               <a:pPr marL="0" marR="0" indent="0" algn="l">
@@ -5945,7 +5955,7 @@
             <a:noFill/>
           </p:spPr>
           <p:txBody>
-            <a:bodyPr wrap="none" lIns="0" tIns="0" rIns="0" bIns="0" anchor="ctr" anchorCtr="true"/>
+            <a:bodyPr wrap="none" lIns="0" tIns="0" rIns="0" bIns="0" anchor="ctr" anchorCtr="1"/>
             <a:lstStyle/>
             <a:p>
               <a:pPr marL="0" marR="0" indent="0" algn="l">
@@ -5987,8 +5997,12 @@
             </a:xfrm>
             <a:custGeom>
               <a:avLst/>
+              <a:gdLst/>
+              <a:ahLst/>
+              <a:cxnLst/>
+              <a:rect l="0" t="0" r="0" b="0"/>
               <a:pathLst>
-                <a:path w="6997500" h="0">
+                <a:path w="6997500">
                   <a:moveTo>
                     <a:pt x="0" y="0"/>
                   </a:moveTo>
@@ -6011,7 +6025,9 @@
           <p:txBody>
             <a:bodyPr/>
             <a:lstStyle/>
-            <a:p/>
+            <a:p>
+              <a:endParaRPr/>
+            </a:p>
           </p:txBody>
         </p:sp>
         <p:sp>
@@ -6027,8 +6043,12 @@
             </a:xfrm>
             <a:custGeom>
               <a:avLst/>
+              <a:gdLst/>
+              <a:ahLst/>
+              <a:cxnLst/>
+              <a:rect l="0" t="0" r="0" b="0"/>
               <a:pathLst>
-                <a:path w="0" h="83820">
+                <a:path h="83820">
                   <a:moveTo>
                     <a:pt x="0" y="0"/>
                   </a:moveTo>
@@ -6051,7 +6071,9 @@
           <p:txBody>
             <a:bodyPr/>
             <a:lstStyle/>
-            <a:p/>
+            <a:p>
+              <a:endParaRPr/>
+            </a:p>
           </p:txBody>
         </p:sp>
         <p:sp>
@@ -6067,8 +6089,12 @@
             </a:xfrm>
             <a:custGeom>
               <a:avLst/>
+              <a:gdLst/>
+              <a:ahLst/>
+              <a:cxnLst/>
+              <a:rect l="0" t="0" r="0" b="0"/>
               <a:pathLst>
-                <a:path w="0" h="83820">
+                <a:path h="83820">
                   <a:moveTo>
                     <a:pt x="0" y="0"/>
                   </a:moveTo>
@@ -6091,7 +6117,9 @@
           <p:txBody>
             <a:bodyPr/>
             <a:lstStyle/>
-            <a:p/>
+            <a:p>
+              <a:endParaRPr/>
+            </a:p>
           </p:txBody>
         </p:sp>
         <p:sp>
@@ -6107,8 +6135,12 @@
             </a:xfrm>
             <a:custGeom>
               <a:avLst/>
+              <a:gdLst/>
+              <a:ahLst/>
+              <a:cxnLst/>
+              <a:rect l="0" t="0" r="0" b="0"/>
               <a:pathLst>
-                <a:path w="0" h="83820">
+                <a:path h="83820">
                   <a:moveTo>
                     <a:pt x="0" y="0"/>
                   </a:moveTo>
@@ -6131,7 +6163,9 @@
           <p:txBody>
             <a:bodyPr/>
             <a:lstStyle/>
-            <a:p/>
+            <a:p>
+              <a:endParaRPr/>
+            </a:p>
           </p:txBody>
         </p:sp>
         <p:sp>
@@ -6147,8 +6181,12 @@
             </a:xfrm>
             <a:custGeom>
               <a:avLst/>
+              <a:gdLst/>
+              <a:ahLst/>
+              <a:cxnLst/>
+              <a:rect l="0" t="0" r="0" b="0"/>
               <a:pathLst>
-                <a:path w="0" h="83820">
+                <a:path h="83820">
                   <a:moveTo>
                     <a:pt x="0" y="0"/>
                   </a:moveTo>
@@ -6171,7 +6209,9 @@
           <p:txBody>
             <a:bodyPr/>
             <a:lstStyle/>
-            <a:p/>
+            <a:p>
+              <a:endParaRPr/>
+            </a:p>
           </p:txBody>
         </p:sp>
         <p:sp>
@@ -6187,8 +6227,12 @@
             </a:xfrm>
             <a:custGeom>
               <a:avLst/>
+              <a:gdLst/>
+              <a:ahLst/>
+              <a:cxnLst/>
+              <a:rect l="0" t="0" r="0" b="0"/>
               <a:pathLst>
-                <a:path w="0" h="83820">
+                <a:path h="83820">
                   <a:moveTo>
                     <a:pt x="0" y="0"/>
                   </a:moveTo>
@@ -6211,7 +6255,9 @@
           <p:txBody>
             <a:bodyPr/>
             <a:lstStyle/>
-            <a:p/>
+            <a:p>
+              <a:endParaRPr/>
+            </a:p>
           </p:txBody>
         </p:sp>
         <p:sp>
@@ -6227,8 +6273,12 @@
             </a:xfrm>
             <a:custGeom>
               <a:avLst/>
+              <a:gdLst/>
+              <a:ahLst/>
+              <a:cxnLst/>
+              <a:rect l="0" t="0" r="0" b="0"/>
               <a:pathLst>
-                <a:path w="0" h="83820">
+                <a:path h="83820">
                   <a:moveTo>
                     <a:pt x="0" y="0"/>
                   </a:moveTo>
@@ -6251,7 +6301,9 @@
           <p:txBody>
             <a:bodyPr/>
             <a:lstStyle/>
-            <a:p/>
+            <a:p>
+              <a:endParaRPr/>
+            </a:p>
           </p:txBody>
         </p:sp>
         <p:sp>
@@ -6271,7 +6323,7 @@
             <a:noFill/>
           </p:spPr>
           <p:txBody>
-            <a:bodyPr wrap="none" lIns="0" tIns="0" rIns="0" bIns="0" anchor="ctr" anchorCtr="true"/>
+            <a:bodyPr wrap="none" lIns="0" tIns="0" rIns="0" bIns="0" anchor="ctr" anchorCtr="1"/>
             <a:lstStyle/>
             <a:p>
               <a:pPr marL="0" marR="0" indent="0" algn="l">
@@ -6317,7 +6369,7 @@
             <a:noFill/>
           </p:spPr>
           <p:txBody>
-            <a:bodyPr wrap="none" lIns="0" tIns="0" rIns="0" bIns="0" anchor="ctr" anchorCtr="true"/>
+            <a:bodyPr wrap="none" lIns="0" tIns="0" rIns="0" bIns="0" anchor="ctr" anchorCtr="1"/>
             <a:lstStyle/>
             <a:p>
               <a:pPr marL="0" marR="0" indent="0" algn="l">
@@ -6363,7 +6415,7 @@
             <a:noFill/>
           </p:spPr>
           <p:txBody>
-            <a:bodyPr wrap="none" lIns="0" tIns="0" rIns="0" bIns="0" anchor="ctr" anchorCtr="true"/>
+            <a:bodyPr wrap="none" lIns="0" tIns="0" rIns="0" bIns="0" anchor="ctr" anchorCtr="1"/>
             <a:lstStyle/>
             <a:p>
               <a:pPr marL="0" marR="0" indent="0" algn="l">
@@ -6409,7 +6461,7 @@
             <a:noFill/>
           </p:spPr>
           <p:txBody>
-            <a:bodyPr wrap="none" lIns="0" tIns="0" rIns="0" bIns="0" anchor="ctr" anchorCtr="true"/>
+            <a:bodyPr wrap="none" lIns="0" tIns="0" rIns="0" bIns="0" anchor="ctr" anchorCtr="1"/>
             <a:lstStyle/>
             <a:p>
               <a:pPr marL="0" marR="0" indent="0" algn="l">
@@ -6455,7 +6507,7 @@
             <a:noFill/>
           </p:spPr>
           <p:txBody>
-            <a:bodyPr wrap="none" lIns="0" tIns="0" rIns="0" bIns="0" anchor="ctr" anchorCtr="true"/>
+            <a:bodyPr wrap="none" lIns="0" tIns="0" rIns="0" bIns="0" anchor="ctr" anchorCtr="1"/>
             <a:lstStyle/>
             <a:p>
               <a:pPr marL="0" marR="0" indent="0" algn="l">
@@ -6501,7 +6553,7 @@
             <a:noFill/>
           </p:spPr>
           <p:txBody>
-            <a:bodyPr wrap="none" lIns="0" tIns="0" rIns="0" bIns="0" anchor="ctr" anchorCtr="true"/>
+            <a:bodyPr wrap="none" lIns="0" tIns="0" rIns="0" bIns="0" anchor="ctr" anchorCtr="1"/>
             <a:lstStyle/>
             <a:p>
               <a:pPr marL="0" marR="0" indent="0" algn="l">
@@ -6543,8 +6595,12 @@
             </a:xfrm>
             <a:custGeom>
               <a:avLst/>
+              <a:gdLst/>
+              <a:ahLst/>
+              <a:cxnLst/>
+              <a:rect l="0" t="0" r="0" b="0"/>
               <a:pathLst>
-                <a:path w="0" h="2165263">
+                <a:path h="2165263">
                   <a:moveTo>
                     <a:pt x="0" y="2165263"/>
                   </a:moveTo>
@@ -6567,7 +6623,9 @@
           <p:txBody>
             <a:bodyPr/>
             <a:lstStyle/>
-            <a:p/>
+            <a:p>
+              <a:endParaRPr/>
+            </a:p>
           </p:txBody>
         </p:sp>
         <p:sp>
@@ -6583,8 +6641,12 @@
             </a:xfrm>
             <a:custGeom>
               <a:avLst/>
+              <a:gdLst/>
+              <a:ahLst/>
+              <a:cxnLst/>
+              <a:rect l="0" t="0" r="0" b="0"/>
               <a:pathLst>
-                <a:path w="83819" h="0">
+                <a:path w="83819">
                   <a:moveTo>
                     <a:pt x="83819" y="0"/>
                   </a:moveTo>
@@ -6607,7 +6669,9 @@
           <p:txBody>
             <a:bodyPr/>
             <a:lstStyle/>
-            <a:p/>
+            <a:p>
+              <a:endParaRPr/>
+            </a:p>
           </p:txBody>
         </p:sp>
         <p:sp>
@@ -6623,8 +6687,12 @@
             </a:xfrm>
             <a:custGeom>
               <a:avLst/>
+              <a:gdLst/>
+              <a:ahLst/>
+              <a:cxnLst/>
+              <a:rect l="0" t="0" r="0" b="0"/>
               <a:pathLst>
-                <a:path w="83819" h="0">
+                <a:path w="83819">
                   <a:moveTo>
                     <a:pt x="83819" y="0"/>
                   </a:moveTo>
@@ -6647,7 +6715,9 @@
           <p:txBody>
             <a:bodyPr/>
             <a:lstStyle/>
-            <a:p/>
+            <a:p>
+              <a:endParaRPr/>
+            </a:p>
           </p:txBody>
         </p:sp>
         <p:sp>
@@ -6663,8 +6733,12 @@
             </a:xfrm>
             <a:custGeom>
               <a:avLst/>
+              <a:gdLst/>
+              <a:ahLst/>
+              <a:cxnLst/>
+              <a:rect l="0" t="0" r="0" b="0"/>
               <a:pathLst>
-                <a:path w="83819" h="0">
+                <a:path w="83819">
                   <a:moveTo>
                     <a:pt x="83819" y="0"/>
                   </a:moveTo>
@@ -6687,7 +6761,9 @@
           <p:txBody>
             <a:bodyPr/>
             <a:lstStyle/>
-            <a:p/>
+            <a:p>
+              <a:endParaRPr/>
+            </a:p>
           </p:txBody>
         </p:sp>
         <p:sp>
@@ -6703,8 +6779,12 @@
             </a:xfrm>
             <a:custGeom>
               <a:avLst/>
+              <a:gdLst/>
+              <a:ahLst/>
+              <a:cxnLst/>
+              <a:rect l="0" t="0" r="0" b="0"/>
               <a:pathLst>
-                <a:path w="83819" h="0">
+                <a:path w="83819">
                   <a:moveTo>
                     <a:pt x="83819" y="0"/>
                   </a:moveTo>
@@ -6727,7 +6807,9 @@
           <p:txBody>
             <a:bodyPr/>
             <a:lstStyle/>
-            <a:p/>
+            <a:p>
+              <a:endParaRPr/>
+            </a:p>
           </p:txBody>
         </p:sp>
         <p:sp>
@@ -6743,8 +6825,12 @@
             </a:xfrm>
             <a:custGeom>
               <a:avLst/>
+              <a:gdLst/>
+              <a:ahLst/>
+              <a:cxnLst/>
+              <a:rect l="0" t="0" r="0" b="0"/>
               <a:pathLst>
-                <a:path w="83819" h="0">
+                <a:path w="83819">
                   <a:moveTo>
                     <a:pt x="83819" y="0"/>
                   </a:moveTo>
@@ -6767,7 +6853,9 @@
           <p:txBody>
             <a:bodyPr/>
             <a:lstStyle/>
-            <a:p/>
+            <a:p>
+              <a:endParaRPr/>
+            </a:p>
           </p:txBody>
         </p:sp>
         <p:sp>
@@ -6783,8 +6871,12 @@
             </a:xfrm>
             <a:custGeom>
               <a:avLst/>
+              <a:gdLst/>
+              <a:ahLst/>
+              <a:cxnLst/>
+              <a:rect l="0" t="0" r="0" b="0"/>
               <a:pathLst>
-                <a:path w="83819" h="0">
+                <a:path w="83819">
                   <a:moveTo>
                     <a:pt x="83819" y="0"/>
                   </a:moveTo>
@@ -6807,7 +6899,9 @@
           <p:txBody>
             <a:bodyPr/>
             <a:lstStyle/>
-            <a:p/>
+            <a:p>
+              <a:endParaRPr/>
+            </a:p>
           </p:txBody>
         </p:sp>
         <p:sp>
@@ -6827,7 +6921,7 @@
             <a:noFill/>
           </p:spPr>
           <p:txBody>
-            <a:bodyPr wrap="none" lIns="0" tIns="0" rIns="0" bIns="0" anchor="ctr" anchorCtr="true"/>
+            <a:bodyPr wrap="none" lIns="0" tIns="0" rIns="0" bIns="0" anchor="ctr" anchorCtr="1"/>
             <a:lstStyle/>
             <a:p>
               <a:pPr marL="0" marR="0" indent="0" algn="l">
@@ -6873,7 +6967,7 @@
             <a:noFill/>
           </p:spPr>
           <p:txBody>
-            <a:bodyPr wrap="none" lIns="0" tIns="0" rIns="0" bIns="0" anchor="ctr" anchorCtr="true"/>
+            <a:bodyPr wrap="none" lIns="0" tIns="0" rIns="0" bIns="0" anchor="ctr" anchorCtr="1"/>
             <a:lstStyle/>
             <a:p>
               <a:pPr marL="0" marR="0" indent="0" algn="l">
@@ -6919,7 +7013,7 @@
             <a:noFill/>
           </p:spPr>
           <p:txBody>
-            <a:bodyPr wrap="none" lIns="0" tIns="0" rIns="0" bIns="0" anchor="ctr" anchorCtr="true"/>
+            <a:bodyPr wrap="none" lIns="0" tIns="0" rIns="0" bIns="0" anchor="ctr" anchorCtr="1"/>
             <a:lstStyle/>
             <a:p>
               <a:pPr marL="0" marR="0" indent="0" algn="l">
@@ -6965,7 +7059,7 @@
             <a:noFill/>
           </p:spPr>
           <p:txBody>
-            <a:bodyPr wrap="none" lIns="0" tIns="0" rIns="0" bIns="0" anchor="ctr" anchorCtr="true"/>
+            <a:bodyPr wrap="none" lIns="0" tIns="0" rIns="0" bIns="0" anchor="ctr" anchorCtr="1"/>
             <a:lstStyle/>
             <a:p>
               <a:pPr marL="0" marR="0" indent="0" algn="l">
@@ -7011,7 +7105,7 @@
             <a:noFill/>
           </p:spPr>
           <p:txBody>
-            <a:bodyPr wrap="none" lIns="0" tIns="0" rIns="0" bIns="0" anchor="ctr" anchorCtr="true"/>
+            <a:bodyPr wrap="none" lIns="0" tIns="0" rIns="0" bIns="0" anchor="ctr" anchorCtr="1"/>
             <a:lstStyle/>
             <a:p>
               <a:pPr marL="0" marR="0" indent="0" algn="l">
@@ -7057,7 +7151,7 @@
             <a:noFill/>
           </p:spPr>
           <p:txBody>
-            <a:bodyPr wrap="none" lIns="0" tIns="0" rIns="0" bIns="0" anchor="ctr" anchorCtr="true"/>
+            <a:bodyPr wrap="none" lIns="0" tIns="0" rIns="0" bIns="0" anchor="ctr" anchorCtr="1"/>
             <a:lstStyle/>
             <a:p>
               <a:pPr marL="0" marR="0" indent="0" algn="l">
@@ -7099,6 +7193,10 @@
             </a:xfrm>
             <a:custGeom>
               <a:avLst/>
+              <a:gdLst/>
+              <a:ahLst/>
+              <a:cxnLst/>
+              <a:rect l="0" t="0" r="0" b="0"/>
               <a:pathLst>
                 <a:path w="7557300" h="2338484">
                   <a:moveTo>
@@ -7132,7 +7230,9 @@
           <p:txBody>
             <a:bodyPr/>
             <a:lstStyle/>
-            <a:p/>
+            <a:p>
+              <a:endParaRPr/>
+            </a:p>
           </p:txBody>
         </p:sp>
         <p:sp>
@@ -7148,6 +7248,10 @@
             </a:xfrm>
             <a:custGeom>
               <a:avLst/>
+              <a:gdLst/>
+              <a:ahLst/>
+              <a:cxnLst/>
+              <a:rect l="0" t="0" r="0" b="0"/>
               <a:pathLst>
                 <a:path w="6997500" h="2165263">
                   <a:moveTo>
@@ -7190,17 +7294,22 @@
           <p:txBody>
             <a:bodyPr/>
             <a:lstStyle/>
-            <a:p/>
+            <a:p>
+              <a:endParaRPr/>
+            </a:p>
           </p:txBody>
         </p:sp>
       </p:grpSp>
     </p:spTree>
   </p:cSld>
+  <p:clrMapOvr>
+    <a:masterClrMapping/>
+  </p:clrMapOvr>
 </p:sld>
 </file>
 
 <file path=ppt/slides/slide11.xml><?xml version="1.0" encoding="utf-8"?>
-<p:sld xmlns:a="http://schemas.openxmlformats.org/drawingml/2006/main" xmlns:r="http://schemas.openxmlformats.org/officeDocument/2006/relationships" xmlns:p="http://schemas.openxmlformats.org/presentationml/2006/main" xmlns:mc="http://schemas.openxmlformats.org/markup-compatibility/2006" xmlns:c="http://schemas.openxmlformats.org/drawingml/2006/chart" xmlns:ns6="http://schemas.openxmlformats.org/drawingml/2006/chartDrawing" xmlns:dgm="http://schemas.openxmlformats.org/drawingml/2006/diagram" xmlns:pic="http://schemas.openxmlformats.org/drawingml/2006/picture" xmlns:wp="http://schemas.openxmlformats.org/drawingml/2006/wordprocessingDrawing" xmlns:xdr="http://schemas.openxmlformats.org/drawingml/2006/spreadsheetDrawing" xmlns:ns11="http://schemas.openxmlformats.org/drawingml/2006/compatibility" xmlns:ns12="http://schemas.openxmlformats.org/drawingml/2006/lockedCanvas">
+<p:sld xmlns:a="http://schemas.openxmlformats.org/drawingml/2006/main" xmlns:r="http://schemas.openxmlformats.org/officeDocument/2006/relationships" xmlns:p="http://schemas.openxmlformats.org/presentationml/2006/main">
   <p:cSld>
     <p:spTree>
       <p:nvGrpSpPr>
@@ -7218,10 +7327,12 @@
       </p:grpSpPr>
       <p:sp>
         <p:nvSpPr>
-          <p:cNvPr id="1" name="Title 1"/>
-          <p:cNvSpPr/>
+          <p:cNvPr id="2" name="Title 1"/>
+          <p:cNvSpPr>
+            <a:spLocks noGrp="1"/>
+          </p:cNvSpPr>
           <p:nvPr>
-            <p:ph type="title" idx="0"/>
+            <p:ph type="title"/>
           </p:nvPr>
         </p:nvSpPr>
         <p:spPr/>
@@ -7230,7 +7341,6 @@
           <a:lstStyle/>
           <a:p>
             <a:r>
-              <a:rPr/>
               <a:t>Statistical Learning Models</a:t>
             </a:r>
           </a:p>
@@ -7240,7 +7350,7 @@
         <p:nvSpPr>
           <p:cNvPr id="3" name="Content Placeholder 2"/>
           <p:cNvSpPr>
-            <a:spLocks noGrp="true"/>
+            <a:spLocks noGrp="1"/>
           </p:cNvSpPr>
           <p:nvPr>
             <p:ph sz="half" idx="1"/>
@@ -7294,16 +7404,16 @@
       </p:sp>
       <p:pic>
         <p:nvPicPr>
-          <p:cNvPr id="3" name="Picture 3"/>
+          <p:cNvPr id="4" name="Picture 3"/>
           <p:cNvPicPr>
-            <a:picLocks noChangeAspect="true"/>
+            <a:picLocks noGrp="1" noChangeAspect="1"/>
           </p:cNvPicPr>
           <p:nvPr>
             <p:ph idx="3"/>
           </p:nvPr>
         </p:nvPicPr>
         <p:blipFill>
-          <a:blip cstate="print" r:embed="rId2"/>
+          <a:blip r:embed="rId2" cstate="print"/>
           <a:stretch>
             <a:fillRect/>
           </a:stretch>
@@ -7320,11 +7430,14 @@
       </p:pic>
     </p:spTree>
   </p:cSld>
+  <p:clrMapOvr>
+    <a:masterClrMapping/>
+  </p:clrMapOvr>
 </p:sld>
 </file>
 
 <file path=ppt/slides/slide12.xml><?xml version="1.0" encoding="utf-8"?>
-<p:sld xmlns:a="http://schemas.openxmlformats.org/drawingml/2006/main" xmlns:r="http://schemas.openxmlformats.org/officeDocument/2006/relationships" xmlns:p="http://schemas.openxmlformats.org/presentationml/2006/main" xmlns:mc="http://schemas.openxmlformats.org/markup-compatibility/2006" xmlns:c="http://schemas.openxmlformats.org/drawingml/2006/chart" xmlns:ns6="http://schemas.openxmlformats.org/drawingml/2006/chartDrawing" xmlns:dgm="http://schemas.openxmlformats.org/drawingml/2006/diagram" xmlns:pic="http://schemas.openxmlformats.org/drawingml/2006/picture" xmlns:wp="http://schemas.openxmlformats.org/drawingml/2006/wordprocessingDrawing" xmlns:xdr="http://schemas.openxmlformats.org/drawingml/2006/spreadsheetDrawing" xmlns:ns11="http://schemas.openxmlformats.org/drawingml/2006/compatibility" xmlns:ns12="http://schemas.openxmlformats.org/drawingml/2006/lockedCanvas">
+<p:sld xmlns:a="http://schemas.openxmlformats.org/drawingml/2006/main" xmlns:r="http://schemas.openxmlformats.org/officeDocument/2006/relationships" xmlns:p="http://schemas.openxmlformats.org/presentationml/2006/main">
   <p:cSld>
     <p:spTree>
       <p:nvGrpSpPr>
@@ -7342,10 +7455,12 @@
       </p:grpSpPr>
       <p:sp>
         <p:nvSpPr>
-          <p:cNvPr id="1" name="Title 1"/>
-          <p:cNvSpPr/>
+          <p:cNvPr id="2" name="Title 1"/>
+          <p:cNvSpPr>
+            <a:spLocks noGrp="1"/>
+          </p:cNvSpPr>
           <p:nvPr>
-            <p:ph type="title" idx="0"/>
+            <p:ph type="title"/>
           </p:nvPr>
         </p:nvSpPr>
         <p:spPr/>
@@ -7354,7 +7469,6 @@
           <a:lstStyle/>
           <a:p>
             <a:r>
-              <a:rPr/>
               <a:t>Model Selection and Parameter Tuning</a:t>
             </a:r>
           </a:p>
@@ -7364,7 +7478,7 @@
         <p:nvSpPr>
           <p:cNvPr id="3" name="Content Placeholder 2"/>
           <p:cNvSpPr>
-            <a:spLocks noGrp="true"/>
+            <a:spLocks noGrp="1"/>
           </p:cNvSpPr>
           <p:nvPr>
             <p:ph idx="1"/>
@@ -7388,11 +7502,14 @@
       </p:sp>
     </p:spTree>
   </p:cSld>
+  <p:clrMapOvr>
+    <a:masterClrMapping/>
+  </p:clrMapOvr>
 </p:sld>
 </file>
 
 <file path=ppt/slides/slide13.xml><?xml version="1.0" encoding="utf-8"?>
-<p:sld xmlns:a="http://schemas.openxmlformats.org/drawingml/2006/main" xmlns:r="http://schemas.openxmlformats.org/officeDocument/2006/relationships" xmlns:p="http://schemas.openxmlformats.org/presentationml/2006/main" xmlns:mc="http://schemas.openxmlformats.org/markup-compatibility/2006" xmlns:c="http://schemas.openxmlformats.org/drawingml/2006/chart" xmlns:ns6="http://schemas.openxmlformats.org/drawingml/2006/chartDrawing" xmlns:dgm="http://schemas.openxmlformats.org/drawingml/2006/diagram" xmlns:pic="http://schemas.openxmlformats.org/drawingml/2006/picture" xmlns:wp="http://schemas.openxmlformats.org/drawingml/2006/wordprocessingDrawing" xmlns:xdr="http://schemas.openxmlformats.org/drawingml/2006/spreadsheetDrawing" xmlns:ns11="http://schemas.openxmlformats.org/drawingml/2006/compatibility" xmlns:ns12="http://schemas.openxmlformats.org/drawingml/2006/lockedCanvas">
+<p:sld xmlns:a="http://schemas.openxmlformats.org/drawingml/2006/main" xmlns:r="http://schemas.openxmlformats.org/officeDocument/2006/relationships" xmlns:p="http://schemas.openxmlformats.org/presentationml/2006/main">
   <p:cSld>
     <p:spTree>
       <p:nvGrpSpPr>
@@ -7410,10 +7527,12 @@
       </p:grpSpPr>
       <p:sp>
         <p:nvSpPr>
-          <p:cNvPr id="1" name="Title 1"/>
-          <p:cNvSpPr/>
+          <p:cNvPr id="2" name="Title 1"/>
+          <p:cNvSpPr>
+            <a:spLocks noGrp="1"/>
+          </p:cNvSpPr>
           <p:nvPr>
-            <p:ph type="title" idx="0"/>
+            <p:ph type="title"/>
           </p:nvPr>
         </p:nvSpPr>
         <p:spPr/>
@@ -7422,7 +7541,6 @@
           <a:lstStyle/>
           <a:p>
             <a:r>
-              <a:rPr/>
               <a:t>Model Performance</a:t>
             </a:r>
           </a:p>
@@ -7430,11 +7548,14 @@
       </p:sp>
     </p:spTree>
   </p:cSld>
+  <p:clrMapOvr>
+    <a:masterClrMapping/>
+  </p:clrMapOvr>
 </p:sld>
 </file>
 
 <file path=ppt/slides/slide14.xml><?xml version="1.0" encoding="utf-8"?>
-<p:sld xmlns:a="http://schemas.openxmlformats.org/drawingml/2006/main" xmlns:r="http://schemas.openxmlformats.org/officeDocument/2006/relationships" xmlns:p="http://schemas.openxmlformats.org/presentationml/2006/main" xmlns:mc="http://schemas.openxmlformats.org/markup-compatibility/2006" xmlns:c="http://schemas.openxmlformats.org/drawingml/2006/chart" xmlns:ns6="http://schemas.openxmlformats.org/drawingml/2006/chartDrawing" xmlns:dgm="http://schemas.openxmlformats.org/drawingml/2006/diagram" xmlns:pic="http://schemas.openxmlformats.org/drawingml/2006/picture" xmlns:wp="http://schemas.openxmlformats.org/drawingml/2006/wordprocessingDrawing" xmlns:xdr="http://schemas.openxmlformats.org/drawingml/2006/spreadsheetDrawing" xmlns:ns11="http://schemas.openxmlformats.org/drawingml/2006/compatibility" xmlns:ns12="http://schemas.openxmlformats.org/drawingml/2006/lockedCanvas">
+<p:sld xmlns:a="http://schemas.openxmlformats.org/drawingml/2006/main" xmlns:r="http://schemas.openxmlformats.org/officeDocument/2006/relationships" xmlns:p="http://schemas.openxmlformats.org/presentationml/2006/main">
   <p:cSld>
     <p:spTree>
       <p:nvGrpSpPr>
@@ -7452,10 +7573,12 @@
       </p:grpSpPr>
       <p:sp>
         <p:nvSpPr>
-          <p:cNvPr id="1" name="Title 1"/>
-          <p:cNvSpPr/>
+          <p:cNvPr id="2" name="Title 1"/>
+          <p:cNvSpPr>
+            <a:spLocks noGrp="1"/>
+          </p:cNvSpPr>
           <p:nvPr>
-            <p:ph type="title" idx="0"/>
+            <p:ph type="title"/>
           </p:nvPr>
         </p:nvSpPr>
         <p:spPr/>
@@ -7464,7 +7587,6 @@
           <a:lstStyle/>
           <a:p>
             <a:r>
-              <a:rPr/>
               <a:t>Model Performance</a:t>
             </a:r>
           </a:p>
@@ -7472,11 +7594,14 @@
       </p:sp>
     </p:spTree>
   </p:cSld>
+  <p:clrMapOvr>
+    <a:masterClrMapping/>
+  </p:clrMapOvr>
 </p:sld>
 </file>
 
 <file path=ppt/slides/slide2.xml><?xml version="1.0" encoding="utf-8"?>
-<p:sld xmlns:a="http://schemas.openxmlformats.org/drawingml/2006/main" xmlns:r="http://schemas.openxmlformats.org/officeDocument/2006/relationships" xmlns:p="http://schemas.openxmlformats.org/presentationml/2006/main" xmlns:mc="http://schemas.openxmlformats.org/markup-compatibility/2006" xmlns:c="http://schemas.openxmlformats.org/drawingml/2006/chart" xmlns:ns6="http://schemas.openxmlformats.org/drawingml/2006/chartDrawing" xmlns:dgm="http://schemas.openxmlformats.org/drawingml/2006/diagram" xmlns:pic="http://schemas.openxmlformats.org/drawingml/2006/picture" xmlns:wp="http://schemas.openxmlformats.org/drawingml/2006/wordprocessingDrawing" xmlns:xdr="http://schemas.openxmlformats.org/drawingml/2006/spreadsheetDrawing" xmlns:ns11="http://schemas.openxmlformats.org/drawingml/2006/compatibility" xmlns:ns12="http://schemas.openxmlformats.org/drawingml/2006/lockedCanvas">
+<p:sld xmlns:a="http://schemas.openxmlformats.org/drawingml/2006/main" xmlns:r="http://schemas.openxmlformats.org/officeDocument/2006/relationships" xmlns:p="http://schemas.openxmlformats.org/presentationml/2006/main">
   <p:cSld>
     <p:spTree>
       <p:nvGrpSpPr>
@@ -7494,10 +7619,12 @@
       </p:grpSpPr>
       <p:sp>
         <p:nvSpPr>
-          <p:cNvPr id="1" name="Title 1"/>
-          <p:cNvSpPr/>
+          <p:cNvPr id="2" name="Title 1"/>
+          <p:cNvSpPr>
+            <a:spLocks noGrp="1"/>
+          </p:cNvSpPr>
           <p:nvPr>
-            <p:ph type="title" idx="0"/>
+            <p:ph type="title"/>
           </p:nvPr>
         </p:nvSpPr>
         <p:spPr/>
@@ -7506,7 +7633,6 @@
           <a:lstStyle/>
           <a:p>
             <a:r>
-              <a:rPr/>
               <a:t>Case Study II</a:t>
             </a:r>
           </a:p>
@@ -7516,7 +7642,7 @@
         <p:nvSpPr>
           <p:cNvPr id="3" name="Content Placeholder 2"/>
           <p:cNvSpPr>
-            <a:spLocks noGrp="true"/>
+            <a:spLocks noGrp="1"/>
           </p:cNvSpPr>
           <p:nvPr>
             <p:ph idx="1"/>
@@ -7540,11 +7666,14 @@
       </p:sp>
     </p:spTree>
   </p:cSld>
+  <p:clrMapOvr>
+    <a:masterClrMapping/>
+  </p:clrMapOvr>
 </p:sld>
 </file>
 
 <file path=ppt/slides/slide3.xml><?xml version="1.0" encoding="utf-8"?>
-<p:sld xmlns:a="http://schemas.openxmlformats.org/drawingml/2006/main" xmlns:r="http://schemas.openxmlformats.org/officeDocument/2006/relationships" xmlns:p="http://schemas.openxmlformats.org/presentationml/2006/main" xmlns:mc="http://schemas.openxmlformats.org/markup-compatibility/2006" xmlns:c="http://schemas.openxmlformats.org/drawingml/2006/chart" xmlns:ns6="http://schemas.openxmlformats.org/drawingml/2006/chartDrawing" xmlns:dgm="http://schemas.openxmlformats.org/drawingml/2006/diagram" xmlns:pic="http://schemas.openxmlformats.org/drawingml/2006/picture" xmlns:wp="http://schemas.openxmlformats.org/drawingml/2006/wordprocessingDrawing" xmlns:xdr="http://schemas.openxmlformats.org/drawingml/2006/spreadsheetDrawing" xmlns:ns11="http://schemas.openxmlformats.org/drawingml/2006/compatibility" xmlns:ns12="http://schemas.openxmlformats.org/drawingml/2006/lockedCanvas">
+<p:sld xmlns:a="http://schemas.openxmlformats.org/drawingml/2006/main" xmlns:r="http://schemas.openxmlformats.org/officeDocument/2006/relationships" xmlns:p="http://schemas.openxmlformats.org/presentationml/2006/main">
   <p:cSld>
     <p:spTree>
       <p:nvGrpSpPr>
@@ -7562,10 +7691,12 @@
       </p:grpSpPr>
       <p:sp>
         <p:nvSpPr>
-          <p:cNvPr id="1" name="Title 1"/>
-          <p:cNvSpPr/>
+          <p:cNvPr id="2" name="Title 1"/>
+          <p:cNvSpPr>
+            <a:spLocks noGrp="1"/>
+          </p:cNvSpPr>
           <p:nvPr>
-            <p:ph type="title" idx="0"/>
+            <p:ph type="title"/>
           </p:nvPr>
         </p:nvSpPr>
         <p:spPr/>
@@ -7574,7 +7705,6 @@
           <a:lstStyle/>
           <a:p>
             <a:r>
-              <a:rPr/>
               <a:t>Data</a:t>
             </a:r>
           </a:p>
@@ -7584,7 +7714,7 @@
         <p:nvSpPr>
           <p:cNvPr id="3" name="Content Placeholder 2"/>
           <p:cNvSpPr>
-            <a:spLocks noGrp="true"/>
+            <a:spLocks noGrp="1"/>
           </p:cNvSpPr>
           <p:nvPr>
             <p:ph idx="1"/>
@@ -7596,21 +7726,31 @@
           <a:lstStyle/>
           <a:p>
             <a:r>
+              <a:rPr lang="en-US"/>
+              <a:t>Not real data</a:t>
+            </a:r>
+          </a:p>
+          <a:p>
+            <a:r>
+              <a:rPr dirty="0"/>
               <a:t>10679 records in total</a:t>
             </a:r>
           </a:p>
           <a:p>
             <a:r>
+              <a:rPr dirty="0"/>
               <a:t>Target variable: risk</a:t>
             </a:r>
           </a:p>
           <a:p>
             <a:r>
+              <a:rPr dirty="0"/>
               <a:t>26 raw features</a:t>
             </a:r>
           </a:p>
           <a:p>
             <a:r>
+              <a:rPr dirty="0"/>
               <a:t>Randomly split into 70% train and 30% test</a:t>
             </a:r>
           </a:p>
@@ -7618,11 +7758,14 @@
       </p:sp>
     </p:spTree>
   </p:cSld>
+  <p:clrMapOvr>
+    <a:masterClrMapping/>
+  </p:clrMapOvr>
 </p:sld>
 </file>
 
 <file path=ppt/slides/slide4.xml><?xml version="1.0" encoding="utf-8"?>
-<p:sld xmlns:a="http://schemas.openxmlformats.org/drawingml/2006/main" xmlns:r="http://schemas.openxmlformats.org/officeDocument/2006/relationships" xmlns:p="http://schemas.openxmlformats.org/presentationml/2006/main" xmlns:mc="http://schemas.openxmlformats.org/markup-compatibility/2006" xmlns:c="http://schemas.openxmlformats.org/drawingml/2006/chart" xmlns:ns6="http://schemas.openxmlformats.org/drawingml/2006/chartDrawing" xmlns:dgm="http://schemas.openxmlformats.org/drawingml/2006/diagram" xmlns:pic="http://schemas.openxmlformats.org/drawingml/2006/picture" xmlns:wp="http://schemas.openxmlformats.org/drawingml/2006/wordprocessingDrawing" xmlns:xdr="http://schemas.openxmlformats.org/drawingml/2006/spreadsheetDrawing" xmlns:ns11="http://schemas.openxmlformats.org/drawingml/2006/compatibility" xmlns:ns12="http://schemas.openxmlformats.org/drawingml/2006/lockedCanvas">
+<p:sld xmlns:a="http://schemas.openxmlformats.org/drawingml/2006/main" xmlns:r="http://schemas.openxmlformats.org/officeDocument/2006/relationships" xmlns:p="http://schemas.openxmlformats.org/presentationml/2006/main">
   <p:cSld>
     <p:spTree>
       <p:nvGrpSpPr>
@@ -7640,10 +7783,12 @@
       </p:grpSpPr>
       <p:sp>
         <p:nvSpPr>
-          <p:cNvPr id="1" name="Title 1"/>
-          <p:cNvSpPr/>
+          <p:cNvPr id="3" name="Title 1"/>
+          <p:cNvSpPr>
+            <a:spLocks noGrp="1"/>
+          </p:cNvSpPr>
           <p:nvPr>
-            <p:ph type="title" idx="0"/>
+            <p:ph type="title"/>
           </p:nvPr>
         </p:nvSpPr>
         <p:spPr/>
@@ -7652,7 +7797,6 @@
           <a:lstStyle/>
           <a:p>
             <a:r>
-              <a:rPr/>
               <a:t>Data</a:t>
             </a:r>
           </a:p>
@@ -7662,26 +7806,68 @@
         <p:nvGraphicFramePr>
           <p:cNvPr id="2" name="nvGraphicFrame 2"/>
           <p:cNvGraphicFramePr>
-            <a:graphicFrameLocks noGrp="true"/>
+            <a:graphicFrameLocks noGrp="1"/>
           </p:cNvGraphicFramePr>
           <p:nvPr/>
         </p:nvGraphicFramePr>
-        <p:xfrm rot="0">
+        <p:xfrm>
           <a:off x="677334" y="2160589"/>
-          <a:ext cx="8596668" cy="3880773"/>
+          <a:ext cx="8596665" cy="3017520"/>
         </p:xfrm>
         <a:graphic>
           <a:graphicData uri="http://schemas.openxmlformats.org/drawingml/2006/table">
             <a:tbl>
               <a:tblPr/>
               <a:tblGrid>
-                <a:gridCol w="1228095"/>
-                <a:gridCol w="1228095"/>
-                <a:gridCol w="1228095"/>
-                <a:gridCol w="1228095"/>
-                <a:gridCol w="1228095"/>
-                <a:gridCol w="1228095"/>
-                <a:gridCol w="1228095"/>
+                <a:gridCol w="1228095">
+                  <a:extLst>
+                    <a:ext uri="{9D8B030D-6E8A-4147-A177-3AD203B41FA5}">
+                      <a16:colId xmlns:a16="http://schemas.microsoft.com/office/drawing/2014/main" val="20000"/>
+                    </a:ext>
+                  </a:extLst>
+                </a:gridCol>
+                <a:gridCol w="1228095">
+                  <a:extLst>
+                    <a:ext uri="{9D8B030D-6E8A-4147-A177-3AD203B41FA5}">
+                      <a16:colId xmlns:a16="http://schemas.microsoft.com/office/drawing/2014/main" val="20001"/>
+                    </a:ext>
+                  </a:extLst>
+                </a:gridCol>
+                <a:gridCol w="1228095">
+                  <a:extLst>
+                    <a:ext uri="{9D8B030D-6E8A-4147-A177-3AD203B41FA5}">
+                      <a16:colId xmlns:a16="http://schemas.microsoft.com/office/drawing/2014/main" val="20002"/>
+                    </a:ext>
+                  </a:extLst>
+                </a:gridCol>
+                <a:gridCol w="1228095">
+                  <a:extLst>
+                    <a:ext uri="{9D8B030D-6E8A-4147-A177-3AD203B41FA5}">
+                      <a16:colId xmlns:a16="http://schemas.microsoft.com/office/drawing/2014/main" val="20003"/>
+                    </a:ext>
+                  </a:extLst>
+                </a:gridCol>
+                <a:gridCol w="1228095">
+                  <a:extLst>
+                    <a:ext uri="{9D8B030D-6E8A-4147-A177-3AD203B41FA5}">
+                      <a16:colId xmlns:a16="http://schemas.microsoft.com/office/drawing/2014/main" val="20004"/>
+                    </a:ext>
+                  </a:extLst>
+                </a:gridCol>
+                <a:gridCol w="1228095">
+                  <a:extLst>
+                    <a:ext uri="{9D8B030D-6E8A-4147-A177-3AD203B41FA5}">
+                      <a16:colId xmlns:a16="http://schemas.microsoft.com/office/drawing/2014/main" val="20005"/>
+                    </a:ext>
+                  </a:extLst>
+                </a:gridCol>
+                <a:gridCol w="1228095">
+                  <a:extLst>
+                    <a:ext uri="{9D8B030D-6E8A-4147-A177-3AD203B41FA5}">
+                      <a16:colId xmlns:a16="http://schemas.microsoft.com/office/drawing/2014/main" val="20006"/>
+                    </a:ext>
+                  </a:extLst>
+                </a:gridCol>
               </a:tblGrid>
               <a:tr h="0">
                 <a:tc>
@@ -7699,7 +7885,7 @@
                         <a:buNone/>
                       </a:pPr>
                       <a:r>
-                        <a:rPr sz="1800" b="true">
+                        <a:rPr sz="1800" b="1">
                           <a:solidFill>
                             <a:srgbClr val="000000">
                               <a:alpha val="100000"/>
@@ -7766,7 +7952,7 @@
                         <a:buNone/>
                       </a:pPr>
                       <a:r>
-                        <a:rPr sz="1800" b="true">
+                        <a:rPr sz="1800" b="1">
                           <a:solidFill>
                             <a:srgbClr val="000000">
                               <a:alpha val="100000"/>
@@ -7833,7 +8019,7 @@
                         <a:buNone/>
                       </a:pPr>
                       <a:r>
-                        <a:rPr sz="1800" b="true">
+                        <a:rPr sz="1800" b="1">
                           <a:solidFill>
                             <a:srgbClr val="000000">
                               <a:alpha val="100000"/>
@@ -7900,7 +8086,7 @@
                         <a:buNone/>
                       </a:pPr>
                       <a:r>
-                        <a:rPr sz="1800" b="true">
+                        <a:rPr sz="1800" b="1">
                           <a:solidFill>
                             <a:srgbClr val="000000">
                               <a:alpha val="100000"/>
@@ -7967,7 +8153,7 @@
                         <a:buNone/>
                       </a:pPr>
                       <a:r>
-                        <a:rPr sz="1800" b="true">
+                        <a:rPr sz="1800" b="1">
                           <a:solidFill>
                             <a:srgbClr val="000000">
                               <a:alpha val="100000"/>
@@ -8034,7 +8220,7 @@
                         <a:buNone/>
                       </a:pPr>
                       <a:r>
-                        <a:rPr sz="1800" b="true">
+                        <a:rPr sz="1800" b="1">
                           <a:solidFill>
                             <a:srgbClr val="000000">
                               <a:alpha val="100000"/>
@@ -8101,7 +8287,7 @@
                         <a:buNone/>
                       </a:pPr>
                       <a:r>
-                        <a:rPr sz="1800" b="true">
+                        <a:rPr sz="1800" b="1">
                           <a:solidFill>
                             <a:srgbClr val="000000">
                               <a:alpha val="100000"/>
@@ -8153,6 +8339,11 @@
                     </a:solidFill>
                   </a:tcPr>
                 </a:tc>
+                <a:extLst>
+                  <a:ext uri="{0D108BD9-81ED-4DB2-BD59-A6C34878D82A}">
+                    <a16:rowId xmlns:a16="http://schemas.microsoft.com/office/drawing/2014/main" val="10000"/>
+                  </a:ext>
+                </a:extLst>
               </a:tr>
               <a:tr h="0">
                 <a:tc>
@@ -8169,19 +8360,6 @@
                         </a:spcAft>
                         <a:buNone/>
                       </a:pPr>
-                      <a:r>
-                        <a:rPr sz="1800">
-                          <a:solidFill>
-                            <a:srgbClr val="000000">
-                              <a:alpha val="100000"/>
-                            </a:srgbClr>
-                          </a:solidFill>
-                          <a:latin typeface="Arial"/>
-                          <a:ea typeface="Arial"/>
-                          <a:cs typeface="Arial"/>
-                        </a:rPr>
-                        <a:t/>
-                      </a:r>
                       <a:r>
                         <a:rPr sz="1800">
                           <a:solidFill>
@@ -8259,19 +8437,6 @@
                           <a:ea typeface="Arial"/>
                           <a:cs typeface="Arial"/>
                         </a:rPr>
-                        <a:t/>
-                      </a:r>
-                      <a:r>
-                        <a:rPr sz="1800">
-                          <a:solidFill>
-                            <a:srgbClr val="000000">
-                              <a:alpha val="100000"/>
-                            </a:srgbClr>
-                          </a:solidFill>
-                          <a:latin typeface="Arial"/>
-                          <a:ea typeface="Arial"/>
-                          <a:cs typeface="Arial"/>
-                        </a:rPr>
                         <a:t>0</a:t>
                       </a:r>
                     </a:p>
@@ -8338,19 +8503,6 @@
                           <a:ea typeface="Arial"/>
                           <a:cs typeface="Arial"/>
                         </a:rPr>
-                        <a:t/>
-                      </a:r>
-                      <a:r>
-                        <a:rPr sz="1800">
-                          <a:solidFill>
-                            <a:srgbClr val="000000">
-                              <a:alpha val="100000"/>
-                            </a:srgbClr>
-                          </a:solidFill>
-                          <a:latin typeface="Arial"/>
-                          <a:ea typeface="Arial"/>
-                          <a:cs typeface="Arial"/>
-                        </a:rPr>
                         <a:t>M</a:t>
                       </a:r>
                     </a:p>
@@ -8417,19 +8569,6 @@
                           <a:ea typeface="Arial"/>
                           <a:cs typeface="Arial"/>
                         </a:rPr>
-                        <a:t/>
-                      </a:r>
-                      <a:r>
-                        <a:rPr sz="1800">
-                          <a:solidFill>
-                            <a:srgbClr val="000000">
-                              <a:alpha val="100000"/>
-                            </a:srgbClr>
-                          </a:solidFill>
-                          <a:latin typeface="Arial"/>
-                          <a:ea typeface="Arial"/>
-                          <a:cs typeface="Arial"/>
-                        </a:rPr>
                         <a:t>30</a:t>
                       </a:r>
                     </a:p>
@@ -8496,19 +8635,6 @@
                           <a:ea typeface="Arial"/>
                           <a:cs typeface="Arial"/>
                         </a:rPr>
-                        <a:t/>
-                      </a:r>
-                      <a:r>
-                        <a:rPr sz="1800">
-                          <a:solidFill>
-                            <a:srgbClr val="000000">
-                              <a:alpha val="100000"/>
-                            </a:srgbClr>
-                          </a:solidFill>
-                          <a:latin typeface="Arial"/>
-                          <a:ea typeface="Arial"/>
-                          <a:cs typeface="Arial"/>
-                        </a:rPr>
                         <a:t>MBA</a:t>
                       </a:r>
                     </a:p>
@@ -8575,19 +8701,6 @@
                           <a:ea typeface="Arial"/>
                           <a:cs typeface="Arial"/>
                         </a:rPr>
-                        <a:t/>
-                      </a:r>
-                      <a:r>
-                        <a:rPr sz="1800">
-                          <a:solidFill>
-                            <a:srgbClr val="000000">
-                              <a:alpha val="100000"/>
-                            </a:srgbClr>
-                          </a:solidFill>
-                          <a:latin typeface="Arial"/>
-                          <a:ea typeface="Arial"/>
-                          <a:cs typeface="Arial"/>
-                        </a:rPr>
                         <a:t>MBA</a:t>
                       </a:r>
                     </a:p>
@@ -8654,19 +8767,6 @@
                           <a:ea typeface="Arial"/>
                           <a:cs typeface="Arial"/>
                         </a:rPr>
-                        <a:t/>
-                      </a:r>
-                      <a:r>
-                        <a:rPr sz="1800">
-                          <a:solidFill>
-                            <a:srgbClr val="000000">
-                              <a:alpha val="100000"/>
-                            </a:srgbClr>
-                          </a:solidFill>
-                          <a:latin typeface="Arial"/>
-                          <a:ea typeface="Arial"/>
-                          <a:cs typeface="Arial"/>
-                        </a:rPr>
                         <a:t>2.0</a:t>
                       </a:r>
                     </a:p>
@@ -8708,6 +8808,11 @@
                     </a:solidFill>
                   </a:tcPr>
                 </a:tc>
+                <a:extLst>
+                  <a:ext uri="{0D108BD9-81ED-4DB2-BD59-A6C34878D82A}">
+                    <a16:rowId xmlns:a16="http://schemas.microsoft.com/office/drawing/2014/main" val="10001"/>
+                  </a:ext>
+                </a:extLst>
               </a:tr>
               <a:tr h="0">
                 <a:tc>
@@ -8724,19 +8829,6 @@
                         </a:spcAft>
                         <a:buNone/>
                       </a:pPr>
-                      <a:r>
-                        <a:rPr sz="1800">
-                          <a:solidFill>
-                            <a:srgbClr val="000000">
-                              <a:alpha val="100000"/>
-                            </a:srgbClr>
-                          </a:solidFill>
-                          <a:latin typeface="Arial"/>
-                          <a:ea typeface="Arial"/>
-                          <a:cs typeface="Arial"/>
-                        </a:rPr>
-                        <a:t/>
-                      </a:r>
                       <a:r>
                         <a:rPr sz="1800">
                           <a:solidFill>
@@ -8813,19 +8905,6 @@
                           <a:ea typeface="Arial"/>
                           <a:cs typeface="Arial"/>
                         </a:rPr>
-                        <a:t/>
-                      </a:r>
-                      <a:r>
-                        <a:rPr sz="1800">
-                          <a:solidFill>
-                            <a:srgbClr val="000000">
-                              <a:alpha val="100000"/>
-                            </a:srgbClr>
-                          </a:solidFill>
-                          <a:latin typeface="Arial"/>
-                          <a:ea typeface="Arial"/>
-                          <a:cs typeface="Arial"/>
-                        </a:rPr>
                         <a:t>0</a:t>
                       </a:r>
                     </a:p>
@@ -8891,19 +8970,6 @@
                           <a:ea typeface="Arial"/>
                           <a:cs typeface="Arial"/>
                         </a:rPr>
-                        <a:t/>
-                      </a:r>
-                      <a:r>
-                        <a:rPr sz="1800">
-                          <a:solidFill>
-                            <a:srgbClr val="000000">
-                              <a:alpha val="100000"/>
-                            </a:srgbClr>
-                          </a:solidFill>
-                          <a:latin typeface="Arial"/>
-                          <a:ea typeface="Arial"/>
-                          <a:cs typeface="Arial"/>
-                        </a:rPr>
                         <a:t>F</a:t>
                       </a:r>
                     </a:p>
@@ -8969,19 +9035,6 @@
                           <a:ea typeface="Arial"/>
                           <a:cs typeface="Arial"/>
                         </a:rPr>
-                        <a:t/>
-                      </a:r>
-                      <a:r>
-                        <a:rPr sz="1800">
-                          <a:solidFill>
-                            <a:srgbClr val="000000">
-                              <a:alpha val="100000"/>
-                            </a:srgbClr>
-                          </a:solidFill>
-                          <a:latin typeface="Arial"/>
-                          <a:ea typeface="Arial"/>
-                          <a:cs typeface="Arial"/>
-                        </a:rPr>
                         <a:t>35</a:t>
                       </a:r>
                     </a:p>
@@ -9047,19 +9100,6 @@
                           <a:ea typeface="Arial"/>
                           <a:cs typeface="Arial"/>
                         </a:rPr>
-                        <a:t/>
-                      </a:r>
-                      <a:r>
-                        <a:rPr sz="1800">
-                          <a:solidFill>
-                            <a:srgbClr val="000000">
-                              <a:alpha val="100000"/>
-                            </a:srgbClr>
-                          </a:solidFill>
-                          <a:latin typeface="Arial"/>
-                          <a:ea typeface="Arial"/>
-                          <a:cs typeface="Arial"/>
-                        </a:rPr>
                         <a:t>MBA</a:t>
                       </a:r>
                     </a:p>
@@ -9125,19 +9165,6 @@
                           <a:ea typeface="Arial"/>
                           <a:cs typeface="Arial"/>
                         </a:rPr>
-                        <a:t/>
-                      </a:r>
-                      <a:r>
-                        <a:rPr sz="1800">
-                          <a:solidFill>
-                            <a:srgbClr val="000000">
-                              <a:alpha val="100000"/>
-                            </a:srgbClr>
-                          </a:solidFill>
-                          <a:latin typeface="Arial"/>
-                          <a:ea typeface="Arial"/>
-                          <a:cs typeface="Arial"/>
-                        </a:rPr>
                         <a:t>MBA</a:t>
                       </a:r>
                     </a:p>
@@ -9203,19 +9230,6 @@
                           <a:ea typeface="Arial"/>
                           <a:cs typeface="Arial"/>
                         </a:rPr>
-                        <a:t/>
-                      </a:r>
-                      <a:r>
-                        <a:rPr sz="1800">
-                          <a:solidFill>
-                            <a:srgbClr val="000000">
-                              <a:alpha val="100000"/>
-                            </a:srgbClr>
-                          </a:solidFill>
-                          <a:latin typeface="Arial"/>
-                          <a:ea typeface="Arial"/>
-                          <a:cs typeface="Arial"/>
-                        </a:rPr>
                         <a:t>1.7</a:t>
                       </a:r>
                     </a:p>
@@ -9256,6 +9270,11 @@
                     </a:solidFill>
                   </a:tcPr>
                 </a:tc>
+                <a:extLst>
+                  <a:ext uri="{0D108BD9-81ED-4DB2-BD59-A6C34878D82A}">
+                    <a16:rowId xmlns:a16="http://schemas.microsoft.com/office/drawing/2014/main" val="10002"/>
+                  </a:ext>
+                </a:extLst>
               </a:tr>
               <a:tr h="0">
                 <a:tc>
@@ -9272,19 +9291,6 @@
                         </a:spcAft>
                         <a:buNone/>
                       </a:pPr>
-                      <a:r>
-                        <a:rPr sz="1800">
-                          <a:solidFill>
-                            <a:srgbClr val="000000">
-                              <a:alpha val="100000"/>
-                            </a:srgbClr>
-                          </a:solidFill>
-                          <a:latin typeface="Arial"/>
-                          <a:ea typeface="Arial"/>
-                          <a:cs typeface="Arial"/>
-                        </a:rPr>
-                        <a:t/>
-                      </a:r>
                       <a:r>
                         <a:rPr sz="1800">
                           <a:solidFill>
@@ -9361,19 +9367,6 @@
                           <a:ea typeface="Arial"/>
                           <a:cs typeface="Arial"/>
                         </a:rPr>
-                        <a:t/>
-                      </a:r>
-                      <a:r>
-                        <a:rPr sz="1800">
-                          <a:solidFill>
-                            <a:srgbClr val="000000">
-                              <a:alpha val="100000"/>
-                            </a:srgbClr>
-                          </a:solidFill>
-                          <a:latin typeface="Arial"/>
-                          <a:ea typeface="Arial"/>
-                          <a:cs typeface="Arial"/>
-                        </a:rPr>
                         <a:t>1</a:t>
                       </a:r>
                     </a:p>
@@ -9439,19 +9432,6 @@
                           <a:ea typeface="Arial"/>
                           <a:cs typeface="Arial"/>
                         </a:rPr>
-                        <a:t/>
-                      </a:r>
-                      <a:r>
-                        <a:rPr sz="1800">
-                          <a:solidFill>
-                            <a:srgbClr val="000000">
-                              <a:alpha val="100000"/>
-                            </a:srgbClr>
-                          </a:solidFill>
-                          <a:latin typeface="Arial"/>
-                          <a:ea typeface="Arial"/>
-                          <a:cs typeface="Arial"/>
-                        </a:rPr>
                         <a:t>M</a:t>
                       </a:r>
                     </a:p>
@@ -9517,19 +9497,6 @@
                           <a:ea typeface="Arial"/>
                           <a:cs typeface="Arial"/>
                         </a:rPr>
-                        <a:t/>
-                      </a:r>
-                      <a:r>
-                        <a:rPr sz="1800">
-                          <a:solidFill>
-                            <a:srgbClr val="000000">
-                              <a:alpha val="100000"/>
-                            </a:srgbClr>
-                          </a:solidFill>
-                          <a:latin typeface="Arial"/>
-                          <a:ea typeface="Arial"/>
-                          <a:cs typeface="Arial"/>
-                        </a:rPr>
                         <a:t>43</a:t>
                       </a:r>
                     </a:p>
@@ -9595,19 +9562,6 @@
                           <a:ea typeface="Arial"/>
                           <a:cs typeface="Arial"/>
                         </a:rPr>
-                        <a:t/>
-                      </a:r>
-                      <a:r>
-                        <a:rPr sz="1800">
-                          <a:solidFill>
-                            <a:srgbClr val="000000">
-                              <a:alpha val="100000"/>
-                            </a:srgbClr>
-                          </a:solidFill>
-                          <a:latin typeface="Arial"/>
-                          <a:ea typeface="Arial"/>
-                          <a:cs typeface="Arial"/>
-                        </a:rPr>
                         <a:t>MS_ISM</a:t>
                       </a:r>
                     </a:p>
@@ -9673,19 +9627,6 @@
                           <a:ea typeface="Arial"/>
                           <a:cs typeface="Arial"/>
                         </a:rPr>
-                        <a:t/>
-                      </a:r>
-                      <a:r>
-                        <a:rPr sz="1800">
-                          <a:solidFill>
-                            <a:srgbClr val="000000">
-                              <a:alpha val="100000"/>
-                            </a:srgbClr>
-                          </a:solidFill>
-                          <a:latin typeface="Arial"/>
-                          <a:ea typeface="Arial"/>
-                          <a:cs typeface="Arial"/>
-                        </a:rPr>
                         <a:t>MS</a:t>
                       </a:r>
                     </a:p>
@@ -9751,19 +9692,6 @@
                           <a:ea typeface="Arial"/>
                           <a:cs typeface="Arial"/>
                         </a:rPr>
-                        <a:t/>
-                      </a:r>
-                      <a:r>
-                        <a:rPr sz="1800">
-                          <a:solidFill>
-                            <a:srgbClr val="000000">
-                              <a:alpha val="100000"/>
-                            </a:srgbClr>
-                          </a:solidFill>
-                          <a:latin typeface="Arial"/>
-                          <a:ea typeface="Arial"/>
-                          <a:cs typeface="Arial"/>
-                        </a:rPr>
                         <a:t>0.6</a:t>
                       </a:r>
                     </a:p>
@@ -9804,6 +9732,11 @@
                     </a:solidFill>
                   </a:tcPr>
                 </a:tc>
+                <a:extLst>
+                  <a:ext uri="{0D108BD9-81ED-4DB2-BD59-A6C34878D82A}">
+                    <a16:rowId xmlns:a16="http://schemas.microsoft.com/office/drawing/2014/main" val="10003"/>
+                  </a:ext>
+                </a:extLst>
               </a:tr>
               <a:tr h="0">
                 <a:tc>
@@ -9820,19 +9753,6 @@
                         </a:spcAft>
                         <a:buNone/>
                       </a:pPr>
-                      <a:r>
-                        <a:rPr sz="1800">
-                          <a:solidFill>
-                            <a:srgbClr val="000000">
-                              <a:alpha val="100000"/>
-                            </a:srgbClr>
-                          </a:solidFill>
-                          <a:latin typeface="Arial"/>
-                          <a:ea typeface="Arial"/>
-                          <a:cs typeface="Arial"/>
-                        </a:rPr>
-                        <a:t/>
-                      </a:r>
                       <a:r>
                         <a:rPr sz="1800">
                           <a:solidFill>
@@ -9909,19 +9829,6 @@
                           <a:ea typeface="Arial"/>
                           <a:cs typeface="Arial"/>
                         </a:rPr>
-                        <a:t/>
-                      </a:r>
-                      <a:r>
-                        <a:rPr sz="1800">
-                          <a:solidFill>
-                            <a:srgbClr val="000000">
-                              <a:alpha val="100000"/>
-                            </a:srgbClr>
-                          </a:solidFill>
-                          <a:latin typeface="Arial"/>
-                          <a:ea typeface="Arial"/>
-                          <a:cs typeface="Arial"/>
-                        </a:rPr>
                         <a:t>1</a:t>
                       </a:r>
                     </a:p>
@@ -9987,19 +9894,6 @@
                           <a:ea typeface="Arial"/>
                           <a:cs typeface="Arial"/>
                         </a:rPr>
-                        <a:t/>
-                      </a:r>
-                      <a:r>
-                        <a:rPr sz="1800">
-                          <a:solidFill>
-                            <a:srgbClr val="000000">
-                              <a:alpha val="100000"/>
-                            </a:srgbClr>
-                          </a:solidFill>
-                          <a:latin typeface="Arial"/>
-                          <a:ea typeface="Arial"/>
-                          <a:cs typeface="Arial"/>
-                        </a:rPr>
                         <a:t>M</a:t>
                       </a:r>
                     </a:p>
@@ -10065,19 +9959,6 @@
                           <a:ea typeface="Arial"/>
                           <a:cs typeface="Arial"/>
                         </a:rPr>
-                        <a:t/>
-                      </a:r>
-                      <a:r>
-                        <a:rPr sz="1800">
-                          <a:solidFill>
-                            <a:srgbClr val="000000">
-                              <a:alpha val="100000"/>
-                            </a:srgbClr>
-                          </a:solidFill>
-                          <a:latin typeface="Arial"/>
-                          <a:ea typeface="Arial"/>
-                          <a:cs typeface="Arial"/>
-                        </a:rPr>
                         <a:t>43</a:t>
                       </a:r>
                     </a:p>
@@ -10143,19 +10024,6 @@
                           <a:ea typeface="Arial"/>
                           <a:cs typeface="Arial"/>
                         </a:rPr>
-                        <a:t/>
-                      </a:r>
-                      <a:r>
-                        <a:rPr sz="1800">
-                          <a:solidFill>
-                            <a:srgbClr val="000000">
-                              <a:alpha val="100000"/>
-                            </a:srgbClr>
-                          </a:solidFill>
-                          <a:latin typeface="Arial"/>
-                          <a:ea typeface="Arial"/>
-                          <a:cs typeface="Arial"/>
-                        </a:rPr>
                         <a:t>MS_ISM</a:t>
                       </a:r>
                     </a:p>
@@ -10221,19 +10089,6 @@
                           <a:ea typeface="Arial"/>
                           <a:cs typeface="Arial"/>
                         </a:rPr>
-                        <a:t/>
-                      </a:r>
-                      <a:r>
-                        <a:rPr sz="1800">
-                          <a:solidFill>
-                            <a:srgbClr val="000000">
-                              <a:alpha val="100000"/>
-                            </a:srgbClr>
-                          </a:solidFill>
-                          <a:latin typeface="Arial"/>
-                          <a:ea typeface="Arial"/>
-                          <a:cs typeface="Arial"/>
-                        </a:rPr>
                         <a:t>MS</a:t>
                       </a:r>
                     </a:p>
@@ -10299,19 +10154,6 @@
                           <a:ea typeface="Arial"/>
                           <a:cs typeface="Arial"/>
                         </a:rPr>
-                        <a:t/>
-                      </a:r>
-                      <a:r>
-                        <a:rPr sz="1800">
-                          <a:solidFill>
-                            <a:srgbClr val="000000">
-                              <a:alpha val="100000"/>
-                            </a:srgbClr>
-                          </a:solidFill>
-                          <a:latin typeface="Arial"/>
-                          <a:ea typeface="Arial"/>
-                          <a:cs typeface="Arial"/>
-                        </a:rPr>
                         <a:t>0.6</a:t>
                       </a:r>
                     </a:p>
@@ -10352,6 +10194,11 @@
                     </a:solidFill>
                   </a:tcPr>
                 </a:tc>
+                <a:extLst>
+                  <a:ext uri="{0D108BD9-81ED-4DB2-BD59-A6C34878D82A}">
+                    <a16:rowId xmlns:a16="http://schemas.microsoft.com/office/drawing/2014/main" val="10004"/>
+                  </a:ext>
+                </a:extLst>
               </a:tr>
               <a:tr h="0">
                 <a:tc>
@@ -10368,19 +10215,6 @@
                         </a:spcAft>
                         <a:buNone/>
                       </a:pPr>
-                      <a:r>
-                        <a:rPr sz="1800">
-                          <a:solidFill>
-                            <a:srgbClr val="000000">
-                              <a:alpha val="100000"/>
-                            </a:srgbClr>
-                          </a:solidFill>
-                          <a:latin typeface="Arial"/>
-                          <a:ea typeface="Arial"/>
-                          <a:cs typeface="Arial"/>
-                        </a:rPr>
-                        <a:t/>
-                      </a:r>
                       <a:r>
                         <a:rPr sz="1800">
                           <a:solidFill>
@@ -10457,19 +10291,6 @@
                           <a:ea typeface="Arial"/>
                           <a:cs typeface="Arial"/>
                         </a:rPr>
-                        <a:t/>
-                      </a:r>
-                      <a:r>
-                        <a:rPr sz="1800">
-                          <a:solidFill>
-                            <a:srgbClr val="000000">
-                              <a:alpha val="100000"/>
-                            </a:srgbClr>
-                          </a:solidFill>
-                          <a:latin typeface="Arial"/>
-                          <a:ea typeface="Arial"/>
-                          <a:cs typeface="Arial"/>
-                        </a:rPr>
                         <a:t>0</a:t>
                       </a:r>
                     </a:p>
@@ -10535,19 +10356,6 @@
                           <a:ea typeface="Arial"/>
                           <a:cs typeface="Arial"/>
                         </a:rPr>
-                        <a:t/>
-                      </a:r>
-                      <a:r>
-                        <a:rPr sz="1800">
-                          <a:solidFill>
-                            <a:srgbClr val="000000">
-                              <a:alpha val="100000"/>
-                            </a:srgbClr>
-                          </a:solidFill>
-                          <a:latin typeface="Arial"/>
-                          <a:ea typeface="Arial"/>
-                          <a:cs typeface="Arial"/>
-                        </a:rPr>
                         <a:t>M</a:t>
                       </a:r>
                     </a:p>
@@ -10613,19 +10421,6 @@
                           <a:ea typeface="Arial"/>
                           <a:cs typeface="Arial"/>
                         </a:rPr>
-                        <a:t/>
-                      </a:r>
-                      <a:r>
-                        <a:rPr sz="1800">
-                          <a:solidFill>
-                            <a:srgbClr val="000000">
-                              <a:alpha val="100000"/>
-                            </a:srgbClr>
-                          </a:solidFill>
-                          <a:latin typeface="Arial"/>
-                          <a:ea typeface="Arial"/>
-                          <a:cs typeface="Arial"/>
-                        </a:rPr>
                         <a:t>52</a:t>
                       </a:r>
                     </a:p>
@@ -10691,19 +10486,6 @@
                           <a:ea typeface="Arial"/>
                           <a:cs typeface="Arial"/>
                         </a:rPr>
-                        <a:t/>
-                      </a:r>
-                      <a:r>
-                        <a:rPr sz="1800">
-                          <a:solidFill>
-                            <a:srgbClr val="000000">
-                              <a:alpha val="100000"/>
-                            </a:srgbClr>
-                          </a:solidFill>
-                          <a:latin typeface="Arial"/>
-                          <a:ea typeface="Arial"/>
-                          <a:cs typeface="Arial"/>
-                        </a:rPr>
                         <a:t>MBA</a:t>
                       </a:r>
                     </a:p>
@@ -10769,19 +10551,6 @@
                           <a:ea typeface="Arial"/>
                           <a:cs typeface="Arial"/>
                         </a:rPr>
-                        <a:t/>
-                      </a:r>
-                      <a:r>
-                        <a:rPr sz="1800">
-                          <a:solidFill>
-                            <a:srgbClr val="000000">
-                              <a:alpha val="100000"/>
-                            </a:srgbClr>
-                          </a:solidFill>
-                          <a:latin typeface="Arial"/>
-                          <a:ea typeface="Arial"/>
-                          <a:cs typeface="Arial"/>
-                        </a:rPr>
                         <a:t>MBA</a:t>
                       </a:r>
                     </a:p>
@@ -10847,19 +10616,6 @@
                           <a:ea typeface="Arial"/>
                           <a:cs typeface="Arial"/>
                         </a:rPr>
-                        <a:t/>
-                      </a:r>
-                      <a:r>
-                        <a:rPr sz="1800">
-                          <a:solidFill>
-                            <a:srgbClr val="000000">
-                              <a:alpha val="100000"/>
-                            </a:srgbClr>
-                          </a:solidFill>
-                          <a:latin typeface="Arial"/>
-                          <a:ea typeface="Arial"/>
-                          <a:cs typeface="Arial"/>
-                        </a:rPr>
                         <a:t>2.2</a:t>
                       </a:r>
                     </a:p>
@@ -10900,6 +10656,11 @@
                     </a:solidFill>
                   </a:tcPr>
                 </a:tc>
+                <a:extLst>
+                  <a:ext uri="{0D108BD9-81ED-4DB2-BD59-A6C34878D82A}">
+                    <a16:rowId xmlns:a16="http://schemas.microsoft.com/office/drawing/2014/main" val="10005"/>
+                  </a:ext>
+                </a:extLst>
               </a:tr>
               <a:tr h="0">
                 <a:tc>
@@ -10916,19 +10677,6 @@
                         </a:spcAft>
                         <a:buNone/>
                       </a:pPr>
-                      <a:r>
-                        <a:rPr sz="1800">
-                          <a:solidFill>
-                            <a:srgbClr val="000000">
-                              <a:alpha val="100000"/>
-                            </a:srgbClr>
-                          </a:solidFill>
-                          <a:latin typeface="Arial"/>
-                          <a:ea typeface="Arial"/>
-                          <a:cs typeface="Arial"/>
-                        </a:rPr>
-                        <a:t/>
-                      </a:r>
                       <a:r>
                         <a:rPr sz="1800">
                           <a:solidFill>
@@ -11005,19 +10753,6 @@
                           <a:ea typeface="Arial"/>
                           <a:cs typeface="Arial"/>
                         </a:rPr>
-                        <a:t/>
-                      </a:r>
-                      <a:r>
-                        <a:rPr sz="1800">
-                          <a:solidFill>
-                            <a:srgbClr val="000000">
-                              <a:alpha val="100000"/>
-                            </a:srgbClr>
-                          </a:solidFill>
-                          <a:latin typeface="Arial"/>
-                          <a:ea typeface="Arial"/>
-                          <a:cs typeface="Arial"/>
-                        </a:rPr>
                         <a:t>1</a:t>
                       </a:r>
                     </a:p>
@@ -11083,19 +10818,6 @@
                           <a:ea typeface="Arial"/>
                           <a:cs typeface="Arial"/>
                         </a:rPr>
-                        <a:t/>
-                      </a:r>
-                      <a:r>
-                        <a:rPr sz="1800">
-                          <a:solidFill>
-                            <a:srgbClr val="000000">
-                              <a:alpha val="100000"/>
-                            </a:srgbClr>
-                          </a:solidFill>
-                          <a:latin typeface="Arial"/>
-                          <a:ea typeface="Arial"/>
-                          <a:cs typeface="Arial"/>
-                        </a:rPr>
                         <a:t>M</a:t>
                       </a:r>
                     </a:p>
@@ -11161,19 +10883,6 @@
                           <a:ea typeface="Arial"/>
                           <a:cs typeface="Arial"/>
                         </a:rPr>
-                        <a:t/>
-                      </a:r>
-                      <a:r>
-                        <a:rPr sz="1800">
-                          <a:solidFill>
-                            <a:srgbClr val="000000">
-                              <a:alpha val="100000"/>
-                            </a:srgbClr>
-                          </a:solidFill>
-                          <a:latin typeface="Arial"/>
-                          <a:ea typeface="Arial"/>
-                          <a:cs typeface="Arial"/>
-                        </a:rPr>
                         <a:t>32</a:t>
                       </a:r>
                     </a:p>
@@ -11239,19 +10948,6 @@
                           <a:ea typeface="Arial"/>
                           <a:cs typeface="Arial"/>
                         </a:rPr>
-                        <a:t/>
-                      </a:r>
-                      <a:r>
-                        <a:rPr sz="1800">
-                          <a:solidFill>
-                            <a:srgbClr val="000000">
-                              <a:alpha val="100000"/>
-                            </a:srgbClr>
-                          </a:solidFill>
-                          <a:latin typeface="Arial"/>
-                          <a:ea typeface="Arial"/>
-                          <a:cs typeface="Arial"/>
-                        </a:rPr>
                         <a:t>MS_PRJ</a:t>
                       </a:r>
                     </a:p>
@@ -11317,19 +11013,6 @@
                           <a:ea typeface="Arial"/>
                           <a:cs typeface="Arial"/>
                         </a:rPr>
-                        <a:t/>
-                      </a:r>
-                      <a:r>
-                        <a:rPr sz="1800">
-                          <a:solidFill>
-                            <a:srgbClr val="000000">
-                              <a:alpha val="100000"/>
-                            </a:srgbClr>
-                          </a:solidFill>
-                          <a:latin typeface="Arial"/>
-                          <a:ea typeface="Arial"/>
-                          <a:cs typeface="Arial"/>
-                        </a:rPr>
                         <a:t>MS</a:t>
                       </a:r>
                     </a:p>
@@ -11395,19 +11078,6 @@
                           <a:ea typeface="Arial"/>
                           <a:cs typeface="Arial"/>
                         </a:rPr>
-                        <a:t/>
-                      </a:r>
-                      <a:r>
-                        <a:rPr sz="1800">
-                          <a:solidFill>
-                            <a:srgbClr val="000000">
-                              <a:alpha val="100000"/>
-                            </a:srgbClr>
-                          </a:solidFill>
-                          <a:latin typeface="Arial"/>
-                          <a:ea typeface="Arial"/>
-                          <a:cs typeface="Arial"/>
-                        </a:rPr>
                         <a:t>2.4</a:t>
                       </a:r>
                     </a:p>
@@ -11448,6 +11118,11 @@
                     </a:solidFill>
                   </a:tcPr>
                 </a:tc>
+                <a:extLst>
+                  <a:ext uri="{0D108BD9-81ED-4DB2-BD59-A6C34878D82A}">
+                    <a16:rowId xmlns:a16="http://schemas.microsoft.com/office/drawing/2014/main" val="10006"/>
+                  </a:ext>
+                </a:extLst>
               </a:tr>
               <a:tr h="0">
                 <a:tc>
@@ -11464,19 +11139,6 @@
                         </a:spcAft>
                         <a:buNone/>
                       </a:pPr>
-                      <a:r>
-                        <a:rPr sz="1800">
-                          <a:solidFill>
-                            <a:srgbClr val="000000">
-                              <a:alpha val="100000"/>
-                            </a:srgbClr>
-                          </a:solidFill>
-                          <a:latin typeface="Arial"/>
-                          <a:ea typeface="Arial"/>
-                          <a:cs typeface="Arial"/>
-                        </a:rPr>
-                        <a:t/>
-                      </a:r>
                       <a:r>
                         <a:rPr sz="1800">
                           <a:solidFill>
@@ -11553,19 +11215,6 @@
                           <a:ea typeface="Arial"/>
                           <a:cs typeface="Arial"/>
                         </a:rPr>
-                        <a:t/>
-                      </a:r>
-                      <a:r>
-                        <a:rPr sz="1800">
-                          <a:solidFill>
-                            <a:srgbClr val="000000">
-                              <a:alpha val="100000"/>
-                            </a:srgbClr>
-                          </a:solidFill>
-                          <a:latin typeface="Arial"/>
-                          <a:ea typeface="Arial"/>
-                          <a:cs typeface="Arial"/>
-                        </a:rPr>
                         <a:t>1</a:t>
                       </a:r>
                     </a:p>
@@ -11631,19 +11280,6 @@
                           <a:ea typeface="Arial"/>
                           <a:cs typeface="Arial"/>
                         </a:rPr>
-                        <a:t/>
-                      </a:r>
-                      <a:r>
-                        <a:rPr sz="1800">
-                          <a:solidFill>
-                            <a:srgbClr val="000000">
-                              <a:alpha val="100000"/>
-                            </a:srgbClr>
-                          </a:solidFill>
-                          <a:latin typeface="Arial"/>
-                          <a:ea typeface="Arial"/>
-                          <a:cs typeface="Arial"/>
-                        </a:rPr>
                         <a:t>M</a:t>
                       </a:r>
                     </a:p>
@@ -11709,19 +11345,6 @@
                           <a:ea typeface="Arial"/>
                           <a:cs typeface="Arial"/>
                         </a:rPr>
-                        <a:t/>
-                      </a:r>
-                      <a:r>
-                        <a:rPr sz="1800">
-                          <a:solidFill>
-                            <a:srgbClr val="000000">
-                              <a:alpha val="100000"/>
-                            </a:srgbClr>
-                          </a:solidFill>
-                          <a:latin typeface="Arial"/>
-                          <a:ea typeface="Arial"/>
-                          <a:cs typeface="Arial"/>
-                        </a:rPr>
                         <a:t>32</a:t>
                       </a:r>
                     </a:p>
@@ -11787,19 +11410,6 @@
                           <a:ea typeface="Arial"/>
                           <a:cs typeface="Arial"/>
                         </a:rPr>
-                        <a:t/>
-                      </a:r>
-                      <a:r>
-                        <a:rPr sz="1800">
-                          <a:solidFill>
-                            <a:srgbClr val="000000">
-                              <a:alpha val="100000"/>
-                            </a:srgbClr>
-                          </a:solidFill>
-                          <a:latin typeface="Arial"/>
-                          <a:ea typeface="Arial"/>
-                          <a:cs typeface="Arial"/>
-                        </a:rPr>
                         <a:t>MS_PRJ</a:t>
                       </a:r>
                     </a:p>
@@ -11865,19 +11475,6 @@
                           <a:ea typeface="Arial"/>
                           <a:cs typeface="Arial"/>
                         </a:rPr>
-                        <a:t/>
-                      </a:r>
-                      <a:r>
-                        <a:rPr sz="1800">
-                          <a:solidFill>
-                            <a:srgbClr val="000000">
-                              <a:alpha val="100000"/>
-                            </a:srgbClr>
-                          </a:solidFill>
-                          <a:latin typeface="Arial"/>
-                          <a:ea typeface="Arial"/>
-                          <a:cs typeface="Arial"/>
-                        </a:rPr>
                         <a:t>MS</a:t>
                       </a:r>
                     </a:p>
@@ -11943,19 +11540,6 @@
                           <a:ea typeface="Arial"/>
                           <a:cs typeface="Arial"/>
                         </a:rPr>
-                        <a:t/>
-                      </a:r>
-                      <a:r>
-                        <a:rPr sz="1800">
-                          <a:solidFill>
-                            <a:srgbClr val="000000">
-                              <a:alpha val="100000"/>
-                            </a:srgbClr>
-                          </a:solidFill>
-                          <a:latin typeface="Arial"/>
-                          <a:ea typeface="Arial"/>
-                          <a:cs typeface="Arial"/>
-                        </a:rPr>
                         <a:t>2.4</a:t>
                       </a:r>
                     </a:p>
@@ -11996,6 +11580,11 @@
                     </a:solidFill>
                   </a:tcPr>
                 </a:tc>
+                <a:extLst>
+                  <a:ext uri="{0D108BD9-81ED-4DB2-BD59-A6C34878D82A}">
+                    <a16:rowId xmlns:a16="http://schemas.microsoft.com/office/drawing/2014/main" val="10007"/>
+                  </a:ext>
+                </a:extLst>
               </a:tr>
               <a:tr h="0">
                 <a:tc>
@@ -12012,19 +11601,6 @@
                         </a:spcAft>
                         <a:buNone/>
                       </a:pPr>
-                      <a:r>
-                        <a:rPr sz="1800">
-                          <a:solidFill>
-                            <a:srgbClr val="000000">
-                              <a:alpha val="100000"/>
-                            </a:srgbClr>
-                          </a:solidFill>
-                          <a:latin typeface="Arial"/>
-                          <a:ea typeface="Arial"/>
-                          <a:cs typeface="Arial"/>
-                        </a:rPr>
-                        <a:t/>
-                      </a:r>
                       <a:r>
                         <a:rPr sz="1800">
                           <a:solidFill>
@@ -12101,19 +11677,6 @@
                           <a:ea typeface="Arial"/>
                           <a:cs typeface="Arial"/>
                         </a:rPr>
-                        <a:t/>
-                      </a:r>
-                      <a:r>
-                        <a:rPr sz="1800">
-                          <a:solidFill>
-                            <a:srgbClr val="000000">
-                              <a:alpha val="100000"/>
-                            </a:srgbClr>
-                          </a:solidFill>
-                          <a:latin typeface="Arial"/>
-                          <a:ea typeface="Arial"/>
-                          <a:cs typeface="Arial"/>
-                        </a:rPr>
                         <a:t>1</a:t>
                       </a:r>
                     </a:p>
@@ -12179,19 +11742,6 @@
                           <a:ea typeface="Arial"/>
                           <a:cs typeface="Arial"/>
                         </a:rPr>
-                        <a:t/>
-                      </a:r>
-                      <a:r>
-                        <a:rPr sz="1800">
-                          <a:solidFill>
-                            <a:srgbClr val="000000">
-                              <a:alpha val="100000"/>
-                            </a:srgbClr>
-                          </a:solidFill>
-                          <a:latin typeface="Arial"/>
-                          <a:ea typeface="Arial"/>
-                          <a:cs typeface="Arial"/>
-                        </a:rPr>
                         <a:t>M</a:t>
                       </a:r>
                     </a:p>
@@ -12257,19 +11807,6 @@
                           <a:ea typeface="Arial"/>
                           <a:cs typeface="Arial"/>
                         </a:rPr>
-                        <a:t/>
-                      </a:r>
-                      <a:r>
-                        <a:rPr sz="1800">
-                          <a:solidFill>
-                            <a:srgbClr val="000000">
-                              <a:alpha val="100000"/>
-                            </a:srgbClr>
-                          </a:solidFill>
-                          <a:latin typeface="Arial"/>
-                          <a:ea typeface="Arial"/>
-                          <a:cs typeface="Arial"/>
-                        </a:rPr>
                         <a:t>32</a:t>
                       </a:r>
                     </a:p>
@@ -12335,19 +11872,6 @@
                           <a:ea typeface="Arial"/>
                           <a:cs typeface="Arial"/>
                         </a:rPr>
-                        <a:t/>
-                      </a:r>
-                      <a:r>
-                        <a:rPr sz="1800">
-                          <a:solidFill>
-                            <a:srgbClr val="000000">
-                              <a:alpha val="100000"/>
-                            </a:srgbClr>
-                          </a:solidFill>
-                          <a:latin typeface="Arial"/>
-                          <a:ea typeface="Arial"/>
-                          <a:cs typeface="Arial"/>
-                        </a:rPr>
                         <a:t>MS_PRJ</a:t>
                       </a:r>
                     </a:p>
@@ -12413,19 +11937,6 @@
                           <a:ea typeface="Arial"/>
                           <a:cs typeface="Arial"/>
                         </a:rPr>
-                        <a:t/>
-                      </a:r>
-                      <a:r>
-                        <a:rPr sz="1800">
-                          <a:solidFill>
-                            <a:srgbClr val="000000">
-                              <a:alpha val="100000"/>
-                            </a:srgbClr>
-                          </a:solidFill>
-                          <a:latin typeface="Arial"/>
-                          <a:ea typeface="Arial"/>
-                          <a:cs typeface="Arial"/>
-                        </a:rPr>
                         <a:t>MS</a:t>
                       </a:r>
                     </a:p>
@@ -12491,19 +12002,6 @@
                           <a:ea typeface="Arial"/>
                           <a:cs typeface="Arial"/>
                         </a:rPr>
-                        <a:t/>
-                      </a:r>
-                      <a:r>
-                        <a:rPr sz="1800">
-                          <a:solidFill>
-                            <a:srgbClr val="000000">
-                              <a:alpha val="100000"/>
-                            </a:srgbClr>
-                          </a:solidFill>
-                          <a:latin typeface="Arial"/>
-                          <a:ea typeface="Arial"/>
-                          <a:cs typeface="Arial"/>
-                        </a:rPr>
                         <a:t>2.4</a:t>
                       </a:r>
                     </a:p>
@@ -12544,6 +12042,11 @@
                     </a:solidFill>
                   </a:tcPr>
                 </a:tc>
+                <a:extLst>
+                  <a:ext uri="{0D108BD9-81ED-4DB2-BD59-A6C34878D82A}">
+                    <a16:rowId xmlns:a16="http://schemas.microsoft.com/office/drawing/2014/main" val="10008"/>
+                  </a:ext>
+                </a:extLst>
               </a:tr>
               <a:tr h="0">
                 <a:tc>
@@ -12560,19 +12063,6 @@
                         </a:spcAft>
                         <a:buNone/>
                       </a:pPr>
-                      <a:r>
-                        <a:rPr sz="1800">
-                          <a:solidFill>
-                            <a:srgbClr val="000000">
-                              <a:alpha val="100000"/>
-                            </a:srgbClr>
-                          </a:solidFill>
-                          <a:latin typeface="Arial"/>
-                          <a:ea typeface="Arial"/>
-                          <a:cs typeface="Arial"/>
-                        </a:rPr>
-                        <a:t/>
-                      </a:r>
                       <a:r>
                         <a:rPr sz="1800">
                           <a:solidFill>
@@ -12649,19 +12139,6 @@
                           <a:ea typeface="Arial"/>
                           <a:cs typeface="Arial"/>
                         </a:rPr>
-                        <a:t/>
-                      </a:r>
-                      <a:r>
-                        <a:rPr sz="1800">
-                          <a:solidFill>
-                            <a:srgbClr val="000000">
-                              <a:alpha val="100000"/>
-                            </a:srgbClr>
-                          </a:solidFill>
-                          <a:latin typeface="Arial"/>
-                          <a:ea typeface="Arial"/>
-                          <a:cs typeface="Arial"/>
-                        </a:rPr>
                         <a:t>1</a:t>
                       </a:r>
                     </a:p>
@@ -12727,19 +12204,6 @@
                           <a:ea typeface="Arial"/>
                           <a:cs typeface="Arial"/>
                         </a:rPr>
-                        <a:t/>
-                      </a:r>
-                      <a:r>
-                        <a:rPr sz="1800">
-                          <a:solidFill>
-                            <a:srgbClr val="000000">
-                              <a:alpha val="100000"/>
-                            </a:srgbClr>
-                          </a:solidFill>
-                          <a:latin typeface="Arial"/>
-                          <a:ea typeface="Arial"/>
-                          <a:cs typeface="Arial"/>
-                        </a:rPr>
                         <a:t>M</a:t>
                       </a:r>
                     </a:p>
@@ -12805,19 +12269,6 @@
                           <a:ea typeface="Arial"/>
                           <a:cs typeface="Arial"/>
                         </a:rPr>
-                        <a:t/>
-                      </a:r>
-                      <a:r>
-                        <a:rPr sz="1800">
-                          <a:solidFill>
-                            <a:srgbClr val="000000">
-                              <a:alpha val="100000"/>
-                            </a:srgbClr>
-                          </a:solidFill>
-                          <a:latin typeface="Arial"/>
-                          <a:ea typeface="Arial"/>
-                          <a:cs typeface="Arial"/>
-                        </a:rPr>
                         <a:t>32</a:t>
                       </a:r>
                     </a:p>
@@ -12883,19 +12334,6 @@
                           <a:ea typeface="Arial"/>
                           <a:cs typeface="Arial"/>
                         </a:rPr>
-                        <a:t/>
-                      </a:r>
-                      <a:r>
-                        <a:rPr sz="1800">
-                          <a:solidFill>
-                            <a:srgbClr val="000000">
-                              <a:alpha val="100000"/>
-                            </a:srgbClr>
-                          </a:solidFill>
-                          <a:latin typeface="Arial"/>
-                          <a:ea typeface="Arial"/>
-                          <a:cs typeface="Arial"/>
-                        </a:rPr>
                         <a:t>MS_PRJ</a:t>
                       </a:r>
                     </a:p>
@@ -12961,19 +12399,6 @@
                           <a:ea typeface="Arial"/>
                           <a:cs typeface="Arial"/>
                         </a:rPr>
-                        <a:t/>
-                      </a:r>
-                      <a:r>
-                        <a:rPr sz="1800">
-                          <a:solidFill>
-                            <a:srgbClr val="000000">
-                              <a:alpha val="100000"/>
-                            </a:srgbClr>
-                          </a:solidFill>
-                          <a:latin typeface="Arial"/>
-                          <a:ea typeface="Arial"/>
-                          <a:cs typeface="Arial"/>
-                        </a:rPr>
                         <a:t>MS</a:t>
                       </a:r>
                     </a:p>
@@ -13039,19 +12464,6 @@
                           <a:ea typeface="Arial"/>
                           <a:cs typeface="Arial"/>
                         </a:rPr>
-                        <a:t/>
-                      </a:r>
-                      <a:r>
-                        <a:rPr sz="1800">
-                          <a:solidFill>
-                            <a:srgbClr val="000000">
-                              <a:alpha val="100000"/>
-                            </a:srgbClr>
-                          </a:solidFill>
-                          <a:latin typeface="Arial"/>
-                          <a:ea typeface="Arial"/>
-                          <a:cs typeface="Arial"/>
-                        </a:rPr>
                         <a:t>2.4</a:t>
                       </a:r>
                     </a:p>
@@ -13092,6 +12504,11 @@
                     </a:solidFill>
                   </a:tcPr>
                 </a:tc>
+                <a:extLst>
+                  <a:ext uri="{0D108BD9-81ED-4DB2-BD59-A6C34878D82A}">
+                    <a16:rowId xmlns:a16="http://schemas.microsoft.com/office/drawing/2014/main" val="10009"/>
+                  </a:ext>
+                </a:extLst>
               </a:tr>
               <a:tr h="0">
                 <a:tc>
@@ -13108,19 +12525,6 @@
                         </a:spcAft>
                         <a:buNone/>
                       </a:pPr>
-                      <a:r>
-                        <a:rPr sz="1800">
-                          <a:solidFill>
-                            <a:srgbClr val="000000">
-                              <a:alpha val="100000"/>
-                            </a:srgbClr>
-                          </a:solidFill>
-                          <a:latin typeface="Arial"/>
-                          <a:ea typeface="Arial"/>
-                          <a:cs typeface="Arial"/>
-                        </a:rPr>
-                        <a:t/>
-                      </a:r>
                       <a:r>
                         <a:rPr sz="1800">
                           <a:solidFill>
@@ -13198,19 +12602,6 @@
                           <a:ea typeface="Arial"/>
                           <a:cs typeface="Arial"/>
                         </a:rPr>
-                        <a:t/>
-                      </a:r>
-                      <a:r>
-                        <a:rPr sz="1800">
-                          <a:solidFill>
-                            <a:srgbClr val="000000">
-                              <a:alpha val="100000"/>
-                            </a:srgbClr>
-                          </a:solidFill>
-                          <a:latin typeface="Arial"/>
-                          <a:ea typeface="Arial"/>
-                          <a:cs typeface="Arial"/>
-                        </a:rPr>
                         <a:t>1</a:t>
                       </a:r>
                     </a:p>
@@ -13277,19 +12668,6 @@
                           <a:ea typeface="Arial"/>
                           <a:cs typeface="Arial"/>
                         </a:rPr>
-                        <a:t/>
-                      </a:r>
-                      <a:r>
-                        <a:rPr sz="1800">
-                          <a:solidFill>
-                            <a:srgbClr val="000000">
-                              <a:alpha val="100000"/>
-                            </a:srgbClr>
-                          </a:solidFill>
-                          <a:latin typeface="Arial"/>
-                          <a:ea typeface="Arial"/>
-                          <a:cs typeface="Arial"/>
-                        </a:rPr>
                         <a:t>F</a:t>
                       </a:r>
                     </a:p>
@@ -13356,19 +12734,6 @@
                           <a:ea typeface="Arial"/>
                           <a:cs typeface="Arial"/>
                         </a:rPr>
-                        <a:t/>
-                      </a:r>
-                      <a:r>
-                        <a:rPr sz="1800">
-                          <a:solidFill>
-                            <a:srgbClr val="000000">
-                              <a:alpha val="100000"/>
-                            </a:srgbClr>
-                          </a:solidFill>
-                          <a:latin typeface="Arial"/>
-                          <a:ea typeface="Arial"/>
-                          <a:cs typeface="Arial"/>
-                        </a:rPr>
                         <a:t>39</a:t>
                       </a:r>
                     </a:p>
@@ -13435,19 +12800,6 @@
                           <a:ea typeface="Arial"/>
                           <a:cs typeface="Arial"/>
                         </a:rPr>
-                        <a:t/>
-                      </a:r>
-                      <a:r>
-                        <a:rPr sz="1800">
-                          <a:solidFill>
-                            <a:srgbClr val="000000">
-                              <a:alpha val="100000"/>
-                            </a:srgbClr>
-                          </a:solidFill>
-                          <a:latin typeface="Arial"/>
-                          <a:ea typeface="Arial"/>
-                          <a:cs typeface="Arial"/>
-                        </a:rPr>
                         <a:t>MBA</a:t>
                       </a:r>
                     </a:p>
@@ -13514,19 +12866,6 @@
                           <a:ea typeface="Arial"/>
                           <a:cs typeface="Arial"/>
                         </a:rPr>
-                        <a:t/>
-                      </a:r>
-                      <a:r>
-                        <a:rPr sz="1800">
-                          <a:solidFill>
-                            <a:srgbClr val="000000">
-                              <a:alpha val="100000"/>
-                            </a:srgbClr>
-                          </a:solidFill>
-                          <a:latin typeface="Arial"/>
-                          <a:ea typeface="Arial"/>
-                          <a:cs typeface="Arial"/>
-                        </a:rPr>
                         <a:t>MBA</a:t>
                       </a:r>
                     </a:p>
@@ -13593,19 +12932,6 @@
                           <a:ea typeface="Arial"/>
                           <a:cs typeface="Arial"/>
                         </a:rPr>
-                        <a:t/>
-                      </a:r>
-                      <a:r>
-                        <a:rPr sz="1800">
-                          <a:solidFill>
-                            <a:srgbClr val="000000">
-                              <a:alpha val="100000"/>
-                            </a:srgbClr>
-                          </a:solidFill>
-                          <a:latin typeface="Arial"/>
-                          <a:ea typeface="Arial"/>
-                          <a:cs typeface="Arial"/>
-                        </a:rPr>
                         <a:t>0.6</a:t>
                       </a:r>
                     </a:p>
@@ -13647,6 +12973,11 @@
                     </a:solidFill>
                   </a:tcPr>
                 </a:tc>
+                <a:extLst>
+                  <a:ext uri="{0D108BD9-81ED-4DB2-BD59-A6C34878D82A}">
+                    <a16:rowId xmlns:a16="http://schemas.microsoft.com/office/drawing/2014/main" val="10010"/>
+                  </a:ext>
+                </a:extLst>
               </a:tr>
             </a:tbl>
           </a:graphicData>
@@ -13654,11 +12985,14 @@
       </p:graphicFrame>
     </p:spTree>
   </p:cSld>
+  <p:clrMapOvr>
+    <a:masterClrMapping/>
+  </p:clrMapOvr>
 </p:sld>
 </file>
 
 <file path=ppt/slides/slide5.xml><?xml version="1.0" encoding="utf-8"?>
-<p:sld xmlns:a="http://schemas.openxmlformats.org/drawingml/2006/main" xmlns:r="http://schemas.openxmlformats.org/officeDocument/2006/relationships" xmlns:p="http://schemas.openxmlformats.org/presentationml/2006/main" xmlns:mc="http://schemas.openxmlformats.org/markup-compatibility/2006" xmlns:c="http://schemas.openxmlformats.org/drawingml/2006/chart" xmlns:ns6="http://schemas.openxmlformats.org/drawingml/2006/chartDrawing" xmlns:dgm="http://schemas.openxmlformats.org/drawingml/2006/diagram" xmlns:pic="http://schemas.openxmlformats.org/drawingml/2006/picture" xmlns:wp="http://schemas.openxmlformats.org/drawingml/2006/wordprocessingDrawing" xmlns:xdr="http://schemas.openxmlformats.org/drawingml/2006/spreadsheetDrawing" xmlns:ns11="http://schemas.openxmlformats.org/drawingml/2006/compatibility" xmlns:ns12="http://schemas.openxmlformats.org/drawingml/2006/lockedCanvas">
+<p:sld xmlns:a="http://schemas.openxmlformats.org/drawingml/2006/main" xmlns:r="http://schemas.openxmlformats.org/officeDocument/2006/relationships" xmlns:p="http://schemas.openxmlformats.org/presentationml/2006/main">
   <p:cSld>
     <p:spTree>
       <p:nvGrpSpPr>
@@ -13676,10 +13010,12 @@
       </p:grpSpPr>
       <p:sp>
         <p:nvSpPr>
-          <p:cNvPr id="1" name="Title 1"/>
-          <p:cNvSpPr/>
+          <p:cNvPr id="3" name="Title 1"/>
+          <p:cNvSpPr>
+            <a:spLocks noGrp="1"/>
+          </p:cNvSpPr>
           <p:nvPr>
-            <p:ph type="title" idx="0"/>
+            <p:ph type="title"/>
           </p:nvPr>
         </p:nvSpPr>
         <p:spPr/>
@@ -13688,7 +13024,6 @@
           <a:lstStyle/>
           <a:p>
             <a:r>
-              <a:rPr/>
               <a:t>Data</a:t>
             </a:r>
           </a:p>
@@ -13698,11 +13033,11 @@
         <p:nvGraphicFramePr>
           <p:cNvPr id="2" name="nvGraphicFrame 2"/>
           <p:cNvGraphicFramePr>
-            <a:graphicFrameLocks noGrp="true"/>
+            <a:graphicFrameLocks noGrp="1"/>
           </p:cNvGraphicFramePr>
           <p:nvPr/>
         </p:nvGraphicFramePr>
-        <p:xfrm rot="0">
+        <p:xfrm>
           <a:off x="677334" y="2160589"/>
           <a:ext cx="8596668" cy="3880773"/>
         </p:xfrm>
@@ -13711,10 +13046,34 @@
             <a:tbl>
               <a:tblPr/>
               <a:tblGrid>
-                <a:gridCol w="2149167"/>
-                <a:gridCol w="2149167"/>
-                <a:gridCol w="2149167"/>
-                <a:gridCol w="2149167"/>
+                <a:gridCol w="2149167">
+                  <a:extLst>
+                    <a:ext uri="{9D8B030D-6E8A-4147-A177-3AD203B41FA5}">
+                      <a16:colId xmlns:a16="http://schemas.microsoft.com/office/drawing/2014/main" val="20000"/>
+                    </a:ext>
+                  </a:extLst>
+                </a:gridCol>
+                <a:gridCol w="2149167">
+                  <a:extLst>
+                    <a:ext uri="{9D8B030D-6E8A-4147-A177-3AD203B41FA5}">
+                      <a16:colId xmlns:a16="http://schemas.microsoft.com/office/drawing/2014/main" val="20001"/>
+                    </a:ext>
+                  </a:extLst>
+                </a:gridCol>
+                <a:gridCol w="2149167">
+                  <a:extLst>
+                    <a:ext uri="{9D8B030D-6E8A-4147-A177-3AD203B41FA5}">
+                      <a16:colId xmlns:a16="http://schemas.microsoft.com/office/drawing/2014/main" val="20002"/>
+                    </a:ext>
+                  </a:extLst>
+                </a:gridCol>
+                <a:gridCol w="2149167">
+                  <a:extLst>
+                    <a:ext uri="{9D8B030D-6E8A-4147-A177-3AD203B41FA5}">
+                      <a16:colId xmlns:a16="http://schemas.microsoft.com/office/drawing/2014/main" val="20003"/>
+                    </a:ext>
+                  </a:extLst>
+                </a:gridCol>
               </a:tblGrid>
               <a:tr h="0">
                 <a:tc>
@@ -13732,7 +13091,7 @@
                         <a:buNone/>
                       </a:pPr>
                       <a:r>
-                        <a:rPr sz="1800" b="true">
+                        <a:rPr sz="1800" b="1">
                           <a:solidFill>
                             <a:srgbClr val="000000">
                               <a:alpha val="100000"/>
@@ -13799,7 +13158,7 @@
                         <a:buNone/>
                       </a:pPr>
                       <a:r>
-                        <a:rPr sz="1800" b="true">
+                        <a:rPr sz="1800" b="1">
                           <a:solidFill>
                             <a:srgbClr val="000000">
                               <a:alpha val="100000"/>
@@ -13866,7 +13225,7 @@
                         <a:buNone/>
                       </a:pPr>
                       <a:r>
-                        <a:rPr sz="1800" b="true">
+                        <a:rPr sz="1800" b="1">
                           <a:solidFill>
                             <a:srgbClr val="000000">
                               <a:alpha val="100000"/>
@@ -13933,7 +13292,7 @@
                         <a:buNone/>
                       </a:pPr>
                       <a:r>
-                        <a:rPr sz="1800" b="true">
+                        <a:rPr sz="1800" b="1">
                           <a:solidFill>
                             <a:srgbClr val="000000">
                               <a:alpha val="100000"/>
@@ -13985,6 +13344,11 @@
                     </a:solidFill>
                   </a:tcPr>
                 </a:tc>
+                <a:extLst>
+                  <a:ext uri="{0D108BD9-81ED-4DB2-BD59-A6C34878D82A}">
+                    <a16:rowId xmlns:a16="http://schemas.microsoft.com/office/drawing/2014/main" val="10000"/>
+                  </a:ext>
+                </a:extLst>
               </a:tr>
               <a:tr h="0">
                 <a:tc>
@@ -14001,19 +13365,6 @@
                         </a:spcAft>
                         <a:buNone/>
                       </a:pPr>
-                      <a:r>
-                        <a:rPr sz="1800">
-                          <a:solidFill>
-                            <a:srgbClr val="000000">
-                              <a:alpha val="100000"/>
-                            </a:srgbClr>
-                          </a:solidFill>
-                          <a:latin typeface="Arial"/>
-                          <a:ea typeface="Arial"/>
-                          <a:cs typeface="Arial"/>
-                        </a:rPr>
-                        <a:t/>
-                      </a:r>
                       <a:r>
                         <a:rPr sz="1800">
                           <a:solidFill>
@@ -14091,19 +13442,6 @@
                           <a:ea typeface="Arial"/>
                           <a:cs typeface="Arial"/>
                         </a:rPr>
-                        <a:t/>
-                      </a:r>
-                      <a:r>
-                        <a:rPr sz="1800">
-                          <a:solidFill>
-                            <a:srgbClr val="000000">
-                              <a:alpha val="100000"/>
-                            </a:srgbClr>
-                          </a:solidFill>
-                          <a:latin typeface="Arial"/>
-                          <a:ea typeface="Arial"/>
-                          <a:cs typeface="Arial"/>
-                        </a:rPr>
                         <a:t>   0.11</a:t>
                       </a:r>
                     </a:p>
@@ -14170,19 +13508,6 @@
                           <a:ea typeface="Arial"/>
                           <a:cs typeface="Arial"/>
                         </a:rPr>
-                        <a:t/>
-                      </a:r>
-                      <a:r>
-                        <a:rPr sz="1800">
-                          <a:solidFill>
-                            <a:srgbClr val="000000">
-                              <a:alpha val="100000"/>
-                            </a:srgbClr>
-                          </a:solidFill>
-                          <a:latin typeface="Arial"/>
-                          <a:ea typeface="Arial"/>
-                          <a:cs typeface="Arial"/>
-                        </a:rPr>
                         <a:t>0</a:t>
                       </a:r>
                     </a:p>
@@ -14249,19 +13574,6 @@
                           <a:ea typeface="Arial"/>
                           <a:cs typeface="Arial"/>
                         </a:rPr>
-                        <a:t/>
-                      </a:r>
-                      <a:r>
-                        <a:rPr sz="1800">
-                          <a:solidFill>
-                            <a:srgbClr val="000000">
-                              <a:alpha val="100000"/>
-                            </a:srgbClr>
-                          </a:solidFill>
-                          <a:latin typeface="Arial"/>
-                          <a:ea typeface="Arial"/>
-                          <a:cs typeface="Arial"/>
-                        </a:rPr>
                         <a:t>1</a:t>
                       </a:r>
                     </a:p>
@@ -14303,6 +13615,11 @@
                     </a:solidFill>
                   </a:tcPr>
                 </a:tc>
+                <a:extLst>
+                  <a:ext uri="{0D108BD9-81ED-4DB2-BD59-A6C34878D82A}">
+                    <a16:rowId xmlns:a16="http://schemas.microsoft.com/office/drawing/2014/main" val="10001"/>
+                  </a:ext>
+                </a:extLst>
               </a:tr>
               <a:tr h="0">
                 <a:tc>
@@ -14319,19 +13636,6 @@
                         </a:spcAft>
                         <a:buNone/>
                       </a:pPr>
-                      <a:r>
-                        <a:rPr sz="1800">
-                          <a:solidFill>
-                            <a:srgbClr val="000000">
-                              <a:alpha val="100000"/>
-                            </a:srgbClr>
-                          </a:solidFill>
-                          <a:latin typeface="Arial"/>
-                          <a:ea typeface="Arial"/>
-                          <a:cs typeface="Arial"/>
-                        </a:rPr>
-                        <a:t/>
-                      </a:r>
                       <a:r>
                         <a:rPr sz="1800">
                           <a:solidFill>
@@ -14408,19 +13712,6 @@
                           <a:ea typeface="Arial"/>
                           <a:cs typeface="Arial"/>
                         </a:rPr>
-                        <a:t/>
-                      </a:r>
-                      <a:r>
-                        <a:rPr sz="1800">
-                          <a:solidFill>
-                            <a:srgbClr val="000000">
-                              <a:alpha val="100000"/>
-                            </a:srgbClr>
-                          </a:solidFill>
-                          <a:latin typeface="Arial"/>
-                          <a:ea typeface="Arial"/>
-                          <a:cs typeface="Arial"/>
-                        </a:rPr>
                         <a:t>1111.11</a:t>
                       </a:r>
                     </a:p>
@@ -14486,19 +13777,6 @@
                           <a:ea typeface="Arial"/>
                           <a:cs typeface="Arial"/>
                         </a:rPr>
-                        <a:t/>
-                      </a:r>
-                      <a:r>
-                        <a:rPr sz="1800">
-                          <a:solidFill>
-                            <a:srgbClr val="000000">
-                              <a:alpha val="100000"/>
-                            </a:srgbClr>
-                          </a:solidFill>
-                          <a:latin typeface="Arial"/>
-                          <a:ea typeface="Arial"/>
-                          <a:cs typeface="Arial"/>
-                        </a:rPr>
                         <a:t>1</a:t>
                       </a:r>
                     </a:p>
@@ -14564,19 +13842,6 @@
                           <a:ea typeface="Arial"/>
                           <a:cs typeface="Arial"/>
                         </a:rPr>
-                        <a:t/>
-                      </a:r>
-                      <a:r>
-                        <a:rPr sz="1800">
-                          <a:solidFill>
-                            <a:srgbClr val="000000">
-                              <a:alpha val="100000"/>
-                            </a:srgbClr>
-                          </a:solidFill>
-                          <a:latin typeface="Arial"/>
-                          <a:ea typeface="Arial"/>
-                          <a:cs typeface="Arial"/>
-                        </a:rPr>
                         <a:t>0</a:t>
                       </a:r>
                     </a:p>
@@ -14617,6 +13882,11 @@
                     </a:solidFill>
                   </a:tcPr>
                 </a:tc>
+                <a:extLst>
+                  <a:ext uri="{0D108BD9-81ED-4DB2-BD59-A6C34878D82A}">
+                    <a16:rowId xmlns:a16="http://schemas.microsoft.com/office/drawing/2014/main" val="10002"/>
+                  </a:ext>
+                </a:extLst>
               </a:tr>
               <a:tr h="0">
                 <a:tc>
@@ -14633,19 +13903,6 @@
                         </a:spcAft>
                         <a:buNone/>
                       </a:pPr>
-                      <a:r>
-                        <a:rPr sz="1800">
-                          <a:solidFill>
-                            <a:srgbClr val="000000">
-                              <a:alpha val="100000"/>
-                            </a:srgbClr>
-                          </a:solidFill>
-                          <a:latin typeface="Arial"/>
-                          <a:ea typeface="Arial"/>
-                          <a:cs typeface="Arial"/>
-                        </a:rPr>
-                        <a:t/>
-                      </a:r>
                       <a:r>
                         <a:rPr sz="1800">
                           <a:solidFill>
@@ -14722,19 +13979,6 @@
                           <a:ea typeface="Arial"/>
                           <a:cs typeface="Arial"/>
                         </a:rPr>
-                        <a:t/>
-                      </a:r>
-                      <a:r>
-                        <a:rPr sz="1800">
-                          <a:solidFill>
-                            <a:srgbClr val="000000">
-                              <a:alpha val="100000"/>
-                            </a:srgbClr>
-                          </a:solidFill>
-                          <a:latin typeface="Arial"/>
-                          <a:ea typeface="Arial"/>
-                          <a:cs typeface="Arial"/>
-                        </a:rPr>
                         <a:t>   0.00</a:t>
                       </a:r>
                     </a:p>
@@ -14800,19 +14044,6 @@
                           <a:ea typeface="Arial"/>
                           <a:cs typeface="Arial"/>
                         </a:rPr>
-                        <a:t/>
-                      </a:r>
-                      <a:r>
-                        <a:rPr sz="1800">
-                          <a:solidFill>
-                            <a:srgbClr val="000000">
-                              <a:alpha val="100000"/>
-                            </a:srgbClr>
-                          </a:solidFill>
-                          <a:latin typeface="Arial"/>
-                          <a:ea typeface="Arial"/>
-                          <a:cs typeface="Arial"/>
-                        </a:rPr>
                         <a:t>0</a:t>
                       </a:r>
                     </a:p>
@@ -14878,19 +14109,6 @@
                           <a:ea typeface="Arial"/>
                           <a:cs typeface="Arial"/>
                         </a:rPr>
-                        <a:t/>
-                      </a:r>
-                      <a:r>
-                        <a:rPr sz="1800">
-                          <a:solidFill>
-                            <a:srgbClr val="000000">
-                              <a:alpha val="100000"/>
-                            </a:srgbClr>
-                          </a:solidFill>
-                          <a:latin typeface="Arial"/>
-                          <a:ea typeface="Arial"/>
-                          <a:cs typeface="Arial"/>
-                        </a:rPr>
                         <a:t>0</a:t>
                       </a:r>
                     </a:p>
@@ -14931,6 +14149,11 @@
                     </a:solidFill>
                   </a:tcPr>
                 </a:tc>
+                <a:extLst>
+                  <a:ext uri="{0D108BD9-81ED-4DB2-BD59-A6C34878D82A}">
+                    <a16:rowId xmlns:a16="http://schemas.microsoft.com/office/drawing/2014/main" val="10003"/>
+                  </a:ext>
+                </a:extLst>
               </a:tr>
               <a:tr h="0">
                 <a:tc>
@@ -14947,19 +14170,6 @@
                         </a:spcAft>
                         <a:buNone/>
                       </a:pPr>
-                      <a:r>
-                        <a:rPr sz="1800">
-                          <a:solidFill>
-                            <a:srgbClr val="000000">
-                              <a:alpha val="100000"/>
-                            </a:srgbClr>
-                          </a:solidFill>
-                          <a:latin typeface="Arial"/>
-                          <a:ea typeface="Arial"/>
-                          <a:cs typeface="Arial"/>
-                        </a:rPr>
-                        <a:t/>
-                      </a:r>
                       <a:r>
                         <a:rPr sz="1800">
                           <a:solidFill>
@@ -15036,19 +14246,6 @@
                           <a:ea typeface="Arial"/>
                           <a:cs typeface="Arial"/>
                         </a:rPr>
-                        <a:t/>
-                      </a:r>
-                      <a:r>
-                        <a:rPr sz="1800">
-                          <a:solidFill>
-                            <a:srgbClr val="000000">
-                              <a:alpha val="100000"/>
-                            </a:srgbClr>
-                          </a:solidFill>
-                          <a:latin typeface="Arial"/>
-                          <a:ea typeface="Arial"/>
-                          <a:cs typeface="Arial"/>
-                        </a:rPr>
                         <a:t>   0.00</a:t>
                       </a:r>
                     </a:p>
@@ -15114,19 +14311,6 @@
                           <a:ea typeface="Arial"/>
                           <a:cs typeface="Arial"/>
                         </a:rPr>
-                        <a:t/>
-                      </a:r>
-                      <a:r>
-                        <a:rPr sz="1800">
-                          <a:solidFill>
-                            <a:srgbClr val="000000">
-                              <a:alpha val="100000"/>
-                            </a:srgbClr>
-                          </a:solidFill>
-                          <a:latin typeface="Arial"/>
-                          <a:ea typeface="Arial"/>
-                          <a:cs typeface="Arial"/>
-                        </a:rPr>
                         <a:t>0</a:t>
                       </a:r>
                     </a:p>
@@ -15192,19 +14376,6 @@
                           <a:ea typeface="Arial"/>
                           <a:cs typeface="Arial"/>
                         </a:rPr>
-                        <a:t/>
-                      </a:r>
-                      <a:r>
-                        <a:rPr sz="1800">
-                          <a:solidFill>
-                            <a:srgbClr val="000000">
-                              <a:alpha val="100000"/>
-                            </a:srgbClr>
-                          </a:solidFill>
-                          <a:latin typeface="Arial"/>
-                          <a:ea typeface="Arial"/>
-                          <a:cs typeface="Arial"/>
-                        </a:rPr>
                         <a:t>0</a:t>
                       </a:r>
                     </a:p>
@@ -15245,6 +14416,11 @@
                     </a:solidFill>
                   </a:tcPr>
                 </a:tc>
+                <a:extLst>
+                  <a:ext uri="{0D108BD9-81ED-4DB2-BD59-A6C34878D82A}">
+                    <a16:rowId xmlns:a16="http://schemas.microsoft.com/office/drawing/2014/main" val="10004"/>
+                  </a:ext>
+                </a:extLst>
               </a:tr>
               <a:tr h="0">
                 <a:tc>
@@ -15261,19 +14437,6 @@
                         </a:spcAft>
                         <a:buNone/>
                       </a:pPr>
-                      <a:r>
-                        <a:rPr sz="1800">
-                          <a:solidFill>
-                            <a:srgbClr val="000000">
-                              <a:alpha val="100000"/>
-                            </a:srgbClr>
-                          </a:solidFill>
-                          <a:latin typeface="Arial"/>
-                          <a:ea typeface="Arial"/>
-                          <a:cs typeface="Arial"/>
-                        </a:rPr>
-                        <a:t/>
-                      </a:r>
                       <a:r>
                         <a:rPr sz="1800">
                           <a:solidFill>
@@ -15350,19 +14513,6 @@
                           <a:ea typeface="Arial"/>
                           <a:cs typeface="Arial"/>
                         </a:rPr>
-                        <a:t/>
-                      </a:r>
-                      <a:r>
-                        <a:rPr sz="1800">
-                          <a:solidFill>
-                            <a:srgbClr val="000000">
-                              <a:alpha val="100000"/>
-                            </a:srgbClr>
-                          </a:solidFill>
-                          <a:latin typeface="Arial"/>
-                          <a:ea typeface="Arial"/>
-                          <a:cs typeface="Arial"/>
-                        </a:rPr>
                         <a:t>   0.00</a:t>
                       </a:r>
                     </a:p>
@@ -15428,19 +14578,6 @@
                           <a:ea typeface="Arial"/>
                           <a:cs typeface="Arial"/>
                         </a:rPr>
-                        <a:t/>
-                      </a:r>
-                      <a:r>
-                        <a:rPr sz="1800">
-                          <a:solidFill>
-                            <a:srgbClr val="000000">
-                              <a:alpha val="100000"/>
-                            </a:srgbClr>
-                          </a:solidFill>
-                          <a:latin typeface="Arial"/>
-                          <a:ea typeface="Arial"/>
-                          <a:cs typeface="Arial"/>
-                        </a:rPr>
                         <a:t>0</a:t>
                       </a:r>
                     </a:p>
@@ -15506,19 +14643,6 @@
                           <a:ea typeface="Arial"/>
                           <a:cs typeface="Arial"/>
                         </a:rPr>
-                        <a:t/>
-                      </a:r>
-                      <a:r>
-                        <a:rPr sz="1800">
-                          <a:solidFill>
-                            <a:srgbClr val="000000">
-                              <a:alpha val="100000"/>
-                            </a:srgbClr>
-                          </a:solidFill>
-                          <a:latin typeface="Arial"/>
-                          <a:ea typeface="Arial"/>
-                          <a:cs typeface="Arial"/>
-                        </a:rPr>
                         <a:t>1</a:t>
                       </a:r>
                     </a:p>
@@ -15559,6 +14683,11 @@
                     </a:solidFill>
                   </a:tcPr>
                 </a:tc>
+                <a:extLst>
+                  <a:ext uri="{0D108BD9-81ED-4DB2-BD59-A6C34878D82A}">
+                    <a16:rowId xmlns:a16="http://schemas.microsoft.com/office/drawing/2014/main" val="10005"/>
+                  </a:ext>
+                </a:extLst>
               </a:tr>
               <a:tr h="0">
                 <a:tc>
@@ -15575,19 +14704,6 @@
                         </a:spcAft>
                         <a:buNone/>
                       </a:pPr>
-                      <a:r>
-                        <a:rPr sz="1800">
-                          <a:solidFill>
-                            <a:srgbClr val="000000">
-                              <a:alpha val="100000"/>
-                            </a:srgbClr>
-                          </a:solidFill>
-                          <a:latin typeface="Arial"/>
-                          <a:ea typeface="Arial"/>
-                          <a:cs typeface="Arial"/>
-                        </a:rPr>
-                        <a:t/>
-                      </a:r>
                       <a:r>
                         <a:rPr sz="1800">
                           <a:solidFill>
@@ -15664,19 +14780,6 @@
                           <a:ea typeface="Arial"/>
                           <a:cs typeface="Arial"/>
                         </a:rPr>
-                        <a:t/>
-                      </a:r>
-                      <a:r>
-                        <a:rPr sz="1800">
-                          <a:solidFill>
-                            <a:srgbClr val="000000">
-                              <a:alpha val="100000"/>
-                            </a:srgbClr>
-                          </a:solidFill>
-                          <a:latin typeface="Arial"/>
-                          <a:ea typeface="Arial"/>
-                          <a:cs typeface="Arial"/>
-                        </a:rPr>
                         <a:t>1111.11</a:t>
                       </a:r>
                     </a:p>
@@ -15742,19 +14845,6 @@
                           <a:ea typeface="Arial"/>
                           <a:cs typeface="Arial"/>
                         </a:rPr>
-                        <a:t/>
-                      </a:r>
-                      <a:r>
-                        <a:rPr sz="1800">
-                          <a:solidFill>
-                            <a:srgbClr val="000000">
-                              <a:alpha val="100000"/>
-                            </a:srgbClr>
-                          </a:solidFill>
-                          <a:latin typeface="Arial"/>
-                          <a:ea typeface="Arial"/>
-                          <a:cs typeface="Arial"/>
-                        </a:rPr>
                         <a:t>1</a:t>
                       </a:r>
                     </a:p>
@@ -15820,19 +14910,6 @@
                           <a:ea typeface="Arial"/>
                           <a:cs typeface="Arial"/>
                         </a:rPr>
-                        <a:t/>
-                      </a:r>
-                      <a:r>
-                        <a:rPr sz="1800">
-                          <a:solidFill>
-                            <a:srgbClr val="000000">
-                              <a:alpha val="100000"/>
-                            </a:srgbClr>
-                          </a:solidFill>
-                          <a:latin typeface="Arial"/>
-                          <a:ea typeface="Arial"/>
-                          <a:cs typeface="Arial"/>
-                        </a:rPr>
                         <a:t>0</a:t>
                       </a:r>
                     </a:p>
@@ -15873,6 +14950,11 @@
                     </a:solidFill>
                   </a:tcPr>
                 </a:tc>
+                <a:extLst>
+                  <a:ext uri="{0D108BD9-81ED-4DB2-BD59-A6C34878D82A}">
+                    <a16:rowId xmlns:a16="http://schemas.microsoft.com/office/drawing/2014/main" val="10006"/>
+                  </a:ext>
+                </a:extLst>
               </a:tr>
               <a:tr h="0">
                 <a:tc>
@@ -15889,19 +14971,6 @@
                         </a:spcAft>
                         <a:buNone/>
                       </a:pPr>
-                      <a:r>
-                        <a:rPr sz="1800">
-                          <a:solidFill>
-                            <a:srgbClr val="000000">
-                              <a:alpha val="100000"/>
-                            </a:srgbClr>
-                          </a:solidFill>
-                          <a:latin typeface="Arial"/>
-                          <a:ea typeface="Arial"/>
-                          <a:cs typeface="Arial"/>
-                        </a:rPr>
-                        <a:t/>
-                      </a:r>
                       <a:r>
                         <a:rPr sz="1800">
                           <a:solidFill>
@@ -15978,19 +15047,6 @@
                           <a:ea typeface="Arial"/>
                           <a:cs typeface="Arial"/>
                         </a:rPr>
-                        <a:t/>
-                      </a:r>
-                      <a:r>
-                        <a:rPr sz="1800">
-                          <a:solidFill>
-                            <a:srgbClr val="000000">
-                              <a:alpha val="100000"/>
-                            </a:srgbClr>
-                          </a:solidFill>
-                          <a:latin typeface="Arial"/>
-                          <a:ea typeface="Arial"/>
-                          <a:cs typeface="Arial"/>
-                        </a:rPr>
                         <a:t>1111.11</a:t>
                       </a:r>
                     </a:p>
@@ -16056,19 +15112,6 @@
                           <a:ea typeface="Arial"/>
                           <a:cs typeface="Arial"/>
                         </a:rPr>
-                        <a:t/>
-                      </a:r>
-                      <a:r>
-                        <a:rPr sz="1800">
-                          <a:solidFill>
-                            <a:srgbClr val="000000">
-                              <a:alpha val="100000"/>
-                            </a:srgbClr>
-                          </a:solidFill>
-                          <a:latin typeface="Arial"/>
-                          <a:ea typeface="Arial"/>
-                          <a:cs typeface="Arial"/>
-                        </a:rPr>
                         <a:t>1</a:t>
                       </a:r>
                     </a:p>
@@ -16134,19 +15177,6 @@
                           <a:ea typeface="Arial"/>
                           <a:cs typeface="Arial"/>
                         </a:rPr>
-                        <a:t/>
-                      </a:r>
-                      <a:r>
-                        <a:rPr sz="1800">
-                          <a:solidFill>
-                            <a:srgbClr val="000000">
-                              <a:alpha val="100000"/>
-                            </a:srgbClr>
-                          </a:solidFill>
-                          <a:latin typeface="Arial"/>
-                          <a:ea typeface="Arial"/>
-                          <a:cs typeface="Arial"/>
-                        </a:rPr>
                         <a:t>0</a:t>
                       </a:r>
                     </a:p>
@@ -16187,6 +15217,11 @@
                     </a:solidFill>
                   </a:tcPr>
                 </a:tc>
+                <a:extLst>
+                  <a:ext uri="{0D108BD9-81ED-4DB2-BD59-A6C34878D82A}">
+                    <a16:rowId xmlns:a16="http://schemas.microsoft.com/office/drawing/2014/main" val="10007"/>
+                  </a:ext>
+                </a:extLst>
               </a:tr>
               <a:tr h="0">
                 <a:tc>
@@ -16203,19 +15238,6 @@
                         </a:spcAft>
                         <a:buNone/>
                       </a:pPr>
-                      <a:r>
-                        <a:rPr sz="1800">
-                          <a:solidFill>
-                            <a:srgbClr val="000000">
-                              <a:alpha val="100000"/>
-                            </a:srgbClr>
-                          </a:solidFill>
-                          <a:latin typeface="Arial"/>
-                          <a:ea typeface="Arial"/>
-                          <a:cs typeface="Arial"/>
-                        </a:rPr>
-                        <a:t/>
-                      </a:r>
                       <a:r>
                         <a:rPr sz="1800">
                           <a:solidFill>
@@ -16292,19 +15314,6 @@
                           <a:ea typeface="Arial"/>
                           <a:cs typeface="Arial"/>
                         </a:rPr>
-                        <a:t/>
-                      </a:r>
-                      <a:r>
-                        <a:rPr sz="1800">
-                          <a:solidFill>
-                            <a:srgbClr val="000000">
-                              <a:alpha val="100000"/>
-                            </a:srgbClr>
-                          </a:solidFill>
-                          <a:latin typeface="Arial"/>
-                          <a:ea typeface="Arial"/>
-                          <a:cs typeface="Arial"/>
-                        </a:rPr>
                         <a:t>1111.11</a:t>
                       </a:r>
                     </a:p>
@@ -16370,19 +15379,6 @@
                           <a:ea typeface="Arial"/>
                           <a:cs typeface="Arial"/>
                         </a:rPr>
-                        <a:t/>
-                      </a:r>
-                      <a:r>
-                        <a:rPr sz="1800">
-                          <a:solidFill>
-                            <a:srgbClr val="000000">
-                              <a:alpha val="100000"/>
-                            </a:srgbClr>
-                          </a:solidFill>
-                          <a:latin typeface="Arial"/>
-                          <a:ea typeface="Arial"/>
-                          <a:cs typeface="Arial"/>
-                        </a:rPr>
                         <a:t>1</a:t>
                       </a:r>
                     </a:p>
@@ -16448,19 +15444,6 @@
                           <a:ea typeface="Arial"/>
                           <a:cs typeface="Arial"/>
                         </a:rPr>
-                        <a:t/>
-                      </a:r>
-                      <a:r>
-                        <a:rPr sz="1800">
-                          <a:solidFill>
-                            <a:srgbClr val="000000">
-                              <a:alpha val="100000"/>
-                            </a:srgbClr>
-                          </a:solidFill>
-                          <a:latin typeface="Arial"/>
-                          <a:ea typeface="Arial"/>
-                          <a:cs typeface="Arial"/>
-                        </a:rPr>
                         <a:t>0</a:t>
                       </a:r>
                     </a:p>
@@ -16501,6 +15484,11 @@
                     </a:solidFill>
                   </a:tcPr>
                 </a:tc>
+                <a:extLst>
+                  <a:ext uri="{0D108BD9-81ED-4DB2-BD59-A6C34878D82A}">
+                    <a16:rowId xmlns:a16="http://schemas.microsoft.com/office/drawing/2014/main" val="10008"/>
+                  </a:ext>
+                </a:extLst>
               </a:tr>
               <a:tr h="0">
                 <a:tc>
@@ -16517,19 +15505,6 @@
                         </a:spcAft>
                         <a:buNone/>
                       </a:pPr>
-                      <a:r>
-                        <a:rPr sz="1800">
-                          <a:solidFill>
-                            <a:srgbClr val="000000">
-                              <a:alpha val="100000"/>
-                            </a:srgbClr>
-                          </a:solidFill>
-                          <a:latin typeface="Arial"/>
-                          <a:ea typeface="Arial"/>
-                          <a:cs typeface="Arial"/>
-                        </a:rPr>
-                        <a:t/>
-                      </a:r>
                       <a:r>
                         <a:rPr sz="1800">
                           <a:solidFill>
@@ -16606,19 +15581,6 @@
                           <a:ea typeface="Arial"/>
                           <a:cs typeface="Arial"/>
                         </a:rPr>
-                        <a:t/>
-                      </a:r>
-                      <a:r>
-                        <a:rPr sz="1800">
-                          <a:solidFill>
-                            <a:srgbClr val="000000">
-                              <a:alpha val="100000"/>
-                            </a:srgbClr>
-                          </a:solidFill>
-                          <a:latin typeface="Arial"/>
-                          <a:ea typeface="Arial"/>
-                          <a:cs typeface="Arial"/>
-                        </a:rPr>
                         <a:t>1111.11</a:t>
                       </a:r>
                     </a:p>
@@ -16684,19 +15646,6 @@
                           <a:ea typeface="Arial"/>
                           <a:cs typeface="Arial"/>
                         </a:rPr>
-                        <a:t/>
-                      </a:r>
-                      <a:r>
-                        <a:rPr sz="1800">
-                          <a:solidFill>
-                            <a:srgbClr val="000000">
-                              <a:alpha val="100000"/>
-                            </a:srgbClr>
-                          </a:solidFill>
-                          <a:latin typeface="Arial"/>
-                          <a:ea typeface="Arial"/>
-                          <a:cs typeface="Arial"/>
-                        </a:rPr>
                         <a:t>0</a:t>
                       </a:r>
                     </a:p>
@@ -16762,19 +15711,6 @@
                           <a:ea typeface="Arial"/>
                           <a:cs typeface="Arial"/>
                         </a:rPr>
-                        <a:t/>
-                      </a:r>
-                      <a:r>
-                        <a:rPr sz="1800">
-                          <a:solidFill>
-                            <a:srgbClr val="000000">
-                              <a:alpha val="100000"/>
-                            </a:srgbClr>
-                          </a:solidFill>
-                          <a:latin typeface="Arial"/>
-                          <a:ea typeface="Arial"/>
-                          <a:cs typeface="Arial"/>
-                        </a:rPr>
                         <a:t>0</a:t>
                       </a:r>
                     </a:p>
@@ -16815,6 +15751,11 @@
                     </a:solidFill>
                   </a:tcPr>
                 </a:tc>
+                <a:extLst>
+                  <a:ext uri="{0D108BD9-81ED-4DB2-BD59-A6C34878D82A}">
+                    <a16:rowId xmlns:a16="http://schemas.microsoft.com/office/drawing/2014/main" val="10009"/>
+                  </a:ext>
+                </a:extLst>
               </a:tr>
               <a:tr h="0">
                 <a:tc>
@@ -16831,19 +15772,6 @@
                         </a:spcAft>
                         <a:buNone/>
                       </a:pPr>
-                      <a:r>
-                        <a:rPr sz="1800">
-                          <a:solidFill>
-                            <a:srgbClr val="000000">
-                              <a:alpha val="100000"/>
-                            </a:srgbClr>
-                          </a:solidFill>
-                          <a:latin typeface="Arial"/>
-                          <a:ea typeface="Arial"/>
-                          <a:cs typeface="Arial"/>
-                        </a:rPr>
-                        <a:t/>
-                      </a:r>
                       <a:r>
                         <a:rPr sz="1800">
                           <a:solidFill>
@@ -16921,19 +15849,6 @@
                           <a:ea typeface="Arial"/>
                           <a:cs typeface="Arial"/>
                         </a:rPr>
-                        <a:t/>
-                      </a:r>
-                      <a:r>
-                        <a:rPr sz="1800">
-                          <a:solidFill>
-                            <a:srgbClr val="000000">
-                              <a:alpha val="100000"/>
-                            </a:srgbClr>
-                          </a:solidFill>
-                          <a:latin typeface="Arial"/>
-                          <a:ea typeface="Arial"/>
-                          <a:cs typeface="Arial"/>
-                        </a:rPr>
                         <a:t>1111.00</a:t>
                       </a:r>
                     </a:p>
@@ -17000,19 +15915,6 @@
                           <a:ea typeface="Arial"/>
                           <a:cs typeface="Arial"/>
                         </a:rPr>
-                        <a:t/>
-                      </a:r>
-                      <a:r>
-                        <a:rPr sz="1800">
-                          <a:solidFill>
-                            <a:srgbClr val="000000">
-                              <a:alpha val="100000"/>
-                            </a:srgbClr>
-                          </a:solidFill>
-                          <a:latin typeface="Arial"/>
-                          <a:ea typeface="Arial"/>
-                          <a:cs typeface="Arial"/>
-                        </a:rPr>
                         <a:t>0</a:t>
                       </a:r>
                     </a:p>
@@ -17079,19 +15981,6 @@
                           <a:ea typeface="Arial"/>
                           <a:cs typeface="Arial"/>
                         </a:rPr>
-                        <a:t/>
-                      </a:r>
-                      <a:r>
-                        <a:rPr sz="1800">
-                          <a:solidFill>
-                            <a:srgbClr val="000000">
-                              <a:alpha val="100000"/>
-                            </a:srgbClr>
-                          </a:solidFill>
-                          <a:latin typeface="Arial"/>
-                          <a:ea typeface="Arial"/>
-                          <a:cs typeface="Arial"/>
-                        </a:rPr>
                         <a:t>0</a:t>
                       </a:r>
                     </a:p>
@@ -17133,6 +16022,11 @@
                     </a:solidFill>
                   </a:tcPr>
                 </a:tc>
+                <a:extLst>
+                  <a:ext uri="{0D108BD9-81ED-4DB2-BD59-A6C34878D82A}">
+                    <a16:rowId xmlns:a16="http://schemas.microsoft.com/office/drawing/2014/main" val="10010"/>
+                  </a:ext>
+                </a:extLst>
               </a:tr>
             </a:tbl>
           </a:graphicData>
@@ -17140,11 +16034,14 @@
       </p:graphicFrame>
     </p:spTree>
   </p:cSld>
+  <p:clrMapOvr>
+    <a:masterClrMapping/>
+  </p:clrMapOvr>
 </p:sld>
 </file>
 
 <file path=ppt/slides/slide6.xml><?xml version="1.0" encoding="utf-8"?>
-<p:sld xmlns:a="http://schemas.openxmlformats.org/drawingml/2006/main" xmlns:r="http://schemas.openxmlformats.org/officeDocument/2006/relationships" xmlns:p="http://schemas.openxmlformats.org/presentationml/2006/main" xmlns:mc="http://schemas.openxmlformats.org/markup-compatibility/2006" xmlns:c="http://schemas.openxmlformats.org/drawingml/2006/chart" xmlns:ns6="http://schemas.openxmlformats.org/drawingml/2006/chartDrawing" xmlns:dgm="http://schemas.openxmlformats.org/drawingml/2006/diagram" xmlns:pic="http://schemas.openxmlformats.org/drawingml/2006/picture" xmlns:wp="http://schemas.openxmlformats.org/drawingml/2006/wordprocessingDrawing" xmlns:xdr="http://schemas.openxmlformats.org/drawingml/2006/spreadsheetDrawing" xmlns:ns11="http://schemas.openxmlformats.org/drawingml/2006/compatibility" xmlns:ns12="http://schemas.openxmlformats.org/drawingml/2006/lockedCanvas">
+<p:sld xmlns:a="http://schemas.openxmlformats.org/drawingml/2006/main" xmlns:r="http://schemas.openxmlformats.org/officeDocument/2006/relationships" xmlns:p="http://schemas.openxmlformats.org/presentationml/2006/main">
   <p:cSld>
     <p:spTree>
       <p:nvGrpSpPr>
@@ -17162,10 +16059,12 @@
       </p:grpSpPr>
       <p:sp>
         <p:nvSpPr>
-          <p:cNvPr id="1" name="Title 1"/>
-          <p:cNvSpPr/>
+          <p:cNvPr id="3" name="Title 1"/>
+          <p:cNvSpPr>
+            <a:spLocks noGrp="1"/>
+          </p:cNvSpPr>
           <p:nvPr>
-            <p:ph type="title" idx="0"/>
+            <p:ph type="title"/>
           </p:nvPr>
         </p:nvSpPr>
         <p:spPr/>
@@ -17174,7 +16073,6 @@
           <a:lstStyle/>
           <a:p>
             <a:r>
-              <a:rPr/>
               <a:t>EDA (GPA): Double Density Plot</a:t>
             </a:r>
           </a:p>
@@ -17226,7 +16124,9 @@
           <p:txBody>
             <a:bodyPr/>
             <a:lstStyle/>
-            <a:p/>
+            <a:p>
+              <a:endParaRPr/>
+            </a:p>
           </p:txBody>
         </p:sp>
         <p:sp>
@@ -17252,7 +16152,9 @@
           <p:txBody>
             <a:bodyPr/>
             <a:lstStyle/>
-            <a:p/>
+            <a:p>
+              <a:endParaRPr/>
+            </a:p>
           </p:txBody>
         </p:sp>
         <p:sp>
@@ -17268,8 +16170,12 @@
             </a:xfrm>
             <a:custGeom>
               <a:avLst/>
+              <a:gdLst/>
+              <a:ahLst/>
+              <a:cxnLst/>
+              <a:rect l="0" t="0" r="0" b="0"/>
               <a:pathLst>
-                <a:path w="7495199" h="0">
+                <a:path w="7495199">
                   <a:moveTo>
                     <a:pt x="0" y="0"/>
                   </a:moveTo>
@@ -17295,7 +16201,9 @@
           <p:txBody>
             <a:bodyPr/>
             <a:lstStyle/>
-            <a:p/>
+            <a:p>
+              <a:endParaRPr/>
+            </a:p>
           </p:txBody>
         </p:sp>
         <p:sp>
@@ -17311,8 +16219,12 @@
             </a:xfrm>
             <a:custGeom>
               <a:avLst/>
+              <a:gdLst/>
+              <a:ahLst/>
+              <a:cxnLst/>
+              <a:rect l="0" t="0" r="0" b="0"/>
               <a:pathLst>
-                <a:path w="7495199" h="0">
+                <a:path w="7495199">
                   <a:moveTo>
                     <a:pt x="0" y="0"/>
                   </a:moveTo>
@@ -17338,7 +16250,9 @@
           <p:txBody>
             <a:bodyPr/>
             <a:lstStyle/>
-            <a:p/>
+            <a:p>
+              <a:endParaRPr/>
+            </a:p>
           </p:txBody>
         </p:sp>
         <p:sp>
@@ -17354,8 +16268,12 @@
             </a:xfrm>
             <a:custGeom>
               <a:avLst/>
+              <a:gdLst/>
+              <a:ahLst/>
+              <a:cxnLst/>
+              <a:rect l="0" t="0" r="0" b="0"/>
               <a:pathLst>
-                <a:path w="7495199" h="0">
+                <a:path w="7495199">
                   <a:moveTo>
                     <a:pt x="0" y="0"/>
                   </a:moveTo>
@@ -17381,7 +16299,9 @@
           <p:txBody>
             <a:bodyPr/>
             <a:lstStyle/>
-            <a:p/>
+            <a:p>
+              <a:endParaRPr/>
+            </a:p>
           </p:txBody>
         </p:sp>
         <p:sp>
@@ -17397,8 +16317,12 @@
             </a:xfrm>
             <a:custGeom>
               <a:avLst/>
+              <a:gdLst/>
+              <a:ahLst/>
+              <a:cxnLst/>
+              <a:rect l="0" t="0" r="0" b="0"/>
               <a:pathLst>
-                <a:path w="0" h="3424035">
+                <a:path h="3424035">
                   <a:moveTo>
                     <a:pt x="0" y="3424035"/>
                   </a:moveTo>
@@ -17424,7 +16348,9 @@
           <p:txBody>
             <a:bodyPr/>
             <a:lstStyle/>
-            <a:p/>
+            <a:p>
+              <a:endParaRPr/>
+            </a:p>
           </p:txBody>
         </p:sp>
         <p:sp>
@@ -17440,8 +16366,12 @@
             </a:xfrm>
             <a:custGeom>
               <a:avLst/>
+              <a:gdLst/>
+              <a:ahLst/>
+              <a:cxnLst/>
+              <a:rect l="0" t="0" r="0" b="0"/>
               <a:pathLst>
-                <a:path w="0" h="3424035">
+                <a:path h="3424035">
                   <a:moveTo>
                     <a:pt x="0" y="3424035"/>
                   </a:moveTo>
@@ -17467,7 +16397,9 @@
           <p:txBody>
             <a:bodyPr/>
             <a:lstStyle/>
-            <a:p/>
+            <a:p>
+              <a:endParaRPr/>
+            </a:p>
           </p:txBody>
         </p:sp>
         <p:sp>
@@ -17483,8 +16415,12 @@
             </a:xfrm>
             <a:custGeom>
               <a:avLst/>
+              <a:gdLst/>
+              <a:ahLst/>
+              <a:cxnLst/>
+              <a:rect l="0" t="0" r="0" b="0"/>
               <a:pathLst>
-                <a:path w="0" h="3424035">
+                <a:path h="3424035">
                   <a:moveTo>
                     <a:pt x="0" y="3424035"/>
                   </a:moveTo>
@@ -17510,7 +16446,9 @@
           <p:txBody>
             <a:bodyPr/>
             <a:lstStyle/>
-            <a:p/>
+            <a:p>
+              <a:endParaRPr/>
+            </a:p>
           </p:txBody>
         </p:sp>
         <p:sp>
@@ -17526,8 +16464,12 @@
             </a:xfrm>
             <a:custGeom>
               <a:avLst/>
+              <a:gdLst/>
+              <a:ahLst/>
+              <a:cxnLst/>
+              <a:rect l="0" t="0" r="0" b="0"/>
               <a:pathLst>
-                <a:path w="7495199" h="0">
+                <a:path w="7495199">
                   <a:moveTo>
                     <a:pt x="0" y="0"/>
                   </a:moveTo>
@@ -17553,7 +16495,9 @@
           <p:txBody>
             <a:bodyPr/>
             <a:lstStyle/>
-            <a:p/>
+            <a:p>
+              <a:endParaRPr/>
+            </a:p>
           </p:txBody>
         </p:sp>
         <p:sp>
@@ -17569,8 +16513,12 @@
             </a:xfrm>
             <a:custGeom>
               <a:avLst/>
+              <a:gdLst/>
+              <a:ahLst/>
+              <a:cxnLst/>
+              <a:rect l="0" t="0" r="0" b="0"/>
               <a:pathLst>
-                <a:path w="7495199" h="0">
+                <a:path w="7495199">
                   <a:moveTo>
                     <a:pt x="0" y="0"/>
                   </a:moveTo>
@@ -17596,7 +16544,9 @@
           <p:txBody>
             <a:bodyPr/>
             <a:lstStyle/>
-            <a:p/>
+            <a:p>
+              <a:endParaRPr/>
+            </a:p>
           </p:txBody>
         </p:sp>
         <p:sp>
@@ -17612,8 +16562,12 @@
             </a:xfrm>
             <a:custGeom>
               <a:avLst/>
+              <a:gdLst/>
+              <a:ahLst/>
+              <a:cxnLst/>
+              <a:rect l="0" t="0" r="0" b="0"/>
               <a:pathLst>
-                <a:path w="7495199" h="0">
+                <a:path w="7495199">
                   <a:moveTo>
                     <a:pt x="0" y="0"/>
                   </a:moveTo>
@@ -17639,7 +16593,9 @@
           <p:txBody>
             <a:bodyPr/>
             <a:lstStyle/>
-            <a:p/>
+            <a:p>
+              <a:endParaRPr/>
+            </a:p>
           </p:txBody>
         </p:sp>
         <p:sp>
@@ -17655,8 +16611,12 @@
             </a:xfrm>
             <a:custGeom>
               <a:avLst/>
+              <a:gdLst/>
+              <a:ahLst/>
+              <a:cxnLst/>
+              <a:rect l="0" t="0" r="0" b="0"/>
               <a:pathLst>
-                <a:path w="0" h="3424035">
+                <a:path h="3424035">
                   <a:moveTo>
                     <a:pt x="0" y="3424035"/>
                   </a:moveTo>
@@ -17682,7 +16642,9 @@
           <p:txBody>
             <a:bodyPr/>
             <a:lstStyle/>
-            <a:p/>
+            <a:p>
+              <a:endParaRPr/>
+            </a:p>
           </p:txBody>
         </p:sp>
         <p:sp>
@@ -17698,8 +16660,12 @@
             </a:xfrm>
             <a:custGeom>
               <a:avLst/>
+              <a:gdLst/>
+              <a:ahLst/>
+              <a:cxnLst/>
+              <a:rect l="0" t="0" r="0" b="0"/>
               <a:pathLst>
-                <a:path w="0" h="3424035">
+                <a:path h="3424035">
                   <a:moveTo>
                     <a:pt x="0" y="3424035"/>
                   </a:moveTo>
@@ -17725,7 +16691,9 @@
           <p:txBody>
             <a:bodyPr/>
             <a:lstStyle/>
-            <a:p/>
+            <a:p>
+              <a:endParaRPr/>
+            </a:p>
           </p:txBody>
         </p:sp>
         <p:sp>
@@ -17741,8 +16709,12 @@
             </a:xfrm>
             <a:custGeom>
               <a:avLst/>
+              <a:gdLst/>
+              <a:ahLst/>
+              <a:cxnLst/>
+              <a:rect l="0" t="0" r="0" b="0"/>
               <a:pathLst>
-                <a:path w="0" h="3424035">
+                <a:path h="3424035">
                   <a:moveTo>
                     <a:pt x="0" y="3424035"/>
                   </a:moveTo>
@@ -17768,7 +16740,9 @@
           <p:txBody>
             <a:bodyPr/>
             <a:lstStyle/>
-            <a:p/>
+            <a:p>
+              <a:endParaRPr/>
+            </a:p>
           </p:txBody>
         </p:sp>
         <p:sp>
@@ -17784,8 +16758,12 @@
             </a:xfrm>
             <a:custGeom>
               <a:avLst/>
+              <a:gdLst/>
+              <a:ahLst/>
+              <a:cxnLst/>
+              <a:rect l="0" t="0" r="0" b="0"/>
               <a:pathLst>
-                <a:path w="0" h="3424035">
+                <a:path h="3424035">
                   <a:moveTo>
                     <a:pt x="0" y="3424035"/>
                   </a:moveTo>
@@ -17811,7 +16789,9 @@
           <p:txBody>
             <a:bodyPr/>
             <a:lstStyle/>
-            <a:p/>
+            <a:p>
+              <a:endParaRPr/>
+            </a:p>
           </p:txBody>
         </p:sp>
         <p:sp>
@@ -17827,6 +16807,10 @@
             </a:xfrm>
             <a:custGeom>
               <a:avLst/>
+              <a:gdLst/>
+              <a:ahLst/>
+              <a:cxnLst/>
+              <a:rect l="0" t="0" r="0" b="0"/>
               <a:pathLst>
                 <a:path w="6813817" h="1767720">
                   <a:moveTo>
@@ -20920,7 +19904,9 @@
           <p:txBody>
             <a:bodyPr/>
             <a:lstStyle/>
-            <a:p/>
+            <a:p>
+              <a:endParaRPr/>
+            </a:p>
           </p:txBody>
         </p:sp>
         <p:sp>
@@ -20936,6 +19922,10 @@
             </a:xfrm>
             <a:custGeom>
               <a:avLst/>
+              <a:gdLst/>
+              <a:ahLst/>
+              <a:cxnLst/>
+              <a:rect l="0" t="0" r="0" b="0"/>
               <a:pathLst>
                 <a:path w="6813817" h="3112759">
                   <a:moveTo>
@@ -24031,7 +23021,9 @@
           <p:txBody>
             <a:bodyPr/>
             <a:lstStyle/>
-            <a:p/>
+            <a:p>
+              <a:endParaRPr/>
+            </a:p>
           </p:txBody>
         </p:sp>
         <p:sp>
@@ -24051,7 +23043,7 @@
             <a:noFill/>
           </p:spPr>
           <p:txBody>
-            <a:bodyPr wrap="none" lIns="0" tIns="0" rIns="0" bIns="0" anchor="ctr" anchorCtr="true"/>
+            <a:bodyPr wrap="none" lIns="0" tIns="0" rIns="0" bIns="0" anchor="ctr" anchorCtr="1"/>
             <a:lstStyle/>
             <a:p>
               <a:pPr marL="0" marR="0" indent="0" algn="l">
@@ -24097,7 +23089,7 @@
             <a:noFill/>
           </p:spPr>
           <p:txBody>
-            <a:bodyPr wrap="none" lIns="0" tIns="0" rIns="0" bIns="0" anchor="ctr" anchorCtr="true"/>
+            <a:bodyPr wrap="none" lIns="0" tIns="0" rIns="0" bIns="0" anchor="ctr" anchorCtr="1"/>
             <a:lstStyle/>
             <a:p>
               <a:pPr marL="0" marR="0" indent="0" algn="l">
@@ -24143,7 +23135,7 @@
             <a:noFill/>
           </p:spPr>
           <p:txBody>
-            <a:bodyPr wrap="none" lIns="0" tIns="0" rIns="0" bIns="0" anchor="ctr" anchorCtr="true"/>
+            <a:bodyPr wrap="none" lIns="0" tIns="0" rIns="0" bIns="0" anchor="ctr" anchorCtr="1"/>
             <a:lstStyle/>
             <a:p>
               <a:pPr marL="0" marR="0" indent="0" algn="l">
@@ -24185,8 +23177,12 @@
             </a:xfrm>
             <a:custGeom>
               <a:avLst/>
+              <a:gdLst/>
+              <a:ahLst/>
+              <a:cxnLst/>
+              <a:rect l="0" t="0" r="0" b="0"/>
               <a:pathLst>
-                <a:path w="34794" h="0">
+                <a:path w="34794">
                   <a:moveTo>
                     <a:pt x="0" y="0"/>
                   </a:moveTo>
@@ -24209,7 +23205,9 @@
           <p:txBody>
             <a:bodyPr/>
             <a:lstStyle/>
-            <a:p/>
+            <a:p>
+              <a:endParaRPr/>
+            </a:p>
           </p:txBody>
         </p:sp>
         <p:sp>
@@ -24225,8 +23223,12 @@
             </a:xfrm>
             <a:custGeom>
               <a:avLst/>
+              <a:gdLst/>
+              <a:ahLst/>
+              <a:cxnLst/>
+              <a:rect l="0" t="0" r="0" b="0"/>
               <a:pathLst>
-                <a:path w="34794" h="0">
+                <a:path w="34794">
                   <a:moveTo>
                     <a:pt x="0" y="0"/>
                   </a:moveTo>
@@ -24249,7 +23251,9 @@
           <p:txBody>
             <a:bodyPr/>
             <a:lstStyle/>
-            <a:p/>
+            <a:p>
+              <a:endParaRPr/>
+            </a:p>
           </p:txBody>
         </p:sp>
         <p:sp>
@@ -24265,8 +23269,12 @@
             </a:xfrm>
             <a:custGeom>
               <a:avLst/>
+              <a:gdLst/>
+              <a:ahLst/>
+              <a:cxnLst/>
+              <a:rect l="0" t="0" r="0" b="0"/>
               <a:pathLst>
-                <a:path w="34794" h="0">
+                <a:path w="34794">
                   <a:moveTo>
                     <a:pt x="0" y="0"/>
                   </a:moveTo>
@@ -24289,7 +23297,9 @@
           <p:txBody>
             <a:bodyPr/>
             <a:lstStyle/>
-            <a:p/>
+            <a:p>
+              <a:endParaRPr/>
+            </a:p>
           </p:txBody>
         </p:sp>
         <p:sp>
@@ -24305,8 +23315,12 @@
             </a:xfrm>
             <a:custGeom>
               <a:avLst/>
+              <a:gdLst/>
+              <a:ahLst/>
+              <a:cxnLst/>
+              <a:rect l="0" t="0" r="0" b="0"/>
               <a:pathLst>
-                <a:path w="0" h="34794">
+                <a:path h="34794">
                   <a:moveTo>
                     <a:pt x="0" y="34794"/>
                   </a:moveTo>
@@ -24329,7 +23343,9 @@
           <p:txBody>
             <a:bodyPr/>
             <a:lstStyle/>
-            <a:p/>
+            <a:p>
+              <a:endParaRPr/>
+            </a:p>
           </p:txBody>
         </p:sp>
         <p:sp>
@@ -24345,8 +23361,12 @@
             </a:xfrm>
             <a:custGeom>
               <a:avLst/>
+              <a:gdLst/>
+              <a:ahLst/>
+              <a:cxnLst/>
+              <a:rect l="0" t="0" r="0" b="0"/>
               <a:pathLst>
-                <a:path w="0" h="34794">
+                <a:path h="34794">
                   <a:moveTo>
                     <a:pt x="0" y="34794"/>
                   </a:moveTo>
@@ -24369,7 +23389,9 @@
           <p:txBody>
             <a:bodyPr/>
             <a:lstStyle/>
-            <a:p/>
+            <a:p>
+              <a:endParaRPr/>
+            </a:p>
           </p:txBody>
         </p:sp>
         <p:sp>
@@ -24385,8 +23407,12 @@
             </a:xfrm>
             <a:custGeom>
               <a:avLst/>
+              <a:gdLst/>
+              <a:ahLst/>
+              <a:cxnLst/>
+              <a:rect l="0" t="0" r="0" b="0"/>
               <a:pathLst>
-                <a:path w="0" h="34794">
+                <a:path h="34794">
                   <a:moveTo>
                     <a:pt x="0" y="34794"/>
                   </a:moveTo>
@@ -24409,7 +23435,9 @@
           <p:txBody>
             <a:bodyPr/>
             <a:lstStyle/>
-            <a:p/>
+            <a:p>
+              <a:endParaRPr/>
+            </a:p>
           </p:txBody>
         </p:sp>
         <p:sp>
@@ -24425,8 +23453,12 @@
             </a:xfrm>
             <a:custGeom>
               <a:avLst/>
+              <a:gdLst/>
+              <a:ahLst/>
+              <a:cxnLst/>
+              <a:rect l="0" t="0" r="0" b="0"/>
               <a:pathLst>
-                <a:path w="0" h="34794">
+                <a:path h="34794">
                   <a:moveTo>
                     <a:pt x="0" y="34794"/>
                   </a:moveTo>
@@ -24449,7 +23481,9 @@
           <p:txBody>
             <a:bodyPr/>
             <a:lstStyle/>
-            <a:p/>
+            <a:p>
+              <a:endParaRPr/>
+            </a:p>
           </p:txBody>
         </p:sp>
         <p:sp>
@@ -24469,7 +23503,7 @@
             <a:noFill/>
           </p:spPr>
           <p:txBody>
-            <a:bodyPr wrap="none" lIns="0" tIns="0" rIns="0" bIns="0" anchor="ctr" anchorCtr="true"/>
+            <a:bodyPr wrap="none" lIns="0" tIns="0" rIns="0" bIns="0" anchor="ctr" anchorCtr="1"/>
             <a:lstStyle/>
             <a:p>
               <a:pPr marL="0" marR="0" indent="0" algn="l">
@@ -24515,7 +23549,7 @@
             <a:noFill/>
           </p:spPr>
           <p:txBody>
-            <a:bodyPr wrap="none" lIns="0" tIns="0" rIns="0" bIns="0" anchor="ctr" anchorCtr="true"/>
+            <a:bodyPr wrap="none" lIns="0" tIns="0" rIns="0" bIns="0" anchor="ctr" anchorCtr="1"/>
             <a:lstStyle/>
             <a:p>
               <a:pPr marL="0" marR="0" indent="0" algn="l">
@@ -24561,7 +23595,7 @@
             <a:noFill/>
           </p:spPr>
           <p:txBody>
-            <a:bodyPr wrap="none" lIns="0" tIns="0" rIns="0" bIns="0" anchor="ctr" anchorCtr="true"/>
+            <a:bodyPr wrap="none" lIns="0" tIns="0" rIns="0" bIns="0" anchor="ctr" anchorCtr="1"/>
             <a:lstStyle/>
             <a:p>
               <a:pPr marL="0" marR="0" indent="0" algn="l">
@@ -24607,7 +23641,7 @@
             <a:noFill/>
           </p:spPr>
           <p:txBody>
-            <a:bodyPr wrap="none" lIns="0" tIns="0" rIns="0" bIns="0" anchor="ctr" anchorCtr="true"/>
+            <a:bodyPr wrap="none" lIns="0" tIns="0" rIns="0" bIns="0" anchor="ctr" anchorCtr="1"/>
             <a:lstStyle/>
             <a:p>
               <a:pPr marL="0" marR="0" indent="0" algn="l">
@@ -24653,7 +23687,7 @@
             <a:noFill/>
           </p:spPr>
           <p:txBody>
-            <a:bodyPr wrap="none" lIns="0" tIns="0" rIns="0" bIns="0" anchor="ctr" anchorCtr="true"/>
+            <a:bodyPr wrap="none" lIns="0" tIns="0" rIns="0" bIns="0" anchor="ctr" anchorCtr="1"/>
             <a:lstStyle/>
             <a:p>
               <a:pPr marL="0" marR="0" indent="0" algn="l">
@@ -24699,7 +23733,7 @@
             <a:noFill/>
           </p:spPr>
           <p:txBody>
-            <a:bodyPr wrap="none" lIns="0" tIns="0" rIns="0" bIns="0" anchor="ctr" anchorCtr="true"/>
+            <a:bodyPr wrap="none" lIns="0" tIns="0" rIns="0" bIns="0" anchor="ctr" anchorCtr="1"/>
             <a:lstStyle/>
             <a:p>
               <a:pPr marL="0" marR="0" indent="0" algn="l">
@@ -24751,7 +23785,9 @@
           <p:txBody>
             <a:bodyPr/>
             <a:lstStyle/>
-            <a:p/>
+            <a:p>
+              <a:endParaRPr/>
+            </a:p>
           </p:txBody>
         </p:sp>
         <p:sp>
@@ -24771,7 +23807,7 @@
             <a:noFill/>
           </p:spPr>
           <p:txBody>
-            <a:bodyPr wrap="none" lIns="0" tIns="0" rIns="0" bIns="0" anchor="ctr" anchorCtr="true"/>
+            <a:bodyPr wrap="none" lIns="0" tIns="0" rIns="0" bIns="0" anchor="ctr" anchorCtr="1"/>
             <a:lstStyle/>
             <a:p>
               <a:pPr marL="0" marR="0" indent="0" algn="l">
@@ -24832,7 +23868,9 @@
           <p:txBody>
             <a:bodyPr/>
             <a:lstStyle/>
-            <a:p/>
+            <a:p>
+              <a:endParaRPr/>
+            </a:p>
           </p:txBody>
         </p:sp>
         <p:sp>
@@ -24862,7 +23900,9 @@
           <p:txBody>
             <a:bodyPr/>
             <a:lstStyle/>
-            <a:p/>
+            <a:p>
+              <a:endParaRPr/>
+            </a:p>
           </p:txBody>
         </p:sp>
         <p:sp>
@@ -24897,7 +23937,9 @@
           <p:txBody>
             <a:bodyPr/>
             <a:lstStyle/>
-            <a:p/>
+            <a:p>
+              <a:endParaRPr/>
+            </a:p>
           </p:txBody>
         </p:sp>
         <p:sp>
@@ -24929,7 +23971,9 @@
           <p:txBody>
             <a:bodyPr/>
             <a:lstStyle/>
-            <a:p/>
+            <a:p>
+              <a:endParaRPr/>
+            </a:p>
           </p:txBody>
         </p:sp>
         <p:sp>
@@ -24949,7 +23993,7 @@
             <a:noFill/>
           </p:spPr>
           <p:txBody>
-            <a:bodyPr wrap="none" lIns="0" tIns="0" rIns="0" bIns="0" anchor="ctr" anchorCtr="true"/>
+            <a:bodyPr wrap="none" lIns="0" tIns="0" rIns="0" bIns="0" anchor="ctr" anchorCtr="1"/>
             <a:lstStyle/>
             <a:p>
               <a:pPr marL="0" marR="0" indent="0" algn="l">
@@ -24995,7 +24039,7 @@
             <a:noFill/>
           </p:spPr>
           <p:txBody>
-            <a:bodyPr wrap="none" lIns="0" tIns="0" rIns="0" bIns="0" anchor="ctr" anchorCtr="true"/>
+            <a:bodyPr wrap="none" lIns="0" tIns="0" rIns="0" bIns="0" anchor="ctr" anchorCtr="1"/>
             <a:lstStyle/>
             <a:p>
               <a:pPr marL="0" marR="0" indent="0" algn="l">
@@ -25027,11 +24071,14 @@
       </p:grpSp>
     </p:spTree>
   </p:cSld>
+  <p:clrMapOvr>
+    <a:masterClrMapping/>
+  </p:clrMapOvr>
 </p:sld>
 </file>
 
 <file path=ppt/slides/slide7.xml><?xml version="1.0" encoding="utf-8"?>
-<p:sld xmlns:a="http://schemas.openxmlformats.org/drawingml/2006/main" xmlns:r="http://schemas.openxmlformats.org/officeDocument/2006/relationships" xmlns:p="http://schemas.openxmlformats.org/presentationml/2006/main" xmlns:mc="http://schemas.openxmlformats.org/markup-compatibility/2006" xmlns:c="http://schemas.openxmlformats.org/drawingml/2006/chart" xmlns:ns6="http://schemas.openxmlformats.org/drawingml/2006/chartDrawing" xmlns:dgm="http://schemas.openxmlformats.org/drawingml/2006/diagram" xmlns:pic="http://schemas.openxmlformats.org/drawingml/2006/picture" xmlns:wp="http://schemas.openxmlformats.org/drawingml/2006/wordprocessingDrawing" xmlns:xdr="http://schemas.openxmlformats.org/drawingml/2006/spreadsheetDrawing" xmlns:ns11="http://schemas.openxmlformats.org/drawingml/2006/compatibility" xmlns:ns12="http://schemas.openxmlformats.org/drawingml/2006/lockedCanvas">
+<p:sld xmlns:a="http://schemas.openxmlformats.org/drawingml/2006/main" xmlns:r="http://schemas.openxmlformats.org/officeDocument/2006/relationships" xmlns:p="http://schemas.openxmlformats.org/presentationml/2006/main">
   <p:cSld>
     <p:spTree>
       <p:nvGrpSpPr>
@@ -25049,10 +24096,12 @@
       </p:grpSpPr>
       <p:sp>
         <p:nvSpPr>
-          <p:cNvPr id="1" name="Title 1"/>
-          <p:cNvSpPr/>
+          <p:cNvPr id="2" name="Title 1"/>
+          <p:cNvSpPr>
+            <a:spLocks noGrp="1"/>
+          </p:cNvSpPr>
           <p:nvPr>
-            <p:ph type="title" idx="0"/>
+            <p:ph type="title"/>
           </p:nvPr>
         </p:nvSpPr>
         <p:spPr/>
@@ -25061,7 +24110,6 @@
           <a:lstStyle/>
           <a:p>
             <a:r>
-              <a:rPr/>
               <a:t>EDA (bb_gip): Missing Values</a:t>
             </a:r>
           </a:p>
@@ -25071,7 +24119,7 @@
         <p:nvSpPr>
           <p:cNvPr id="3" name="Content Placeholder 2"/>
           <p:cNvSpPr>
-            <a:spLocks noGrp="true"/>
+            <a:spLocks noGrp="1"/>
           </p:cNvSpPr>
           <p:nvPr>
             <p:ph idx="1"/>
@@ -25110,11 +24158,14 @@
       </p:sp>
     </p:spTree>
   </p:cSld>
+  <p:clrMapOvr>
+    <a:masterClrMapping/>
+  </p:clrMapOvr>
 </p:sld>
 </file>
 
 <file path=ppt/slides/slide8.xml><?xml version="1.0" encoding="utf-8"?>
-<p:sld xmlns:a="http://schemas.openxmlformats.org/drawingml/2006/main" xmlns:r="http://schemas.openxmlformats.org/officeDocument/2006/relationships" xmlns:p="http://schemas.openxmlformats.org/presentationml/2006/main" xmlns:mc="http://schemas.openxmlformats.org/markup-compatibility/2006" xmlns:c="http://schemas.openxmlformats.org/drawingml/2006/chart" xmlns:ns6="http://schemas.openxmlformats.org/drawingml/2006/chartDrawing" xmlns:dgm="http://schemas.openxmlformats.org/drawingml/2006/diagram" xmlns:pic="http://schemas.openxmlformats.org/drawingml/2006/picture" xmlns:wp="http://schemas.openxmlformats.org/drawingml/2006/wordprocessingDrawing" xmlns:xdr="http://schemas.openxmlformats.org/drawingml/2006/spreadsheetDrawing" xmlns:ns11="http://schemas.openxmlformats.org/drawingml/2006/compatibility" xmlns:ns12="http://schemas.openxmlformats.org/drawingml/2006/lockedCanvas">
+<p:sld xmlns:a="http://schemas.openxmlformats.org/drawingml/2006/main" xmlns:r="http://schemas.openxmlformats.org/officeDocument/2006/relationships" xmlns:p="http://schemas.openxmlformats.org/presentationml/2006/main">
   <p:cSld>
     <p:spTree>
       <p:nvGrpSpPr>
@@ -25132,10 +24183,12 @@
       </p:grpSpPr>
       <p:sp>
         <p:nvSpPr>
-          <p:cNvPr id="1" name="Title 1"/>
-          <p:cNvSpPr/>
+          <p:cNvPr id="2" name="Title 1"/>
+          <p:cNvSpPr>
+            <a:spLocks noGrp="1"/>
+          </p:cNvSpPr>
           <p:nvPr>
-            <p:ph type="title" idx="0"/>
+            <p:ph type="title"/>
           </p:nvPr>
         </p:nvSpPr>
         <p:spPr/>
@@ -25144,7 +24197,6 @@
           <a:lstStyle/>
           <a:p>
             <a:r>
-              <a:rPr/>
               <a:t>Feature Selection</a:t>
             </a:r>
           </a:p>
@@ -25154,7 +24206,7 @@
         <p:nvSpPr>
           <p:cNvPr id="3" name="Content Placeholder 2"/>
           <p:cNvSpPr>
-            <a:spLocks noGrp="true"/>
+            <a:spLocks noGrp="1"/>
           </p:cNvSpPr>
           <p:nvPr>
             <p:ph idx="1"/>
@@ -25193,11 +24245,14 @@
       </p:sp>
     </p:spTree>
   </p:cSld>
+  <p:clrMapOvr>
+    <a:masterClrMapping/>
+  </p:clrMapOvr>
 </p:sld>
 </file>
 
 <file path=ppt/slides/slide9.xml><?xml version="1.0" encoding="utf-8"?>
-<p:sld xmlns:a="http://schemas.openxmlformats.org/drawingml/2006/main" xmlns:r="http://schemas.openxmlformats.org/officeDocument/2006/relationships" xmlns:p="http://schemas.openxmlformats.org/presentationml/2006/main" xmlns:mc="http://schemas.openxmlformats.org/markup-compatibility/2006" xmlns:c="http://schemas.openxmlformats.org/drawingml/2006/chart" xmlns:ns6="http://schemas.openxmlformats.org/drawingml/2006/chartDrawing" xmlns:dgm="http://schemas.openxmlformats.org/drawingml/2006/diagram" xmlns:pic="http://schemas.openxmlformats.org/drawingml/2006/picture" xmlns:wp="http://schemas.openxmlformats.org/drawingml/2006/wordprocessingDrawing" xmlns:xdr="http://schemas.openxmlformats.org/drawingml/2006/spreadsheetDrawing" xmlns:ns11="http://schemas.openxmlformats.org/drawingml/2006/compatibility" xmlns:ns12="http://schemas.openxmlformats.org/drawingml/2006/lockedCanvas">
+<p:sld xmlns:a="http://schemas.openxmlformats.org/drawingml/2006/main" xmlns:r="http://schemas.openxmlformats.org/officeDocument/2006/relationships" xmlns:p="http://schemas.openxmlformats.org/presentationml/2006/main">
   <p:cSld>
     <p:spTree>
       <p:nvGrpSpPr>
@@ -25215,10 +24270,12 @@
       </p:grpSpPr>
       <p:sp>
         <p:nvSpPr>
-          <p:cNvPr id="1" name="Title 1"/>
-          <p:cNvSpPr/>
+          <p:cNvPr id="3" name="Title 1"/>
+          <p:cNvSpPr>
+            <a:spLocks noGrp="1"/>
+          </p:cNvSpPr>
           <p:nvPr>
-            <p:ph type="title" idx="0"/>
+            <p:ph type="title"/>
           </p:nvPr>
         </p:nvSpPr>
         <p:spPr/>
@@ -25227,7 +24284,6 @@
           <a:lstStyle/>
           <a:p>
             <a:r>
-              <a:rPr/>
               <a:t>AUC (Program)</a:t>
             </a:r>
           </a:p>
@@ -25264,7 +24320,7 @@
             <a:noFill/>
           </p:spPr>
           <p:txBody>
-            <a:bodyPr wrap="none" lIns="0" tIns="0" rIns="0" bIns="0" anchor="ctr" anchorCtr="true"/>
+            <a:bodyPr wrap="none" lIns="0" tIns="0" rIns="0" bIns="0" anchor="ctr" anchorCtr="1"/>
             <a:lstStyle/>
             <a:p>
               <a:pPr marL="0" marR="0" indent="0" algn="l">
@@ -25310,7 +24366,7 @@
             <a:noFill/>
           </p:spPr>
           <p:txBody>
-            <a:bodyPr wrap="none" lIns="0" tIns="0" rIns="0" bIns="0" anchor="ctr" anchorCtr="true"/>
+            <a:bodyPr wrap="none" lIns="0" tIns="0" rIns="0" bIns="0" anchor="ctr" anchorCtr="1"/>
             <a:lstStyle/>
             <a:p>
               <a:pPr marL="0" marR="0" indent="0" algn="l">
@@ -25352,8 +24408,12 @@
             </a:xfrm>
             <a:custGeom>
               <a:avLst/>
+              <a:gdLst/>
+              <a:ahLst/>
+              <a:cxnLst/>
+              <a:rect l="0" t="0" r="0" b="0"/>
               <a:pathLst>
-                <a:path w="6997500" h="0">
+                <a:path w="6997500">
                   <a:moveTo>
                     <a:pt x="0" y="0"/>
                   </a:moveTo>
@@ -25376,7 +24436,9 @@
           <p:txBody>
             <a:bodyPr/>
             <a:lstStyle/>
-            <a:p/>
+            <a:p>
+              <a:endParaRPr/>
+            </a:p>
           </p:txBody>
         </p:sp>
         <p:sp>
@@ -25392,8 +24454,12 @@
             </a:xfrm>
             <a:custGeom>
               <a:avLst/>
+              <a:gdLst/>
+              <a:ahLst/>
+              <a:cxnLst/>
+              <a:rect l="0" t="0" r="0" b="0"/>
               <a:pathLst>
-                <a:path w="0" h="83820">
+                <a:path h="83820">
                   <a:moveTo>
                     <a:pt x="0" y="0"/>
                   </a:moveTo>
@@ -25416,7 +24482,9 @@
           <p:txBody>
             <a:bodyPr/>
             <a:lstStyle/>
-            <a:p/>
+            <a:p>
+              <a:endParaRPr/>
+            </a:p>
           </p:txBody>
         </p:sp>
         <p:sp>
@@ -25432,8 +24500,12 @@
             </a:xfrm>
             <a:custGeom>
               <a:avLst/>
+              <a:gdLst/>
+              <a:ahLst/>
+              <a:cxnLst/>
+              <a:rect l="0" t="0" r="0" b="0"/>
               <a:pathLst>
-                <a:path w="0" h="83820">
+                <a:path h="83820">
                   <a:moveTo>
                     <a:pt x="0" y="0"/>
                   </a:moveTo>
@@ -25456,7 +24528,9 @@
           <p:txBody>
             <a:bodyPr/>
             <a:lstStyle/>
-            <a:p/>
+            <a:p>
+              <a:endParaRPr/>
+            </a:p>
           </p:txBody>
         </p:sp>
         <p:sp>
@@ -25472,8 +24546,12 @@
             </a:xfrm>
             <a:custGeom>
               <a:avLst/>
+              <a:gdLst/>
+              <a:ahLst/>
+              <a:cxnLst/>
+              <a:rect l="0" t="0" r="0" b="0"/>
               <a:pathLst>
-                <a:path w="0" h="83820">
+                <a:path h="83820">
                   <a:moveTo>
                     <a:pt x="0" y="0"/>
                   </a:moveTo>
@@ -25496,7 +24574,9 @@
           <p:txBody>
             <a:bodyPr/>
             <a:lstStyle/>
-            <a:p/>
+            <a:p>
+              <a:endParaRPr/>
+            </a:p>
           </p:txBody>
         </p:sp>
         <p:sp>
@@ -25512,8 +24592,12 @@
             </a:xfrm>
             <a:custGeom>
               <a:avLst/>
+              <a:gdLst/>
+              <a:ahLst/>
+              <a:cxnLst/>
+              <a:rect l="0" t="0" r="0" b="0"/>
               <a:pathLst>
-                <a:path w="0" h="83820">
+                <a:path h="83820">
                   <a:moveTo>
                     <a:pt x="0" y="0"/>
                   </a:moveTo>
@@ -25536,7 +24620,9 @@
           <p:txBody>
             <a:bodyPr/>
             <a:lstStyle/>
-            <a:p/>
+            <a:p>
+              <a:endParaRPr/>
+            </a:p>
           </p:txBody>
         </p:sp>
         <p:sp>
@@ -25552,8 +24638,12 @@
             </a:xfrm>
             <a:custGeom>
               <a:avLst/>
+              <a:gdLst/>
+              <a:ahLst/>
+              <a:cxnLst/>
+              <a:rect l="0" t="0" r="0" b="0"/>
               <a:pathLst>
-                <a:path w="0" h="83820">
+                <a:path h="83820">
                   <a:moveTo>
                     <a:pt x="0" y="0"/>
                   </a:moveTo>
@@ -25576,7 +24666,9 @@
           <p:txBody>
             <a:bodyPr/>
             <a:lstStyle/>
-            <a:p/>
+            <a:p>
+              <a:endParaRPr/>
+            </a:p>
           </p:txBody>
         </p:sp>
         <p:sp>
@@ -25592,8 +24684,12 @@
             </a:xfrm>
             <a:custGeom>
               <a:avLst/>
+              <a:gdLst/>
+              <a:ahLst/>
+              <a:cxnLst/>
+              <a:rect l="0" t="0" r="0" b="0"/>
               <a:pathLst>
-                <a:path w="0" h="83820">
+                <a:path h="83820">
                   <a:moveTo>
                     <a:pt x="0" y="0"/>
                   </a:moveTo>
@@ -25616,7 +24712,9 @@
           <p:txBody>
             <a:bodyPr/>
             <a:lstStyle/>
-            <a:p/>
+            <a:p>
+              <a:endParaRPr/>
+            </a:p>
           </p:txBody>
         </p:sp>
         <p:sp>
@@ -25636,7 +24734,7 @@
             <a:noFill/>
           </p:spPr>
           <p:txBody>
-            <a:bodyPr wrap="none" lIns="0" tIns="0" rIns="0" bIns="0" anchor="ctr" anchorCtr="true"/>
+            <a:bodyPr wrap="none" lIns="0" tIns="0" rIns="0" bIns="0" anchor="ctr" anchorCtr="1"/>
             <a:lstStyle/>
             <a:p>
               <a:pPr marL="0" marR="0" indent="0" algn="l">
@@ -25682,7 +24780,7 @@
             <a:noFill/>
           </p:spPr>
           <p:txBody>
-            <a:bodyPr wrap="none" lIns="0" tIns="0" rIns="0" bIns="0" anchor="ctr" anchorCtr="true"/>
+            <a:bodyPr wrap="none" lIns="0" tIns="0" rIns="0" bIns="0" anchor="ctr" anchorCtr="1"/>
             <a:lstStyle/>
             <a:p>
               <a:pPr marL="0" marR="0" indent="0" algn="l">
@@ -25728,7 +24826,7 @@
             <a:noFill/>
           </p:spPr>
           <p:txBody>
-            <a:bodyPr wrap="none" lIns="0" tIns="0" rIns="0" bIns="0" anchor="ctr" anchorCtr="true"/>
+            <a:bodyPr wrap="none" lIns="0" tIns="0" rIns="0" bIns="0" anchor="ctr" anchorCtr="1"/>
             <a:lstStyle/>
             <a:p>
               <a:pPr marL="0" marR="0" indent="0" algn="l">
@@ -25774,7 +24872,7 @@
             <a:noFill/>
           </p:spPr>
           <p:txBody>
-            <a:bodyPr wrap="none" lIns="0" tIns="0" rIns="0" bIns="0" anchor="ctr" anchorCtr="true"/>
+            <a:bodyPr wrap="none" lIns="0" tIns="0" rIns="0" bIns="0" anchor="ctr" anchorCtr="1"/>
             <a:lstStyle/>
             <a:p>
               <a:pPr marL="0" marR="0" indent="0" algn="l">
@@ -25820,7 +24918,7 @@
             <a:noFill/>
           </p:spPr>
           <p:txBody>
-            <a:bodyPr wrap="none" lIns="0" tIns="0" rIns="0" bIns="0" anchor="ctr" anchorCtr="true"/>
+            <a:bodyPr wrap="none" lIns="0" tIns="0" rIns="0" bIns="0" anchor="ctr" anchorCtr="1"/>
             <a:lstStyle/>
             <a:p>
               <a:pPr marL="0" marR="0" indent="0" algn="l">
@@ -25866,7 +24964,7 @@
             <a:noFill/>
           </p:spPr>
           <p:txBody>
-            <a:bodyPr wrap="none" lIns="0" tIns="0" rIns="0" bIns="0" anchor="ctr" anchorCtr="true"/>
+            <a:bodyPr wrap="none" lIns="0" tIns="0" rIns="0" bIns="0" anchor="ctr" anchorCtr="1"/>
             <a:lstStyle/>
             <a:p>
               <a:pPr marL="0" marR="0" indent="0" algn="l">
@@ -25908,8 +25006,12 @@
             </a:xfrm>
             <a:custGeom>
               <a:avLst/>
+              <a:gdLst/>
+              <a:ahLst/>
+              <a:cxnLst/>
+              <a:rect l="0" t="0" r="0" b="0"/>
               <a:pathLst>
-                <a:path w="0" h="2165263">
+                <a:path h="2165263">
                   <a:moveTo>
                     <a:pt x="0" y="2165263"/>
                   </a:moveTo>
@@ -25932,7 +25034,9 @@
           <p:txBody>
             <a:bodyPr/>
             <a:lstStyle/>
-            <a:p/>
+            <a:p>
+              <a:endParaRPr/>
+            </a:p>
           </p:txBody>
         </p:sp>
         <p:sp>
@@ -25948,8 +25052,12 @@
             </a:xfrm>
             <a:custGeom>
               <a:avLst/>
+              <a:gdLst/>
+              <a:ahLst/>
+              <a:cxnLst/>
+              <a:rect l="0" t="0" r="0" b="0"/>
               <a:pathLst>
-                <a:path w="83819" h="0">
+                <a:path w="83819">
                   <a:moveTo>
                     <a:pt x="83819" y="0"/>
                   </a:moveTo>
@@ -25972,7 +25080,9 @@
           <p:txBody>
             <a:bodyPr/>
             <a:lstStyle/>
-            <a:p/>
+            <a:p>
+              <a:endParaRPr/>
+            </a:p>
           </p:txBody>
         </p:sp>
         <p:sp>
@@ -25988,8 +25098,12 @@
             </a:xfrm>
             <a:custGeom>
               <a:avLst/>
+              <a:gdLst/>
+              <a:ahLst/>
+              <a:cxnLst/>
+              <a:rect l="0" t="0" r="0" b="0"/>
               <a:pathLst>
-                <a:path w="83819" h="0">
+                <a:path w="83819">
                   <a:moveTo>
                     <a:pt x="83819" y="0"/>
                   </a:moveTo>
@@ -26012,7 +25126,9 @@
           <p:txBody>
             <a:bodyPr/>
             <a:lstStyle/>
-            <a:p/>
+            <a:p>
+              <a:endParaRPr/>
+            </a:p>
           </p:txBody>
         </p:sp>
         <p:sp>
@@ -26028,8 +25144,12 @@
             </a:xfrm>
             <a:custGeom>
               <a:avLst/>
+              <a:gdLst/>
+              <a:ahLst/>
+              <a:cxnLst/>
+              <a:rect l="0" t="0" r="0" b="0"/>
               <a:pathLst>
-                <a:path w="83819" h="0">
+                <a:path w="83819">
                   <a:moveTo>
                     <a:pt x="83819" y="0"/>
                   </a:moveTo>
@@ -26052,7 +25172,9 @@
           <p:txBody>
             <a:bodyPr/>
             <a:lstStyle/>
-            <a:p/>
+            <a:p>
+              <a:endParaRPr/>
+            </a:p>
           </p:txBody>
         </p:sp>
         <p:sp>
@@ -26068,8 +25190,12 @@
             </a:xfrm>
             <a:custGeom>
               <a:avLst/>
+              <a:gdLst/>
+              <a:ahLst/>
+              <a:cxnLst/>
+              <a:rect l="0" t="0" r="0" b="0"/>
               <a:pathLst>
-                <a:path w="83819" h="0">
+                <a:path w="83819">
                   <a:moveTo>
                     <a:pt x="83819" y="0"/>
                   </a:moveTo>
@@ -26092,7 +25218,9 @@
           <p:txBody>
             <a:bodyPr/>
             <a:lstStyle/>
-            <a:p/>
+            <a:p>
+              <a:endParaRPr/>
+            </a:p>
           </p:txBody>
         </p:sp>
         <p:sp>
@@ -26108,8 +25236,12 @@
             </a:xfrm>
             <a:custGeom>
               <a:avLst/>
+              <a:gdLst/>
+              <a:ahLst/>
+              <a:cxnLst/>
+              <a:rect l="0" t="0" r="0" b="0"/>
               <a:pathLst>
-                <a:path w="83819" h="0">
+                <a:path w="83819">
                   <a:moveTo>
                     <a:pt x="83819" y="0"/>
                   </a:moveTo>
@@ -26132,7 +25264,9 @@
           <p:txBody>
             <a:bodyPr/>
             <a:lstStyle/>
-            <a:p/>
+            <a:p>
+              <a:endParaRPr/>
+            </a:p>
           </p:txBody>
         </p:sp>
         <p:sp>
@@ -26148,8 +25282,12 @@
             </a:xfrm>
             <a:custGeom>
               <a:avLst/>
+              <a:gdLst/>
+              <a:ahLst/>
+              <a:cxnLst/>
+              <a:rect l="0" t="0" r="0" b="0"/>
               <a:pathLst>
-                <a:path w="83819" h="0">
+                <a:path w="83819">
                   <a:moveTo>
                     <a:pt x="83819" y="0"/>
                   </a:moveTo>
@@ -26172,7 +25310,9 @@
           <p:txBody>
             <a:bodyPr/>
             <a:lstStyle/>
-            <a:p/>
+            <a:p>
+              <a:endParaRPr/>
+            </a:p>
           </p:txBody>
         </p:sp>
         <p:sp>
@@ -26192,7 +25332,7 @@
             <a:noFill/>
           </p:spPr>
           <p:txBody>
-            <a:bodyPr wrap="none" lIns="0" tIns="0" rIns="0" bIns="0" anchor="ctr" anchorCtr="true"/>
+            <a:bodyPr wrap="none" lIns="0" tIns="0" rIns="0" bIns="0" anchor="ctr" anchorCtr="1"/>
             <a:lstStyle/>
             <a:p>
               <a:pPr marL="0" marR="0" indent="0" algn="l">
@@ -26238,7 +25378,7 @@
             <a:noFill/>
           </p:spPr>
           <p:txBody>
-            <a:bodyPr wrap="none" lIns="0" tIns="0" rIns="0" bIns="0" anchor="ctr" anchorCtr="true"/>
+            <a:bodyPr wrap="none" lIns="0" tIns="0" rIns="0" bIns="0" anchor="ctr" anchorCtr="1"/>
             <a:lstStyle/>
             <a:p>
               <a:pPr marL="0" marR="0" indent="0" algn="l">
@@ -26284,7 +25424,7 @@
             <a:noFill/>
           </p:spPr>
           <p:txBody>
-            <a:bodyPr wrap="none" lIns="0" tIns="0" rIns="0" bIns="0" anchor="ctr" anchorCtr="true"/>
+            <a:bodyPr wrap="none" lIns="0" tIns="0" rIns="0" bIns="0" anchor="ctr" anchorCtr="1"/>
             <a:lstStyle/>
             <a:p>
               <a:pPr marL="0" marR="0" indent="0" algn="l">
@@ -26330,7 +25470,7 @@
             <a:noFill/>
           </p:spPr>
           <p:txBody>
-            <a:bodyPr wrap="none" lIns="0" tIns="0" rIns="0" bIns="0" anchor="ctr" anchorCtr="true"/>
+            <a:bodyPr wrap="none" lIns="0" tIns="0" rIns="0" bIns="0" anchor="ctr" anchorCtr="1"/>
             <a:lstStyle/>
             <a:p>
               <a:pPr marL="0" marR="0" indent="0" algn="l">
@@ -26376,7 +25516,7 @@
             <a:noFill/>
           </p:spPr>
           <p:txBody>
-            <a:bodyPr wrap="none" lIns="0" tIns="0" rIns="0" bIns="0" anchor="ctr" anchorCtr="true"/>
+            <a:bodyPr wrap="none" lIns="0" tIns="0" rIns="0" bIns="0" anchor="ctr" anchorCtr="1"/>
             <a:lstStyle/>
             <a:p>
               <a:pPr marL="0" marR="0" indent="0" algn="l">
@@ -26422,7 +25562,7 @@
             <a:noFill/>
           </p:spPr>
           <p:txBody>
-            <a:bodyPr wrap="none" lIns="0" tIns="0" rIns="0" bIns="0" anchor="ctr" anchorCtr="true"/>
+            <a:bodyPr wrap="none" lIns="0" tIns="0" rIns="0" bIns="0" anchor="ctr" anchorCtr="1"/>
             <a:lstStyle/>
             <a:p>
               <a:pPr marL="0" marR="0" indent="0" algn="l">
@@ -26464,6 +25604,10 @@
             </a:xfrm>
             <a:custGeom>
               <a:avLst/>
+              <a:gdLst/>
+              <a:ahLst/>
+              <a:cxnLst/>
+              <a:rect l="0" t="0" r="0" b="0"/>
               <a:pathLst>
                 <a:path w="7557300" h="2338484">
                   <a:moveTo>
@@ -26497,7 +25641,9 @@
           <p:txBody>
             <a:bodyPr/>
             <a:lstStyle/>
-            <a:p/>
+            <a:p>
+              <a:endParaRPr/>
+            </a:p>
           </p:txBody>
         </p:sp>
         <p:sp>
@@ -26513,6 +25659,10 @@
             </a:xfrm>
             <a:custGeom>
               <a:avLst/>
+              <a:gdLst/>
+              <a:ahLst/>
+              <a:cxnLst/>
+              <a:rect l="0" t="0" r="0" b="0"/>
               <a:pathLst>
                 <a:path w="6997500" h="2165263">
                   <a:moveTo>
@@ -26582,12 +25732,17 @@
           <p:txBody>
             <a:bodyPr/>
             <a:lstStyle/>
-            <a:p/>
+            <a:p>
+              <a:endParaRPr/>
+            </a:p>
           </p:txBody>
         </p:sp>
       </p:grpSp>
     </p:spTree>
   </p:cSld>
+  <p:clrMapOvr>
+    <a:masterClrMapping/>
+  </p:clrMapOvr>
 </p:sld>
 </file>
 

--- a/FDA2018/FDA_Presentation2.pptx
+++ b/FDA2018/FDA_Presentation2.pptx
@@ -6,19 +6,19 @@
   </p:sldMasterIdLst>
   <p:sldIdLst>
     <p:sldId id="256" r:id="rId2"/>
-    <p:sldId id="1564174754" r:id="rId3"/>
-    <p:sldId id="1386965799" r:id="rId4"/>
-    <p:sldId id="885210656" r:id="rId5"/>
-    <p:sldId id="490497476" r:id="rId6"/>
-    <p:sldId id="1308340886" r:id="rId7"/>
-    <p:sldId id="2103066581" r:id="rId8"/>
-    <p:sldId id="505354336" r:id="rId9"/>
-    <p:sldId id="875175744" r:id="rId10"/>
-    <p:sldId id="291626399" r:id="rId11"/>
-    <p:sldId id="384146236" r:id="rId12"/>
-    <p:sldId id="1132904181" r:id="rId13"/>
-    <p:sldId id="1969205985" r:id="rId14"/>
-    <p:sldId id="371614834" r:id="rId15"/>
+    <p:sldId id="1049687625" r:id="rId3"/>
+    <p:sldId id="353173426" r:id="rId4"/>
+    <p:sldId id="1171192791" r:id="rId5"/>
+    <p:sldId id="1966676300" r:id="rId6"/>
+    <p:sldId id="1306211701" r:id="rId7"/>
+    <p:sldId id="1295825212" r:id="rId8"/>
+    <p:sldId id="158071625" r:id="rId9"/>
+    <p:sldId id="1868869148" r:id="rId10"/>
+    <p:sldId id="2026703168" r:id="rId11"/>
+    <p:sldId id="1034812321" r:id="rId12"/>
+    <p:sldId id="200245743" r:id="rId13"/>
+    <p:sldId id="1019555661" r:id="rId14"/>
+    <p:sldId id="101583862" r:id="rId15"/>
   </p:sldIdLst>
   <p:sldSz cx="12192000" cy="6858000"/>
   <p:notesSz cx="6858000" cy="9144000"/>
@@ -852,7 +852,7 @@
             <a:fld id="{B61BEF0D-F0BB-DE4B-95CE-6DB70DBA9567}" type="datetimeFigureOut">
               <a:rPr lang="en-US" dirty="0"/>
               <a:pPr/>
-              <a:t>1/19/2018</a:t>
+              <a:t>1/22/2018</a:t>
             </a:fld>
             <a:endParaRPr lang="en-US" dirty="0"/>
           </a:p>
@@ -1100,7 +1100,7 @@
             <a:fld id="{B61BEF0D-F0BB-DE4B-95CE-6DB70DBA9567}" type="datetimeFigureOut">
               <a:rPr lang="en-US" dirty="0"/>
               <a:pPr/>
-              <a:t>1/19/2018</a:t>
+              <a:t>1/22/2018</a:t>
             </a:fld>
             <a:endParaRPr lang="en-US" dirty="0"/>
           </a:p>
@@ -1411,7 +1411,7 @@
             <a:fld id="{B61BEF0D-F0BB-DE4B-95CE-6DB70DBA9567}" type="datetimeFigureOut">
               <a:rPr lang="en-US" dirty="0"/>
               <a:pPr/>
-              <a:t>1/19/2018</a:t>
+              <a:t>1/22/2018</a:t>
             </a:fld>
             <a:endParaRPr lang="en-US" dirty="0"/>
           </a:p>
@@ -1749,7 +1749,7 @@
             <a:fld id="{B61BEF0D-F0BB-DE4B-95CE-6DB70DBA9567}" type="datetimeFigureOut">
               <a:rPr lang="en-US" dirty="0"/>
               <a:pPr/>
-              <a:t>1/19/2018</a:t>
+              <a:t>1/22/2018</a:t>
             </a:fld>
             <a:endParaRPr lang="en-US" dirty="0"/>
           </a:p>
@@ -2060,7 +2060,7 @@
             <a:fld id="{B61BEF0D-F0BB-DE4B-95CE-6DB70DBA9567}" type="datetimeFigureOut">
               <a:rPr lang="en-US" dirty="0"/>
               <a:pPr/>
-              <a:t>1/19/2018</a:t>
+              <a:t>1/22/2018</a:t>
             </a:fld>
             <a:endParaRPr lang="en-US" dirty="0"/>
           </a:p>
@@ -2450,7 +2450,7 @@
             <a:fld id="{B61BEF0D-F0BB-DE4B-95CE-6DB70DBA9567}" type="datetimeFigureOut">
               <a:rPr lang="en-US" dirty="0"/>
               <a:pPr/>
-              <a:t>1/19/2018</a:t>
+              <a:t>1/22/2018</a:t>
             </a:fld>
             <a:endParaRPr lang="en-US" dirty="0"/>
           </a:p>
@@ -2616,7 +2616,7 @@
           <a:p>
             <a:fld id="{55C6B4A9-1611-4792-9094-5F34BCA07E0B}" type="datetimeFigureOut">
               <a:rPr lang="en-US" dirty="0"/>
-              <a:t>1/19/2018</a:t>
+              <a:t>1/22/2018</a:t>
             </a:fld>
             <a:endParaRPr lang="en-US" dirty="0"/>
           </a:p>
@@ -2792,7 +2792,7 @@
             <a:fld id="{B61BEF0D-F0BB-DE4B-95CE-6DB70DBA9567}" type="datetimeFigureOut">
               <a:rPr lang="en-US" dirty="0"/>
               <a:pPr/>
-              <a:t>1/19/2018</a:t>
+              <a:t>1/22/2018</a:t>
             </a:fld>
             <a:endParaRPr lang="en-US" dirty="0"/>
           </a:p>
@@ -2965,7 +2965,7 @@
             <a:fld id="{B61BEF0D-F0BB-DE4B-95CE-6DB70DBA9567}" type="datetimeFigureOut">
               <a:rPr lang="en-US" dirty="0"/>
               <a:pPr/>
-              <a:t>1/19/2018</a:t>
+              <a:t>1/22/2018</a:t>
             </a:fld>
             <a:endParaRPr lang="en-US" dirty="0"/>
           </a:p>
@@ -3209,7 +3209,7 @@
             <a:fld id="{B61BEF0D-F0BB-DE4B-95CE-6DB70DBA9567}" type="datetimeFigureOut">
               <a:rPr lang="en-US" dirty="0"/>
               <a:pPr/>
-              <a:t>1/19/2018</a:t>
+              <a:t>1/22/2018</a:t>
             </a:fld>
             <a:endParaRPr lang="en-US" dirty="0"/>
           </a:p>
@@ -3383,40 +3383,41 @@
           <a:bodyPr/>
           <a:lstStyle/>
           <a:p>
-            <a:pPr lvl="0"/>
+            <a:pPr marL="12700" marR="12700" indent="0" algn="l">
+              <a:spcBef>
+                <a:spcPts val="100"/>
+              </a:spcBef>
+              <a:spcAft>
+                <a:spcPts val="100"/>
+              </a:spcAft>
+              <a:buNone/>
+            </a:pPr>
             <a:r>
-              <a:rPr lang="en-US"/>
-              <a:t>Click to edit Master text styles</a:t>
+              <a:rPr sz="1800">
+                <a:solidFill>
+                  <a:srgbClr val="0000FF">
+                    <a:alpha val="100000"/>
+                  </a:srgbClr>
+                </a:solidFill>
+                <a:latin typeface="Arial"/>
+                <a:ea typeface="Arial"/>
+                <a:cs typeface="Arial"/>
+              </a:rPr>
+              <a:t>summary</a:t>
             </a:r>
-          </a:p>
-          <a:p>
-            <a:pPr lvl="1"/>
             <a:r>
-              <a:rPr lang="en-US"/>
-              <a:t>Second level</a:t>
+              <a:rPr sz="1800">
+                <a:solidFill>
+                  <a:srgbClr val="000000">
+                    <a:alpha val="100000"/>
+                  </a:srgbClr>
+                </a:solidFill>
+                <a:latin typeface="Arial"/>
+                <a:ea typeface="Arial"/>
+                <a:cs typeface="Arial"/>
+              </a:rPr>
+              <a:t>(train$bb_gip_etc_ratio_std)</a:t>
             </a:r>
-          </a:p>
-          <a:p>
-            <a:pPr lvl="2"/>
-            <a:r>
-              <a:rPr lang="en-US"/>
-              <a:t>Third level</a:t>
-            </a:r>
-          </a:p>
-          <a:p>
-            <a:pPr lvl="3"/>
-            <a:r>
-              <a:rPr lang="en-US"/>
-              <a:t>Fourth level</a:t>
-            </a:r>
-          </a:p>
-          <a:p>
-            <a:pPr lvl="4"/>
-            <a:r>
-              <a:rPr lang="en-US"/>
-              <a:t>Fifth level</a:t>
-            </a:r>
-            <a:endParaRPr lang="en-US" dirty="0"/>
           </a:p>
         </p:txBody>
       </p:sp>
@@ -3437,7 +3438,7 @@
           <a:p>
             <a:fld id="{EB712588-04B1-427B-82EE-E8DB90309F08}" type="datetimeFigureOut">
               <a:rPr lang="en-US" dirty="0"/>
-              <a:t>1/19/2018</a:t>
+              <a:t>1/22/2018</a:t>
             </a:fld>
             <a:endParaRPr lang="en-US" dirty="0"/>
           </a:p>
@@ -3807,7 +3808,7 @@
             <a:fld id="{B61BEF0D-F0BB-DE4B-95CE-6DB70DBA9567}" type="datetimeFigureOut">
               <a:rPr lang="en-US" dirty="0"/>
               <a:pPr/>
-              <a:t>1/19/2018</a:t>
+              <a:t>1/22/2018</a:t>
             </a:fld>
             <a:endParaRPr lang="en-US" dirty="0"/>
           </a:p>
@@ -3927,7 +3928,7 @@
             <a:fld id="{B61BEF0D-F0BB-DE4B-95CE-6DB70DBA9567}" type="datetimeFigureOut">
               <a:rPr lang="en-US" dirty="0"/>
               <a:pPr/>
-              <a:t>1/19/2018</a:t>
+              <a:t>1/22/2018</a:t>
             </a:fld>
             <a:endParaRPr lang="en-US" dirty="0"/>
           </a:p>
@@ -4019,7 +4020,7 @@
             <a:fld id="{B61BEF0D-F0BB-DE4B-95CE-6DB70DBA9567}" type="datetimeFigureOut">
               <a:rPr lang="en-US" dirty="0"/>
               <a:pPr/>
-              <a:t>1/19/2018</a:t>
+              <a:t>1/22/2018</a:t>
             </a:fld>
             <a:endParaRPr lang="en-US" dirty="0"/>
           </a:p>
@@ -4270,7 +4271,7 @@
           <a:p>
             <a:fld id="{42A54C80-263E-416B-A8E0-580EDEADCBDC}" type="datetimeFigureOut">
               <a:rPr lang="en-US" dirty="0"/>
-              <a:t>1/19/2018</a:t>
+              <a:t>1/22/2018</a:t>
             </a:fld>
             <a:endParaRPr lang="en-US" dirty="0"/>
           </a:p>
@@ -4529,7 +4530,7 @@
             <a:fld id="{B61BEF0D-F0BB-DE4B-95CE-6DB70DBA9567}" type="datetimeFigureOut">
               <a:rPr lang="en-US" dirty="0"/>
               <a:pPr/>
-              <a:t>1/19/2018</a:t>
+              <a:t>1/22/2018</a:t>
             </a:fld>
             <a:endParaRPr lang="en-US" dirty="0"/>
           </a:p>
@@ -5269,7 +5270,7 @@
             <a:fld id="{B61BEF0D-F0BB-DE4B-95CE-6DB70DBA9567}" type="datetimeFigureOut">
               <a:rPr lang="en-US" dirty="0"/>
               <a:pPr/>
-              <a:t>1/19/2018</a:t>
+              <a:t>1/22/2018</a:t>
             </a:fld>
             <a:endParaRPr lang="en-US" dirty="0"/>
           </a:p>
@@ -7726,31 +7727,21 @@
           <a:lstStyle/>
           <a:p>
             <a:r>
-              <a:rPr lang="en-US"/>
-              <a:t>Not real data</a:t>
-            </a:r>
-          </a:p>
-          <a:p>
-            <a:r>
-              <a:rPr dirty="0"/>
               <a:t>10679 records in total</a:t>
             </a:r>
           </a:p>
           <a:p>
             <a:r>
-              <a:rPr dirty="0"/>
               <a:t>Target variable: risk</a:t>
             </a:r>
           </a:p>
           <a:p>
             <a:r>
-              <a:rPr dirty="0"/>
               <a:t>26 raw features</a:t>
             </a:r>
           </a:p>
           <a:p>
             <a:r>
-              <a:rPr dirty="0"/>
               <a:t>Randomly split into 70% train and 30% test</a:t>
             </a:r>
           </a:p>
@@ -7812,7 +7803,7 @@
         </p:nvGraphicFramePr>
         <p:xfrm>
           <a:off x="677334" y="2160589"/>
-          <a:ext cx="8596665" cy="3017520"/>
+          <a:ext cx="8596668" cy="3880773"/>
         </p:xfrm>
         <a:graphic>
           <a:graphicData uri="http://schemas.openxmlformats.org/drawingml/2006/table">
@@ -24110,7 +24101,7 @@
           <a:lstStyle/>
           <a:p>
             <a:r>
-              <a:t>EDA (bb_gip): Missing Values</a:t>
+              <a:t>EDA Example</a:t>
             </a:r>
           </a:p>
         </p:txBody>
@@ -24122,12 +24113,19 @@
             <a:spLocks noGrp="1"/>
           </p:cNvSpPr>
           <p:nvPr>
-            <p:ph idx="1"/>
+            <p:ph sz="half" idx="1"/>
           </p:nvPr>
         </p:nvSpPr>
-        <p:spPr/>
+        <p:spPr>
+          <a:xfrm>
+            <a:off x="677334" y="2517731"/>
+            <a:ext cx="5678466" cy="3586260"/>
+          </a:xfrm>
+        </p:spPr>
         <p:txBody>
-          <a:bodyPr/>
+          <a:bodyPr>
+            <a:normAutofit/>
+          </a:bodyPr>
           <a:lstStyle/>
           <a:p>
             <a:pPr marL="12700" marR="12700" indent="0" algn="just">
@@ -24140,7 +24138,7 @@
               <a:buNone/>
             </a:pPr>
             <a:r>
-              <a:rPr sz="1800">
+              <a:rPr dirty="0">
                 <a:solidFill>
                   <a:srgbClr val="000000">
                     <a:alpha val="100000"/>
@@ -24152,6 +24150,90 @@
               </a:rPr>
               <a:t>Min. 1st Qu.  Median    Mean 3rd Qu.    Max.    NA's 
    0.00   25.57   92.21   79.33  116.50 1959.00    2356</a:t>
+            </a:r>
+          </a:p>
+        </p:txBody>
+      </p:sp>
+      <p:sp>
+        <p:nvSpPr>
+          <p:cNvPr id="4" name="Content Placeholder 3"/>
+          <p:cNvSpPr>
+            <a:spLocks noGrp="1"/>
+          </p:cNvSpPr>
+          <p:nvPr>
+            <p:ph sz="half" idx="2"/>
+          </p:nvPr>
+        </p:nvSpPr>
+        <p:spPr>
+          <a:xfrm>
+            <a:off x="677334" y="1640911"/>
+            <a:ext cx="8596670" cy="1202498"/>
+          </a:xfrm>
+        </p:spPr>
+        <p:txBody>
+          <a:bodyPr/>
+          <a:lstStyle/>
+          <a:p>
+            <a:pPr marL="12700" marR="12700" indent="0" algn="l">
+              <a:spcBef>
+                <a:spcPts val="100"/>
+              </a:spcBef>
+              <a:spcAft>
+                <a:spcPts val="100"/>
+              </a:spcAft>
+              <a:buNone/>
+            </a:pPr>
+            <a:r>
+              <a:rPr sz="1800" dirty="0">
+                <a:solidFill>
+                  <a:srgbClr val="0000FF">
+                    <a:alpha val="100000"/>
+                  </a:srgbClr>
+                </a:solidFill>
+                <a:latin typeface="Arial"/>
+                <a:ea typeface="Arial"/>
+                <a:cs typeface="Arial"/>
+              </a:rPr>
+              <a:t>summary</a:t>
+            </a:r>
+            <a:r>
+              <a:rPr sz="1800" dirty="0">
+                <a:solidFill>
+                  <a:srgbClr val="000000">
+                    <a:alpha val="100000"/>
+                  </a:srgbClr>
+                </a:solidFill>
+                <a:latin typeface="Arial"/>
+                <a:ea typeface="Arial"/>
+                <a:cs typeface="Arial"/>
+              </a:rPr>
+              <a:t>(</a:t>
+            </a:r>
+            <a:r>
+              <a:rPr sz="1800" dirty="0" err="1">
+                <a:solidFill>
+                  <a:srgbClr val="000000">
+                    <a:alpha val="100000"/>
+                  </a:srgbClr>
+                </a:solidFill>
+                <a:latin typeface="Arial"/>
+                <a:ea typeface="Arial"/>
+                <a:cs typeface="Arial"/>
+              </a:rPr>
+              <a:t>train$bb_gip_etc_ratio_std</a:t>
+            </a:r>
+            <a:r>
+              <a:rPr sz="1800" dirty="0">
+                <a:solidFill>
+                  <a:srgbClr val="000000">
+                    <a:alpha val="100000"/>
+                  </a:srgbClr>
+                </a:solidFill>
+                <a:latin typeface="Arial"/>
+                <a:ea typeface="Arial"/>
+                <a:cs typeface="Arial"/>
+              </a:rPr>
+              <a:t>)</a:t>
             </a:r>
           </a:p>
         </p:txBody>
